--- a/Poster_Final.pptx
+++ b/Poster_Final.pptx
@@ -252,7 +252,18 @@
       </p14:sectionLst>
     </p:ext>
     <p:ext uri="{EFAFB233-063F-42B5-8137-9DF3F51BA10A}">
-      <p15:sldGuideLst xmlns="" xmlns:p15="http://schemas.microsoft.com/office/powerpoint/2012/main"/>
+      <p15:sldGuideLst xmlns:p15="http://schemas.microsoft.com/office/powerpoint/2012/main">
+        <p15:guide id="1" orient="horz" pos="10368">
+          <p15:clr>
+            <a:srgbClr val="A4A3A4"/>
+          </p15:clr>
+        </p15:guide>
+        <p15:guide id="2" pos="13824">
+          <p15:clr>
+            <a:srgbClr val="A4A3A4"/>
+          </p15:clr>
+        </p15:guide>
+      </p15:sldGuideLst>
     </p:ext>
   </p:extLst>
 </p:presentation>
@@ -3167,7 +3178,7 @@
           <p:cNvPr id="3" name="TextBox 2">
             <a:extLst>
               <a:ext uri="{FF2B5EF4-FFF2-40B4-BE49-F238E27FC236}">
-                <a16:creationId xmlns="" xmlns:a16="http://schemas.microsoft.com/office/drawing/2014/main" id="{B80D3ED1-4B7E-4F37-B5E8-BC6981D903F4}"/>
+                <a16:creationId xmlns:a16="http://schemas.microsoft.com/office/drawing/2014/main" id="{B80D3ED1-4B7E-4F37-B5E8-BC6981D903F4}"/>
               </a:ext>
             </a:extLst>
           </p:cNvPr>
@@ -3193,45 +3204,8 @@
             <a:pPr algn="ctr"/>
             <a:r>
               <a:rPr lang="en-US" sz="5400" b="1" dirty="0"/>
-              <a:t>Modeling </a:t>
-            </a:r>
-            <a:r>
-              <a:rPr lang="en-US" sz="5400" b="1" dirty="0" smtClean="0"/>
-              <a:t>Wine Quality </a:t>
-            </a:r>
-            <a:r>
-              <a:rPr lang="en-US" sz="5400" b="1" dirty="0"/>
-              <a:t>by </a:t>
-            </a:r>
-            <a:r>
-              <a:rPr lang="en-US" sz="5400" b="1" dirty="0" smtClean="0"/>
-              <a:t>Data </a:t>
-            </a:r>
-            <a:r>
-              <a:rPr lang="en-US" sz="5400" b="1" dirty="0"/>
-              <a:t>M</a:t>
-            </a:r>
-            <a:r>
-              <a:rPr lang="en-US" sz="5400" b="1" dirty="0" smtClean="0"/>
-              <a:t>ining </a:t>
-            </a:r>
-            <a:r>
-              <a:rPr lang="en-US" sz="5400" b="1" dirty="0"/>
-              <a:t>from </a:t>
-            </a:r>
-            <a:r>
-              <a:rPr lang="en-US" sz="5400" b="1" dirty="0" smtClean="0"/>
-              <a:t>Physicochemical </a:t>
-            </a:r>
-            <a:r>
-              <a:rPr lang="en-US" sz="5400" b="1" dirty="0"/>
-              <a:t>P</a:t>
-            </a:r>
-            <a:r>
-              <a:rPr lang="en-US" sz="5400" b="1" dirty="0" smtClean="0"/>
-              <a:t>roperties</a:t>
-            </a:r>
-            <a:endParaRPr lang="en-US" sz="5400" b="1" dirty="0"/>
+              <a:t>Modeling Wine Quality by Data Mining from Physicochemical Properties</a:t>
+            </a:r>
           </a:p>
           <a:p>
             <a:endParaRPr lang="en-US" dirty="0"/>
@@ -3243,7 +3217,7 @@
           <p:cNvPr id="55" name="TextBox 54">
             <a:extLst>
               <a:ext uri="{FF2B5EF4-FFF2-40B4-BE49-F238E27FC236}">
-                <a16:creationId xmlns="" xmlns:a16="http://schemas.microsoft.com/office/drawing/2014/main" id="{68B77CA1-9ED5-4234-87CE-9A1E46EDE998}"/>
+                <a16:creationId xmlns:a16="http://schemas.microsoft.com/office/drawing/2014/main" id="{68B77CA1-9ED5-4234-87CE-9A1E46EDE998}"/>
               </a:ext>
             </a:extLst>
           </p:cNvPr>
@@ -3324,7 +3298,7 @@
           <p:cNvPr id="99" name="TextBox 98">
             <a:extLst>
               <a:ext uri="{FF2B5EF4-FFF2-40B4-BE49-F238E27FC236}">
-                <a16:creationId xmlns="" xmlns:a16="http://schemas.microsoft.com/office/drawing/2014/main" id="{111EA338-039F-4BBC-9C63-5013916DFF67}"/>
+                <a16:creationId xmlns:a16="http://schemas.microsoft.com/office/drawing/2014/main" id="{111EA338-039F-4BBC-9C63-5013916DFF67}"/>
               </a:ext>
             </a:extLst>
           </p:cNvPr>
@@ -3356,228 +3330,12 @@
           </a:p>
         </p:txBody>
       </p:sp>
-      <mc:AlternateContent xmlns:mc="http://schemas.openxmlformats.org/markup-compatibility/2006" xmlns:a14="http://schemas.microsoft.com/office/drawing/2010/main">
-        <mc:Choice Requires="a14">
-          <p:sp>
-            <p:nvSpPr>
-              <p:cNvPr id="34" name="TextBox 33">
-                <a:extLst>
-                  <a:ext uri="{FF2B5EF4-FFF2-40B4-BE49-F238E27FC236}">
-                    <a16:creationId xmlns="" xmlns:a16="http://schemas.microsoft.com/office/drawing/2014/main" id="{EDA60361-C87D-461F-ACFD-EB6D8FB4F3B4}"/>
-                  </a:ext>
-                </a:extLst>
-              </p:cNvPr>
-              <p:cNvSpPr txBox="1"/>
-              <p:nvPr/>
-            </p:nvSpPr>
-            <p:spPr>
-              <a:xfrm>
-                <a:off x="32650489" y="7479488"/>
-                <a:ext cx="11180120" cy="2308324"/>
-              </a:xfrm>
-              <a:prstGeom prst="rect">
-                <a:avLst/>
-              </a:prstGeom>
-              <a:noFill/>
-            </p:spPr>
-            <p:txBody>
-              <a:bodyPr wrap="square" rtlCol="0">
-                <a:spAutoFit/>
-              </a:bodyPr>
-              <a:lstStyle/>
-              <a:p>
-                <a:pPr marL="342900" indent="-342900">
-                  <a:buFont typeface="Arial" panose="020B0604020202020204" pitchFamily="34" charset="0"/>
-                  <a:buChar char="•"/>
-                </a:pPr>
-                <a:r>
-                  <a:rPr lang="en-US" sz="2400" dirty="0" smtClean="0"/>
-                  <a:t>v</a:t>
-                </a:r>
-                <a:r>
-                  <a:rPr lang="en-US" sz="2400" dirty="0" err="1" smtClean="0"/>
-                  <a:t>olatile.acidityCent</a:t>
-                </a:r>
-                <a:r>
-                  <a:rPr lang="en-US" sz="2400" dirty="0"/>
-                  <a:t>, </a:t>
-                </a:r>
-                <a:r>
-                  <a:rPr lang="en-US" sz="2400" dirty="0" err="1"/>
-                  <a:t>log_sulphates</a:t>
-                </a:r>
-                <a:r>
-                  <a:rPr lang="en-US" sz="2400" dirty="0"/>
-                  <a:t>, </a:t>
-                </a:r>
-                <a:r>
-                  <a:rPr lang="en-US" sz="2400" dirty="0" err="1"/>
-                  <a:t>chloridesCent</a:t>
-                </a:r>
-                <a:r>
-                  <a:rPr lang="en-US" sz="2400" dirty="0"/>
-                  <a:t>, and interaction between </a:t>
-                </a:r>
-                <a:r>
-                  <a:rPr lang="en-US" sz="2400" dirty="0" err="1"/>
-                  <a:t>logsulphates</a:t>
-                </a:r>
-                <a:r>
-                  <a:rPr lang="en-US" sz="2400" dirty="0"/>
-                  <a:t> and </a:t>
-                </a:r>
-                <a:r>
-                  <a:rPr lang="en-US" sz="2400" dirty="0" err="1"/>
-                  <a:t>phCent</a:t>
-                </a:r>
-                <a:r>
-                  <a:rPr lang="en-US" sz="2400" dirty="0"/>
-                  <a:t> are </a:t>
-                </a:r>
-                <a:r>
-                  <a:rPr lang="en-US" sz="2400" dirty="0" smtClean="0"/>
-                  <a:t>the most </a:t>
-                </a:r>
-                <a:r>
-                  <a:rPr lang="en-US" sz="2400" dirty="0"/>
-                  <a:t>influential </a:t>
-                </a:r>
-                <a:r>
-                  <a:rPr lang="en-US" sz="2400" dirty="0" smtClean="0"/>
-                  <a:t>predictors</a:t>
-                </a:r>
-                <a:endParaRPr lang="en-US" altLang="zh-CN" sz="2400" dirty="0"/>
-              </a:p>
-              <a:p>
-                <a:pPr marL="342900" indent="-342900">
-                  <a:buFont typeface="Arial" panose="020B0604020202020204" pitchFamily="34" charset="0"/>
-                  <a:buChar char="•"/>
-                </a:pPr>
-                <a:r>
-                  <a:rPr lang="en-US" sz="2400" dirty="0" err="1"/>
-                  <a:t>pHCent</a:t>
-                </a:r>
-                <a:r>
-                  <a:rPr lang="en-US" sz="2400" dirty="0"/>
-                  <a:t> and </a:t>
-                </a:r>
-                <a:r>
-                  <a:rPr lang="en-US" sz="2400" dirty="0" err="1"/>
-                  <a:t>chloridesCent</a:t>
-                </a:r>
-                <a:r>
-                  <a:rPr lang="en-US" sz="2400" dirty="0"/>
-                  <a:t> have p-values exceeding the 0.05 threshold, so the extent of their impact is not </a:t>
-                </a:r>
-                <a:r>
-                  <a:rPr lang="en-US" sz="2400" dirty="0" smtClean="0"/>
-                  <a:t>significant</a:t>
-                </a:r>
-                <a:endParaRPr lang="en-US" sz="2400" dirty="0"/>
-              </a:p>
-              <a:p>
-                <a:pPr marL="342900" indent="-342900">
-                  <a:buFont typeface="Arial" panose="020B0604020202020204" pitchFamily="34" charset="0"/>
-                  <a:buChar char="•"/>
-                </a:pPr>
-                <a:r>
-                  <a:rPr lang="en-US" altLang="zh-CN" sz="2400" dirty="0"/>
-                  <a:t>The remaining variables are very strong predictors </a:t>
-                </a:r>
-                <a:r>
-                  <a:rPr lang="en-US" altLang="zh-CN" sz="2400" dirty="0" smtClean="0"/>
-                  <a:t>with p-value </a:t>
-                </a:r>
-                <a14:m>
-                  <m:oMath xmlns:m="http://schemas.openxmlformats.org/officeDocument/2006/math">
-                    <m:r>
-                      <a:rPr lang="en-US" altLang="zh-CN" sz="2400" i="1" smtClean="0">
-                        <a:latin typeface="Cambria Math"/>
-                        <a:ea typeface="Cambria Math"/>
-                      </a:rPr>
-                      <m:t>≅</m:t>
-                    </m:r>
-                    <m:r>
-                      <a:rPr lang="en-CA" altLang="zh-CN" sz="2400" b="0" i="1" smtClean="0">
-                        <a:latin typeface="Cambria Math"/>
-                        <a:ea typeface="Cambria Math"/>
-                      </a:rPr>
-                      <m:t>0</m:t>
-                    </m:r>
-                  </m:oMath>
-                </a14:m>
-                <a:r>
-                  <a:rPr lang="en-US" altLang="zh-CN" sz="2400" dirty="0" smtClean="0"/>
-                  <a:t>, </a:t>
-                </a:r>
-                <a:r>
-                  <a:rPr lang="en-US" altLang="zh-CN" sz="2400" dirty="0"/>
-                  <a:t>but the magnitude of impact is not that large as their coefficients are relatively </a:t>
-                </a:r>
-                <a:r>
-                  <a:rPr lang="en-US" altLang="zh-CN" sz="2400" dirty="0" smtClean="0"/>
-                  <a:t>small</a:t>
-                </a:r>
-                <a:r>
-                  <a:rPr lang="en-US" sz="2400" dirty="0" smtClean="0"/>
-                  <a:t> </a:t>
-                </a:r>
-                <a:endParaRPr lang="en-US" sz="2400" dirty="0"/>
-              </a:p>
-            </p:txBody>
-          </p:sp>
-        </mc:Choice>
-        <mc:Fallback xmlns="">
-          <p:sp>
-            <p:nvSpPr>
-              <p:cNvPr id="34" name="TextBox 33">
-                <a:extLst>
-                  <a:ext uri="{FF2B5EF4-FFF2-40B4-BE49-F238E27FC236}">
-                    <a16:creationId xmlns:a16="http://schemas.microsoft.com/office/drawing/2014/main" xmlns="" id="{EDA60361-C87D-461F-ACFD-EB6D8FB4F3B4}"/>
-                  </a:ext>
-                </a:extLst>
-              </p:cNvPr>
-              <p:cNvSpPr txBox="1">
-                <a:spLocks noRot="1" noChangeAspect="1" noMove="1" noResize="1" noEditPoints="1" noAdjustHandles="1" noChangeArrowheads="1" noChangeShapeType="1" noTextEdit="1"/>
-              </p:cNvSpPr>
-              <p:nvPr/>
-            </p:nvSpPr>
-            <p:spPr>
-              <a:xfrm>
-                <a:off x="32650489" y="7479488"/>
-                <a:ext cx="11180120" cy="2308324"/>
-              </a:xfrm>
-              <a:prstGeom prst="rect">
-                <a:avLst/>
-              </a:prstGeom>
-              <a:blipFill rotWithShape="1">
-                <a:blip r:embed="rId3"/>
-                <a:stretch>
-                  <a:fillRect l="-709" t="-1847" r="-818" b="-5277"/>
-                </a:stretch>
-              </a:blipFill>
-            </p:spPr>
-            <p:txBody>
-              <a:bodyPr/>
-              <a:lstStyle/>
-              <a:p>
-                <a:r>
-                  <a:rPr lang="en-CA">
-                    <a:noFill/>
-                  </a:rPr>
-                  <a:t> </a:t>
-                </a:r>
-              </a:p>
-            </p:txBody>
-          </p:sp>
-        </mc:Fallback>
-      </mc:AlternateContent>
       <p:sp>
         <p:nvSpPr>
           <p:cNvPr id="129" name="TextBox 128">
             <a:extLst>
               <a:ext uri="{FF2B5EF4-FFF2-40B4-BE49-F238E27FC236}">
-                <a16:creationId xmlns="" xmlns:a16="http://schemas.microsoft.com/office/drawing/2014/main" id="{129F24FF-1380-4E6A-AA4A-45888CEB15A7}"/>
+                <a16:creationId xmlns:a16="http://schemas.microsoft.com/office/drawing/2014/main" id="{129F24FF-1380-4E6A-AA4A-45888CEB15A7}"/>
               </a:ext>
             </a:extLst>
           </p:cNvPr>
@@ -3603,23 +3361,15 @@
             <a:pPr algn="ctr"/>
             <a:r>
               <a:rPr lang="en-US" sz="2800" b="1" dirty="0"/>
-              <a:t>Dec. </a:t>
-            </a:r>
-            <a:r>
-              <a:rPr lang="en-US" sz="2800" b="1" dirty="0" smtClean="0"/>
-              <a:t>15</a:t>
-            </a:r>
-            <a:r>
-              <a:rPr lang="en-US" sz="2800" b="1" baseline="30000" dirty="0" smtClean="0"/>
+              <a:t>Dec. 15</a:t>
+            </a:r>
+            <a:r>
+              <a:rPr lang="en-US" sz="2800" b="1" baseline="30000" dirty="0"/>
               <a:t>th</a:t>
             </a:r>
             <a:r>
-              <a:rPr lang="en-US" sz="2800" b="1" dirty="0" smtClean="0"/>
-              <a:t>, </a:t>
-            </a:r>
-            <a:r>
               <a:rPr lang="en-US" sz="2800" b="1" dirty="0"/>
-              <a:t>2018</a:t>
+              <a:t>, 2018</a:t>
             </a:r>
             <a:endParaRPr lang="en-US" b="1" dirty="0"/>
           </a:p>
@@ -3644,7 +3394,7 @@
             <p:cNvPr id="41" name="TextBox 40">
               <a:extLst>
                 <a:ext uri="{FF2B5EF4-FFF2-40B4-BE49-F238E27FC236}">
-                  <a16:creationId xmlns="" xmlns:a16="http://schemas.microsoft.com/office/drawing/2014/main" id="{29533C68-EBDA-4877-B003-57B669ED2E65}"/>
+                  <a16:creationId xmlns:a16="http://schemas.microsoft.com/office/drawing/2014/main" id="{29533C68-EBDA-4877-B003-57B669ED2E65}"/>
                 </a:ext>
               </a:extLst>
             </p:cNvPr>
@@ -3836,7 +3586,7 @@
             <p:cNvPr id="139" name="TextBox 138">
               <a:extLst>
                 <a:ext uri="{FF2B5EF4-FFF2-40B4-BE49-F238E27FC236}">
-                  <a16:creationId xmlns="" xmlns:a16="http://schemas.microsoft.com/office/drawing/2014/main" id="{29533C68-EBDA-4877-B003-57B669ED2E65}"/>
+                  <a16:creationId xmlns:a16="http://schemas.microsoft.com/office/drawing/2014/main" id="{29533C68-EBDA-4877-B003-57B669ED2E65}"/>
                 </a:ext>
               </a:extLst>
             </p:cNvPr>
@@ -4014,7 +3764,7 @@
           <p:cNvPr id="84" name="Picture 83">
             <a:extLst>
               <a:ext uri="{FF2B5EF4-FFF2-40B4-BE49-F238E27FC236}">
-                <a16:creationId xmlns="" xmlns:a16="http://schemas.microsoft.com/office/drawing/2014/main" id="{A8AA56A3-1F16-475E-A574-74C072B931B0}"/>
+                <a16:creationId xmlns:a16="http://schemas.microsoft.com/office/drawing/2014/main" id="{A8AA56A3-1F16-475E-A574-74C072B931B0}"/>
               </a:ext>
             </a:extLst>
           </p:cNvPr>
@@ -4024,7 +3774,7 @@
           <p:nvPr/>
         </p:nvPicPr>
         <p:blipFill>
-          <a:blip r:embed="rId4"/>
+          <a:blip r:embed="rId3"/>
           <a:stretch>
             <a:fillRect/>
           </a:stretch>
@@ -4044,7 +3794,7 @@
           <p:cNvPr id="85" name="Picture 84">
             <a:extLst>
               <a:ext uri="{FF2B5EF4-FFF2-40B4-BE49-F238E27FC236}">
-                <a16:creationId xmlns="" xmlns:a16="http://schemas.microsoft.com/office/drawing/2014/main" id="{577767B9-A1CF-4B3C-8E45-0833AE06CC27}"/>
+                <a16:creationId xmlns:a16="http://schemas.microsoft.com/office/drawing/2014/main" id="{577767B9-A1CF-4B3C-8E45-0833AE06CC27}"/>
               </a:ext>
             </a:extLst>
           </p:cNvPr>
@@ -4054,7 +3804,7 @@
           <p:nvPr/>
         </p:nvPicPr>
         <p:blipFill>
-          <a:blip r:embed="rId5"/>
+          <a:blip r:embed="rId4"/>
           <a:stretch>
             <a:fillRect/>
           </a:stretch>
@@ -4069,80 +3819,12 @@
           </a:prstGeom>
         </p:spPr>
       </p:pic>
-      <p:sp>
-        <p:nvSpPr>
-          <p:cNvPr id="8" name="文本框 7">
-            <a:extLst>
-              <a:ext uri="{FF2B5EF4-FFF2-40B4-BE49-F238E27FC236}">
-                <a16:creationId xmlns="" xmlns:a16="http://schemas.microsoft.com/office/drawing/2014/main" id="{D4F983C4-CD7D-4D8B-A72E-8E7D2755127C}"/>
-              </a:ext>
-            </a:extLst>
-          </p:cNvPr>
-          <p:cNvSpPr txBox="1"/>
-          <p:nvPr/>
-        </p:nvSpPr>
-        <p:spPr>
-          <a:xfrm>
-            <a:off x="315536" y="31020703"/>
-            <a:ext cx="9940851" cy="1877437"/>
-          </a:xfrm>
-          <a:prstGeom prst="rect">
-            <a:avLst/>
-          </a:prstGeom>
-          <a:noFill/>
-        </p:spPr>
-        <p:txBody>
-          <a:bodyPr wrap="square" rtlCol="0">
-            <a:spAutoFit/>
-          </a:bodyPr>
-          <a:lstStyle/>
-          <a:p>
-            <a:r>
-              <a:rPr lang="en-US" altLang="zh-CN" sz="1800" dirty="0"/>
-              <a:t>References:  </a:t>
-            </a:r>
-          </a:p>
-          <a:p>
-            <a:endParaRPr lang="en-US" altLang="zh-CN" sz="1800" dirty="0"/>
-          </a:p>
-          <a:p>
-            <a:r>
-              <a:rPr lang="en-US" altLang="zh-CN" sz="1600" dirty="0" err="1"/>
-              <a:t>Vinho</a:t>
-            </a:r>
-            <a:r>
-              <a:rPr lang="en-US" altLang="zh-CN" sz="1600" dirty="0"/>
-              <a:t> Verde. (2018, September 20). Retrieved from https://en.wikipedia.org/wiki/Vinho_Verde</a:t>
-            </a:r>
-          </a:p>
-          <a:p>
-            <a:endParaRPr lang="en-US" altLang="zh-CN" sz="1800" dirty="0"/>
-          </a:p>
-          <a:p>
-            <a:r>
-              <a:rPr lang="en-US" altLang="zh-CN" sz="1600" dirty="0"/>
-              <a:t>Cortez, P., </a:t>
-            </a:r>
-            <a:r>
-              <a:rPr lang="en-US" altLang="zh-CN" sz="1600" dirty="0" err="1"/>
-              <a:t>Cerdeira</a:t>
-            </a:r>
-            <a:r>
-              <a:rPr lang="en-US" altLang="zh-CN" sz="1600" dirty="0"/>
-              <a:t>, A., Almeida, F., Matos, T., &amp; Reis, J. (2009). Modeling wine preferences by data mining from physicochemical properties. Decision Support Systems,47(4), 547-553. doi:10.1016/j.dss.2009.05.016</a:t>
-            </a:r>
-          </a:p>
-          <a:p>
-            <a:endParaRPr lang="zh-CN" altLang="en-US" dirty="0"/>
-          </a:p>
-        </p:txBody>
-      </p:sp>
       <p:grpSp>
         <p:nvGrpSpPr>
           <p:cNvPr id="14" name="Group 13">
             <a:extLst>
               <a:ext uri="{FF2B5EF4-FFF2-40B4-BE49-F238E27FC236}">
-                <a16:creationId xmlns="" xmlns:a16="http://schemas.microsoft.com/office/drawing/2014/main" id="{FB57CE20-139F-43B6-A2D7-BD0FF4856C9F}"/>
+                <a16:creationId xmlns:a16="http://schemas.microsoft.com/office/drawing/2014/main" id="{FB57CE20-139F-43B6-A2D7-BD0FF4856C9F}"/>
               </a:ext>
             </a:extLst>
           </p:cNvPr>
@@ -4162,7 +3844,7 @@
             <p:cNvPr id="2" name="Picture 2" descr="Aveleda Casal Garcia Vinho Verde White N.V.">
               <a:extLst>
                 <a:ext uri="{FF2B5EF4-FFF2-40B4-BE49-F238E27FC236}">
-                  <a16:creationId xmlns="" xmlns:a16="http://schemas.microsoft.com/office/drawing/2014/main" id="{07A24BEC-4C9D-4454-84FC-FDC491D87AEA}"/>
+                  <a16:creationId xmlns:a16="http://schemas.microsoft.com/office/drawing/2014/main" id="{07A24BEC-4C9D-4454-84FC-FDC491D87AEA}"/>
                 </a:ext>
               </a:extLst>
             </p:cNvPr>
@@ -4172,7 +3854,7 @@
             <p:nvPr/>
           </p:nvPicPr>
           <p:blipFill>
-            <a:blip r:embed="rId6">
+            <a:blip r:embed="rId5">
               <a:extLst>
                 <a:ext uri="{28A0092B-C50C-407E-A947-70E740481C1C}">
                   <a14:useLocalDpi xmlns:a14="http://schemas.microsoft.com/office/drawing/2010/main" val="0"/>
@@ -4209,7 +3891,7 @@
             <p:cNvPr id="66" name="Picture 2" descr="Aveleda Casal Garcia Vinho Verde White N.V.">
               <a:extLst>
                 <a:ext uri="{FF2B5EF4-FFF2-40B4-BE49-F238E27FC236}">
-                  <a16:creationId xmlns="" xmlns:a16="http://schemas.microsoft.com/office/drawing/2014/main" id="{DF3B0163-F2CF-41ED-B5D7-8D2AD96B3D44}"/>
+                  <a16:creationId xmlns:a16="http://schemas.microsoft.com/office/drawing/2014/main" id="{DF3B0163-F2CF-41ED-B5D7-8D2AD96B3D44}"/>
                 </a:ext>
               </a:extLst>
             </p:cNvPr>
@@ -4219,7 +3901,7 @@
             <p:nvPr/>
           </p:nvPicPr>
           <p:blipFill>
-            <a:blip r:embed="rId6">
+            <a:blip r:embed="rId5">
               <a:extLst>
                 <a:ext uri="{28A0092B-C50C-407E-A947-70E740481C1C}">
                   <a14:useLocalDpi xmlns:a14="http://schemas.microsoft.com/office/drawing/2010/main" val="0"/>
@@ -4256,7 +3938,7 @@
             <p:cNvPr id="67" name="Picture 2" descr="Aveleda Casal Garcia Vinho Verde White N.V.">
               <a:extLst>
                 <a:ext uri="{FF2B5EF4-FFF2-40B4-BE49-F238E27FC236}">
-                  <a16:creationId xmlns="" xmlns:a16="http://schemas.microsoft.com/office/drawing/2014/main" id="{E0C39A4D-677F-4BBF-9EBD-7035EFF731D2}"/>
+                  <a16:creationId xmlns:a16="http://schemas.microsoft.com/office/drawing/2014/main" id="{E0C39A4D-677F-4BBF-9EBD-7035EFF731D2}"/>
                 </a:ext>
               </a:extLst>
             </p:cNvPr>
@@ -4266,7 +3948,7 @@
             <p:nvPr/>
           </p:nvPicPr>
           <p:blipFill>
-            <a:blip r:embed="rId6">
+            <a:blip r:embed="rId5">
               <a:extLst>
                 <a:ext uri="{28A0092B-C50C-407E-A947-70E740481C1C}">
                   <a14:useLocalDpi xmlns:a14="http://schemas.microsoft.com/office/drawing/2010/main" val="0"/>
@@ -4303,7 +3985,7 @@
             <p:cNvPr id="68" name="Picture 2" descr="Aveleda Casal Garcia Vinho Verde White N.V.">
               <a:extLst>
                 <a:ext uri="{FF2B5EF4-FFF2-40B4-BE49-F238E27FC236}">
-                  <a16:creationId xmlns="" xmlns:a16="http://schemas.microsoft.com/office/drawing/2014/main" id="{664523AD-4AD8-47FE-BC00-7390FAB789D0}"/>
+                  <a16:creationId xmlns:a16="http://schemas.microsoft.com/office/drawing/2014/main" id="{664523AD-4AD8-47FE-BC00-7390FAB789D0}"/>
                 </a:ext>
               </a:extLst>
             </p:cNvPr>
@@ -4313,7 +3995,7 @@
             <p:nvPr/>
           </p:nvPicPr>
           <p:blipFill>
-            <a:blip r:embed="rId6">
+            <a:blip r:embed="rId5">
               <a:extLst>
                 <a:ext uri="{28A0092B-C50C-407E-A947-70E740481C1C}">
                   <a14:useLocalDpi xmlns:a14="http://schemas.microsoft.com/office/drawing/2010/main" val="0"/>
@@ -4350,7 +4032,7 @@
             <p:cNvPr id="69" name="Picture 2" descr="Aveleda Casal Garcia Vinho Verde White N.V.">
               <a:extLst>
                 <a:ext uri="{FF2B5EF4-FFF2-40B4-BE49-F238E27FC236}">
-                  <a16:creationId xmlns="" xmlns:a16="http://schemas.microsoft.com/office/drawing/2014/main" id="{7D865A2B-C9DA-4F51-B727-54454592F9D0}"/>
+                  <a16:creationId xmlns:a16="http://schemas.microsoft.com/office/drawing/2014/main" id="{7D865A2B-C9DA-4F51-B727-54454592F9D0}"/>
                 </a:ext>
               </a:extLst>
             </p:cNvPr>
@@ -4360,7 +4042,7 @@
             <p:nvPr/>
           </p:nvPicPr>
           <p:blipFill>
-            <a:blip r:embed="rId6">
+            <a:blip r:embed="rId5">
               <a:extLst>
                 <a:ext uri="{28A0092B-C50C-407E-A947-70E740481C1C}">
                   <a14:useLocalDpi xmlns:a14="http://schemas.microsoft.com/office/drawing/2010/main" val="0"/>
@@ -4393,12 +4075,121 @@
           </p:spPr>
         </p:pic>
       </p:grpSp>
+      <p:sp>
+        <p:nvSpPr>
+          <p:cNvPr id="80" name="Rectangle 79">
+            <a:extLst>
+              <a:ext uri="{FF2B5EF4-FFF2-40B4-BE49-F238E27FC236}">
+                <a16:creationId xmlns:a16="http://schemas.microsoft.com/office/drawing/2014/main" id="{0261F5EA-43A9-4455-9B15-6C3EBE43A29D}"/>
+              </a:ext>
+            </a:extLst>
+          </p:cNvPr>
+          <p:cNvSpPr/>
+          <p:nvPr/>
+        </p:nvSpPr>
+        <p:spPr>
+          <a:xfrm>
+            <a:off x="11898630" y="4602503"/>
+            <a:ext cx="20093940" cy="4462760"/>
+          </a:xfrm>
+          <a:prstGeom prst="rect">
+            <a:avLst/>
+          </a:prstGeom>
+        </p:spPr>
+        <p:txBody>
+          <a:bodyPr wrap="square">
+            <a:spAutoFit/>
+          </a:bodyPr>
+          <a:lstStyle/>
+          <a:p>
+            <a:r>
+              <a:rPr lang="en-US" sz="2400" dirty="0"/>
+              <a:t>Project Goal: </a:t>
+            </a:r>
+            <a:r>
+              <a:rPr lang="en-US" sz="2400" b="1" dirty="0"/>
+              <a:t>Explanation</a:t>
+            </a:r>
+            <a:r>
+              <a:rPr lang="en-US" sz="2400" dirty="0"/>
+              <a:t>. </a:t>
+            </a:r>
+          </a:p>
+          <a:p>
+            <a:r>
+              <a:rPr lang="en-US" sz="2400" dirty="0"/>
+              <a:t>To identify variables that are important in explaining variation in the response.</a:t>
+            </a:r>
+          </a:p>
+          <a:p>
+            <a:endParaRPr lang="en-US" sz="2400" dirty="0"/>
+          </a:p>
+          <a:p>
+            <a:r>
+              <a:rPr lang="en-US" sz="2400" dirty="0"/>
+              <a:t>We are interested in </a:t>
+            </a:r>
+            <a:r>
+              <a:rPr lang="en-US" sz="2400" b="1" dirty="0"/>
+              <a:t>researching what factors contribute to the quality of wine for different types of red </a:t>
+            </a:r>
+            <a:r>
+              <a:rPr lang="en-US" sz="2400" b="1" dirty="0" err="1"/>
+              <a:t>vinho</a:t>
+            </a:r>
+            <a:r>
+              <a:rPr lang="en-US" sz="2400" b="1" dirty="0"/>
+              <a:t> </a:t>
+            </a:r>
+            <a:r>
+              <a:rPr lang="en-US" sz="2400" b="1" dirty="0" err="1"/>
+              <a:t>verde</a:t>
+            </a:r>
+            <a:r>
+              <a:rPr lang="en-US" sz="2400" b="1" dirty="0"/>
+              <a:t> from Portugal.</a:t>
+            </a:r>
+          </a:p>
+          <a:p>
+            <a:endParaRPr lang="en-US" sz="2000" dirty="0"/>
+          </a:p>
+          <a:p>
+            <a:r>
+              <a:rPr lang="en-US" sz="2400" dirty="0"/>
+              <a:t>What makes a good glass of wine? How do wine experts evaluate whether a wine satiates human palettes? We picked red </a:t>
+            </a:r>
+            <a:r>
+              <a:rPr lang="en-US" sz="2400" dirty="0" err="1"/>
+              <a:t>vinho</a:t>
+            </a:r>
+            <a:r>
+              <a:rPr lang="en-US" sz="2400" dirty="0"/>
+              <a:t> </a:t>
+            </a:r>
+            <a:r>
+              <a:rPr lang="en-US" sz="2400" dirty="0" err="1"/>
+              <a:t>verde</a:t>
+            </a:r>
+            <a:r>
+              <a:rPr lang="en-US" sz="2400" dirty="0"/>
+              <a:t> from Portugal as the wine of interest for our research. The data set in this research was used to predict the quality of wine for future wine certification, complementary to human wine tasters, in the paper we cited. We believe that this data set can also be used to analyze what chemical factors are attributable to the final rating of wine on a scale of 0 to 10. Understanding what makes a good wine may shed light on future directions for chemical methods that could improve/preserve wine quality.</a:t>
+            </a:r>
+            <a:br>
+              <a:rPr lang="en-US" sz="2400" dirty="0"/>
+            </a:br>
+            <a:br>
+              <a:rPr lang="en-US" sz="2400" dirty="0"/>
+            </a:br>
+            <a:endParaRPr lang="en-US" sz="2400" dirty="0"/>
+          </a:p>
+        </p:txBody>
+      </p:sp>
       <p:grpSp>
         <p:nvGrpSpPr>
-          <p:cNvPr id="73" name="Group 72">
+          <p:cNvPr id="95" name="Group 94">
             <a:extLst>
               <a:ext uri="{FF2B5EF4-FFF2-40B4-BE49-F238E27FC236}">
-                <a16:creationId xmlns="" xmlns:a16="http://schemas.microsoft.com/office/drawing/2014/main" id="{3AD273E8-0FC9-49A8-A4FC-28DFC3790D90}"/>
+                <a16:creationId xmlns:a16="http://schemas.microsoft.com/office/drawing/2014/main" id="{3CBE3BE9-0AC3-4718-A2A5-3947B8A857BC}"/>
               </a:ext>
             </a:extLst>
           </p:cNvPr>
@@ -4407,80 +4198,18 @@
         </p:nvGrpSpPr>
         <p:grpSpPr>
           <a:xfrm>
-            <a:off x="11898630" y="3639635"/>
-            <a:ext cx="20093940" cy="5425628"/>
-            <a:chOff x="12031980" y="3630894"/>
-            <a:chExt cx="20093940" cy="5900990"/>
+            <a:off x="13023847" y="9600527"/>
+            <a:ext cx="17843506" cy="3154156"/>
+            <a:chOff x="13023847" y="10250063"/>
+            <a:chExt cx="17843506" cy="3154156"/>
           </a:xfrm>
         </p:grpSpPr>
         <p:sp>
           <p:nvSpPr>
-            <p:cNvPr id="75" name="TextBox 74">
+            <p:cNvPr id="106" name="Rectangle 105">
               <a:extLst>
                 <a:ext uri="{FF2B5EF4-FFF2-40B4-BE49-F238E27FC236}">
-                  <a16:creationId xmlns="" xmlns:a16="http://schemas.microsoft.com/office/drawing/2014/main" id="{DCDD2CD7-E88E-458A-BEB6-3B170D5C6FA6}"/>
-                </a:ext>
-              </a:extLst>
-            </p:cNvPr>
-            <p:cNvSpPr txBox="1"/>
-            <p:nvPr/>
-          </p:nvSpPr>
-          <p:spPr>
-            <a:xfrm>
-              <a:off x="17413540" y="3630894"/>
-              <a:ext cx="8944606" cy="1205072"/>
-            </a:xfrm>
-            <a:prstGeom prst="rect">
-              <a:avLst/>
-            </a:prstGeom>
-            <a:noFill/>
-          </p:spPr>
-          <p:txBody>
-            <a:bodyPr wrap="square" rtlCol="0">
-              <a:spAutoFit/>
-            </a:bodyPr>
-            <a:lstStyle/>
-            <a:p>
-              <a:pPr algn="ctr"/>
-              <a:r>
-                <a:rPr lang="en-US" sz="6600" b="1" dirty="0">
-                  <a:solidFill>
-                    <a:schemeClr val="tx1">
-                      <a:lumMod val="65000"/>
-                      <a:lumOff val="35000"/>
-                    </a:schemeClr>
-                  </a:solidFill>
-                </a:rPr>
-                <a:t>W</a:t>
-              </a:r>
-              <a:r>
-                <a:rPr lang="en-US" sz="4000" b="1" dirty="0">
-                  <a:solidFill>
-                    <a:schemeClr val="tx1">
-                      <a:lumMod val="65000"/>
-                      <a:lumOff val="35000"/>
-                    </a:schemeClr>
-                  </a:solidFill>
-                </a:rPr>
-                <a:t>hat Makes a Good Glass of Wine</a:t>
-              </a:r>
-              <a:endParaRPr lang="en-US" b="1" dirty="0">
-                <a:solidFill>
-                  <a:schemeClr val="tx1">
-                    <a:lumMod val="65000"/>
-                    <a:lumOff val="35000"/>
-                  </a:schemeClr>
-                </a:solidFill>
-              </a:endParaRPr>
-            </a:p>
-          </p:txBody>
-        </p:sp>
-        <p:sp>
-          <p:nvSpPr>
-            <p:cNvPr id="80" name="Rectangle 79">
-              <a:extLst>
-                <a:ext uri="{FF2B5EF4-FFF2-40B4-BE49-F238E27FC236}">
-                  <a16:creationId xmlns="" xmlns:a16="http://schemas.microsoft.com/office/drawing/2014/main" id="{0261F5EA-43A9-4455-9B15-6C3EBE43A29D}"/>
+                  <a16:creationId xmlns:a16="http://schemas.microsoft.com/office/drawing/2014/main" id="{34A5BB44-D0E3-4A7E-AD48-476F832B0C1C}"/>
                 </a:ext>
               </a:extLst>
             </p:cNvPr>
@@ -4489,8 +4218,8 @@
           </p:nvSpPr>
           <p:spPr>
             <a:xfrm>
-              <a:off x="12031980" y="4678123"/>
-              <a:ext cx="20093940" cy="4853761"/>
+              <a:off x="18214832" y="10726563"/>
+              <a:ext cx="7903981" cy="2677656"/>
             </a:xfrm>
             <a:prstGeom prst="rect">
               <a:avLst/>
@@ -4503,352 +4232,44 @@
             <a:lstStyle/>
             <a:p>
               <a:r>
-                <a:rPr lang="en-US" sz="2400" dirty="0"/>
-                <a:t>Project Goal: </a:t>
+                <a:rPr lang="en-US" altLang="zh-CN" sz="2400" b="1" dirty="0"/>
+                <a:t>P</a:t>
               </a:r>
               <a:r>
                 <a:rPr lang="en-US" sz="2400" b="1" dirty="0"/>
-                <a:t>Explanation</a:t>
+                <a:t>roportional odds model</a:t>
               </a:r>
               <a:r>
                 <a:rPr lang="en-US" sz="2400" dirty="0"/>
-                <a:t>. </a:t>
+                <a:t> gives more specific quality level interpretation, which is more informative for professionals in the wine industry.</a:t>
               </a:r>
             </a:p>
             <a:p>
-              <a:r>
-                <a:rPr lang="en-US" sz="2400" dirty="0"/>
-                <a:t>To identify variables that are important in explaining variation in the response.</a:t>
-              </a:r>
-            </a:p>
-            <a:p>
-              <a:endParaRPr lang="en-US" sz="2400" dirty="0"/>
+              <a:endParaRPr lang="en-US" sz="2400" b="1" dirty="0"/>
             </a:p>
             <a:p>
               <a:r>
-                <a:rPr lang="en-US" sz="2400" dirty="0"/>
-                <a:t>We are interested in </a:t>
-              </a:r>
-              <a:r>
                 <a:rPr lang="en-US" sz="2400" b="1" dirty="0"/>
-                <a:t>researching what factors contribute to the quality of wine for different types of red </a:t>
-              </a:r>
-              <a:r>
-                <a:rPr lang="en-US" sz="2400" b="1" dirty="0" err="1"/>
-                <a:t>vinho</a:t>
-              </a:r>
-              <a:r>
-                <a:rPr lang="en-US" sz="2400" b="1" dirty="0"/>
-                <a:t> </a:t>
-              </a:r>
-              <a:r>
-                <a:rPr lang="en-US" sz="2400" b="1" dirty="0" err="1"/>
-                <a:t>verde</a:t>
-              </a:r>
-              <a:r>
-                <a:rPr lang="en-US" sz="2400" b="1" dirty="0"/>
-                <a:t> from </a:t>
-              </a:r>
-              <a:r>
-                <a:rPr lang="en-US" sz="2400" b="1" dirty="0" smtClean="0"/>
-                <a:t>Portugal.</a:t>
-              </a:r>
-              <a:endParaRPr lang="en-US" sz="2400" b="1" dirty="0"/>
-            </a:p>
-            <a:p>
-              <a:endParaRPr lang="en-US" sz="2000" dirty="0"/>
-            </a:p>
-            <a:p>
-              <a:r>
-                <a:rPr lang="en-US" sz="2400" dirty="0"/>
-                <a:t>What makes </a:t>
-              </a:r>
-              <a:r>
-                <a:rPr lang="en-US" sz="2400" dirty="0" smtClean="0"/>
-                <a:t>a good glass </a:t>
+                <a:t>Logistic regression </a:t>
               </a:r>
               <a:r>
                 <a:rPr lang="en-US" sz="2400" dirty="0"/>
-                <a:t>of wine? How do wine experts evaluate whether a wine </a:t>
+                <a:t>indicates whether the wine is ‘good’ or ‘</a:t>
               </a:r>
               <a:r>
-                <a:rPr lang="en-US" sz="2400" dirty="0" smtClean="0"/>
-                <a:t>satiates </a:t>
+                <a:rPr lang="en-US" altLang="zh-CN" sz="2400" dirty="0"/>
+                <a:t>bad’. This simple and straightforward information is more useful for potential customers, </a:t>
               </a:r>
-              <a:r>
-                <a:rPr lang="en-US" sz="2400" dirty="0"/>
-                <a:t>human palettes? We picked red </a:t>
-              </a:r>
-              <a:r>
-                <a:rPr lang="en-US" sz="2400" dirty="0" err="1"/>
-                <a:t>vinho</a:t>
-              </a:r>
-              <a:r>
-                <a:rPr lang="en-US" sz="2400" dirty="0"/>
-                <a:t> </a:t>
-              </a:r>
-              <a:r>
-                <a:rPr lang="en-US" sz="2400" dirty="0" err="1"/>
-                <a:t>verde</a:t>
-              </a:r>
-              <a:r>
-                <a:rPr lang="en-US" sz="2400" dirty="0"/>
-                <a:t> from Portugal </a:t>
-              </a:r>
-              <a:r>
-                <a:rPr lang="en-US" sz="2400" dirty="0" smtClean="0"/>
-                <a:t>as the wine of interest for </a:t>
-              </a:r>
-              <a:r>
-                <a:rPr lang="en-US" sz="2400" dirty="0"/>
-                <a:t>our research. The data set in this research was used to predict </a:t>
-              </a:r>
-              <a:r>
-                <a:rPr lang="en-US" sz="2400" dirty="0" smtClean="0"/>
-                <a:t>the quality </a:t>
-              </a:r>
-              <a:r>
-                <a:rPr lang="en-US" sz="2400" dirty="0"/>
-                <a:t>of wine for future wine certification, complementary to human wine tasters, in the paper we cited. We believe that this </a:t>
-              </a:r>
-              <a:r>
-                <a:rPr lang="en-US" sz="2400" dirty="0" smtClean="0"/>
-                <a:t>data set </a:t>
-              </a:r>
-              <a:r>
-                <a:rPr lang="en-US" sz="2400" dirty="0"/>
-                <a:t>can also be used to analyze what chemical factors are attributable to the final rating of </a:t>
-              </a:r>
-              <a:r>
-                <a:rPr lang="en-US" sz="2400" dirty="0" smtClean="0"/>
-                <a:t>wine on a scale of 0 to 10. </a:t>
-              </a:r>
-              <a:r>
-                <a:rPr lang="en-US" sz="2400" dirty="0"/>
-                <a:t>Understanding what makes a good wine may shed light on future directions for chemical methods that could improve/preserve wine quality.</a:t>
-              </a:r>
-              <a:br>
-                <a:rPr lang="en-US" sz="2400" dirty="0"/>
-              </a:br>
-              <a:r>
-                <a:rPr lang="en-US" sz="2400" dirty="0"/>
-                <a:t/>
-              </a:r>
-              <a:br>
-                <a:rPr lang="en-US" sz="2400" dirty="0"/>
-              </a:br>
               <a:endParaRPr lang="en-US" sz="2400" dirty="0"/>
             </a:p>
           </p:txBody>
         </p:sp>
-      </p:grpSp>
-      <p:grpSp>
-        <p:nvGrpSpPr>
-          <p:cNvPr id="95" name="Group 94">
-            <a:extLst>
-              <a:ext uri="{FF2B5EF4-FFF2-40B4-BE49-F238E27FC236}">
-                <a16:creationId xmlns="" xmlns:a16="http://schemas.microsoft.com/office/drawing/2014/main" id="{3CBE3BE9-0AC3-4718-A2A5-3947B8A857BC}"/>
-              </a:ext>
-            </a:extLst>
-          </p:cNvPr>
-          <p:cNvGrpSpPr/>
-          <p:nvPr/>
-        </p:nvGrpSpPr>
-        <p:grpSpPr>
-          <a:xfrm>
-            <a:off x="13023847" y="8598409"/>
-            <a:ext cx="17843506" cy="4156274"/>
-            <a:chOff x="13023847" y="9247945"/>
-            <a:chExt cx="17843506" cy="4156274"/>
-          </a:xfrm>
-        </p:grpSpPr>
-        <p:grpSp>
-          <p:nvGrpSpPr>
-            <p:cNvPr id="96" name="Group 95">
-              <a:extLst>
-                <a:ext uri="{FF2B5EF4-FFF2-40B4-BE49-F238E27FC236}">
-                  <a16:creationId xmlns="" xmlns:a16="http://schemas.microsoft.com/office/drawing/2014/main" id="{92C0FB73-2545-47A9-8617-4A9D343B6C60}"/>
-                </a:ext>
-              </a:extLst>
-            </p:cNvPr>
-            <p:cNvGrpSpPr/>
-            <p:nvPr/>
-          </p:nvGrpSpPr>
-          <p:grpSpPr>
-            <a:xfrm>
-              <a:off x="14798343" y="9247945"/>
-              <a:ext cx="14294514" cy="4156274"/>
-              <a:chOff x="15822725" y="8758263"/>
-              <a:chExt cx="12126238" cy="4156274"/>
-            </a:xfrm>
-          </p:grpSpPr>
-          <p:sp>
-            <p:nvSpPr>
-              <p:cNvPr id="105" name="TextBox 104">
-                <a:extLst>
-                  <a:ext uri="{FF2B5EF4-FFF2-40B4-BE49-F238E27FC236}">
-                    <a16:creationId xmlns="" xmlns:a16="http://schemas.microsoft.com/office/drawing/2014/main" id="{10FA1C6A-1B0D-45EC-8473-EB89B3D69A97}"/>
-                  </a:ext>
-                </a:extLst>
-              </p:cNvPr>
-              <p:cNvSpPr txBox="1"/>
-              <p:nvPr/>
-            </p:nvSpPr>
-            <p:spPr>
-              <a:xfrm>
-                <a:off x="15822725" y="8758263"/>
-                <a:ext cx="12126238" cy="1107996"/>
-              </a:xfrm>
-              <a:prstGeom prst="rect">
-                <a:avLst/>
-              </a:prstGeom>
-              <a:noFill/>
-            </p:spPr>
-            <p:txBody>
-              <a:bodyPr wrap="square" rtlCol="0">
-                <a:spAutoFit/>
-              </a:bodyPr>
-              <a:lstStyle/>
-              <a:p>
-                <a:pPr algn="ctr"/>
-                <a:r>
-                  <a:rPr lang="en-US" sz="6600" b="1" dirty="0">
-                    <a:solidFill>
-                      <a:schemeClr val="tx1">
-                        <a:lumMod val="65000"/>
-                        <a:lumOff val="35000"/>
-                      </a:schemeClr>
-                    </a:solidFill>
-                  </a:rPr>
-                  <a:t>W</a:t>
-                </a:r>
-                <a:r>
-                  <a:rPr lang="en-US" sz="4000" b="1" dirty="0">
-                    <a:solidFill>
-                      <a:schemeClr val="tx1">
-                        <a:lumMod val="65000"/>
-                        <a:lumOff val="35000"/>
-                      </a:schemeClr>
-                    </a:solidFill>
-                  </a:rPr>
-                  <a:t>hy Proportional Odds &amp; </a:t>
-                </a:r>
-                <a:r>
-                  <a:rPr lang="en-US" sz="4000" b="1" dirty="0" smtClean="0">
-                    <a:solidFill>
-                      <a:schemeClr val="tx1">
-                        <a:lumMod val="65000"/>
-                        <a:lumOff val="35000"/>
-                      </a:schemeClr>
-                    </a:solidFill>
-                  </a:rPr>
-                  <a:t>Logistic Regression </a:t>
-                </a:r>
-                <a:r>
-                  <a:rPr lang="en-US" sz="4000" b="1" dirty="0">
-                    <a:solidFill>
-                      <a:schemeClr val="tx1">
-                        <a:lumMod val="65000"/>
-                        <a:lumOff val="35000"/>
-                      </a:schemeClr>
-                    </a:solidFill>
-                  </a:rPr>
-                  <a:t>Model</a:t>
-                </a:r>
-                <a:endParaRPr lang="en-US" sz="1800" b="1" dirty="0">
-                  <a:solidFill>
-                    <a:schemeClr val="tx1">
-                      <a:lumMod val="65000"/>
-                      <a:lumOff val="35000"/>
-                    </a:schemeClr>
-                  </a:solidFill>
-                </a:endParaRPr>
-              </a:p>
-            </p:txBody>
-          </p:sp>
-          <p:sp>
-            <p:nvSpPr>
-              <p:cNvPr id="106" name="Rectangle 105">
-                <a:extLst>
-                  <a:ext uri="{FF2B5EF4-FFF2-40B4-BE49-F238E27FC236}">
-                    <a16:creationId xmlns="" xmlns:a16="http://schemas.microsoft.com/office/drawing/2014/main" id="{34A5BB44-D0E3-4A7E-AD48-476F832B0C1C}"/>
-                  </a:ext>
-                </a:extLst>
-              </p:cNvPr>
-              <p:cNvSpPr/>
-              <p:nvPr/>
-            </p:nvSpPr>
-            <p:spPr>
-              <a:xfrm>
-                <a:off x="18720981" y="10236881"/>
-                <a:ext cx="6705059" cy="2677656"/>
-              </a:xfrm>
-              <a:prstGeom prst="rect">
-                <a:avLst/>
-              </a:prstGeom>
-            </p:spPr>
-            <p:txBody>
-              <a:bodyPr wrap="square">
-                <a:spAutoFit/>
-              </a:bodyPr>
-              <a:lstStyle/>
-              <a:p>
-                <a:r>
-                  <a:rPr lang="en-US" altLang="zh-CN" sz="2400" b="1" dirty="0"/>
-                  <a:t>P</a:t>
-                </a:r>
-                <a:r>
-                  <a:rPr lang="en-US" sz="2400" b="1" dirty="0"/>
-                  <a:t>roportional odds model</a:t>
-                </a:r>
-                <a:r>
-                  <a:rPr lang="en-US" sz="2400" dirty="0"/>
-                  <a:t> gives more specific quality level interpretation, which is more informative for professionals in the wine industry.</a:t>
-                </a:r>
-              </a:p>
-              <a:p>
-                <a:endParaRPr lang="en-US" sz="2400" b="1" dirty="0"/>
-              </a:p>
-              <a:p>
-                <a:r>
-                  <a:rPr lang="en-US" sz="2400" b="1" dirty="0"/>
-                  <a:t>Logistic regression </a:t>
-                </a:r>
-                <a:r>
-                  <a:rPr lang="en-US" sz="2400" dirty="0"/>
-                  <a:t>indicates whether the wine is ‘good’ or ‘</a:t>
-                </a:r>
-                <a:r>
-                  <a:rPr lang="en-US" altLang="zh-CN" sz="2400" dirty="0"/>
-                  <a:t>bad’. </a:t>
-                </a:r>
-                <a:r>
-                  <a:rPr lang="en-US" altLang="zh-CN" sz="2400" dirty="0" smtClean="0"/>
-                  <a:t>This simple </a:t>
-                </a:r>
-                <a:r>
-                  <a:rPr lang="en-US" altLang="zh-CN" sz="2400" dirty="0"/>
-                  <a:t>and straightforward information is more useful </a:t>
-                </a:r>
-                <a:r>
-                  <a:rPr lang="en-US" altLang="zh-CN" sz="2400" dirty="0" smtClean="0"/>
-                  <a:t>for potential </a:t>
-                </a:r>
-                <a:r>
-                  <a:rPr lang="en-US" altLang="zh-CN" sz="2400" dirty="0"/>
-                  <a:t>customers, </a:t>
-                </a:r>
-                <a:endParaRPr lang="en-US" sz="2400" dirty="0"/>
-              </a:p>
-            </p:txBody>
-          </p:sp>
-        </p:grpSp>
         <p:grpSp>
           <p:nvGrpSpPr>
             <p:cNvPr id="97" name="Group 96">
               <a:extLst>
                 <a:ext uri="{FF2B5EF4-FFF2-40B4-BE49-F238E27FC236}">
-                  <a16:creationId xmlns="" xmlns:a16="http://schemas.microsoft.com/office/drawing/2014/main" id="{04C33EDE-C33B-44D9-8527-E6493A3D80E6}"/>
+                  <a16:creationId xmlns:a16="http://schemas.microsoft.com/office/drawing/2014/main" id="{04C33EDE-C33B-44D9-8527-E6493A3D80E6}"/>
                 </a:ext>
               </a:extLst>
             </p:cNvPr>
@@ -4868,7 +4289,7 @@
               <p:cNvPr id="104" name="Rectangle 103">
                 <a:extLst>
                   <a:ext uri="{FF2B5EF4-FFF2-40B4-BE49-F238E27FC236}">
-                    <a16:creationId xmlns="" xmlns:a16="http://schemas.microsoft.com/office/drawing/2014/main" id="{7095C48B-5240-484B-B3C8-E609411050FE}"/>
+                    <a16:creationId xmlns:a16="http://schemas.microsoft.com/office/drawing/2014/main" id="{7095C48B-5240-484B-B3C8-E609411050FE}"/>
                   </a:ext>
                 </a:extLst>
               </p:cNvPr>
@@ -4914,7 +4335,7 @@
               <p:cNvPr id="100" name="Group 99">
                 <a:extLst>
                   <a:ext uri="{FF2B5EF4-FFF2-40B4-BE49-F238E27FC236}">
-                    <a16:creationId xmlns="" xmlns:a16="http://schemas.microsoft.com/office/drawing/2014/main" id="{C613FC54-C850-49D8-AC8D-53F37E3BC450}"/>
+                    <a16:creationId xmlns:a16="http://schemas.microsoft.com/office/drawing/2014/main" id="{C613FC54-C850-49D8-AC8D-53F37E3BC450}"/>
                   </a:ext>
                 </a:extLst>
               </p:cNvPr>
@@ -4934,7 +4355,7 @@
                 <p:cNvPr id="101" name="Picture 6" descr="âwine pngâçå¾çæç´¢ç»æ">
                   <a:extLst>
                     <a:ext uri="{FF2B5EF4-FFF2-40B4-BE49-F238E27FC236}">
-                      <a16:creationId xmlns="" xmlns:a16="http://schemas.microsoft.com/office/drawing/2014/main" id="{3BEA46DA-1E6C-47F1-8CBD-8A4BBC0AE9CC}"/>
+                      <a16:creationId xmlns:a16="http://schemas.microsoft.com/office/drawing/2014/main" id="{3BEA46DA-1E6C-47F1-8CBD-8A4BBC0AE9CC}"/>
                     </a:ext>
                   </a:extLst>
                 </p:cNvPr>
@@ -4944,7 +4365,7 @@
                 <p:nvPr/>
               </p:nvPicPr>
               <p:blipFill>
-                <a:blip r:embed="rId7">
+                <a:blip r:embed="rId6">
                   <a:extLst>
                     <a:ext uri="{28A0092B-C50C-407E-A947-70E740481C1C}">
                       <a14:useLocalDpi xmlns:a14="http://schemas.microsoft.com/office/drawing/2010/main" val="0"/>
@@ -4981,7 +4402,7 @@
                 <p:cNvPr id="102" name="Rectangle 101">
                   <a:extLst>
                     <a:ext uri="{FF2B5EF4-FFF2-40B4-BE49-F238E27FC236}">
-                      <a16:creationId xmlns="" xmlns:a16="http://schemas.microsoft.com/office/drawing/2014/main" id="{C7F4C97D-3CE5-4573-8754-B4A7402190FF}"/>
+                      <a16:creationId xmlns:a16="http://schemas.microsoft.com/office/drawing/2014/main" id="{C7F4C97D-3CE5-4573-8754-B4A7402190FF}"/>
                     </a:ext>
                   </a:extLst>
                 </p:cNvPr>
@@ -5017,14 +4438,10 @@
                   <a:pPr algn="ctr"/>
                   <a:r>
                     <a:rPr lang="en-US" sz="2400" dirty="0"/>
-                    <a:t>for the </a:t>
+                    <a:t>for the consumer</a:t>
                   </a:r>
                   <a:r>
-                    <a:rPr lang="en-US" sz="2400" dirty="0" smtClean="0"/>
-                    <a:t>consumer</a:t>
-                  </a:r>
-                  <a:r>
-                    <a:rPr lang="en-US" altLang="zh-CN" sz="2400" dirty="0" smtClean="0"/>
+                    <a:rPr lang="en-US" altLang="zh-CN" sz="2400" dirty="0"/>
                     <a:t>s</a:t>
                   </a:r>
                   <a:endParaRPr lang="en-US" sz="2400" dirty="0"/>
@@ -5036,10 +4453,10 @@
       </p:grpSp>
       <p:grpSp>
         <p:nvGrpSpPr>
-          <p:cNvPr id="107" name="Group 106">
+          <p:cNvPr id="108" name="Group 107">
             <a:extLst>
               <a:ext uri="{FF2B5EF4-FFF2-40B4-BE49-F238E27FC236}">
-                <a16:creationId xmlns="" xmlns:a16="http://schemas.microsoft.com/office/drawing/2014/main" id="{36264682-3649-44C0-A5F7-2E591717C091}"/>
+                <a16:creationId xmlns:a16="http://schemas.microsoft.com/office/drawing/2014/main" id="{EC0EA2D6-0DFF-4096-825C-4E60ABC56599}"/>
               </a:ext>
             </a:extLst>
           </p:cNvPr>
@@ -5048,18 +4465,18 @@
         </p:nvGrpSpPr>
         <p:grpSpPr>
           <a:xfrm>
-            <a:off x="11978671" y="13133403"/>
-            <a:ext cx="19857689" cy="11351254"/>
-            <a:chOff x="11978671" y="14323294"/>
-            <a:chExt cx="19857689" cy="11351254"/>
+            <a:off x="11978671" y="14435752"/>
+            <a:ext cx="19857689" cy="10048905"/>
+            <a:chOff x="11876209" y="15518963"/>
+            <a:chExt cx="19857689" cy="10048905"/>
           </a:xfrm>
         </p:grpSpPr>
         <p:grpSp>
           <p:nvGrpSpPr>
-            <p:cNvPr id="108" name="Group 107">
+            <p:cNvPr id="116" name="Group 115">
               <a:extLst>
                 <a:ext uri="{FF2B5EF4-FFF2-40B4-BE49-F238E27FC236}">
-                  <a16:creationId xmlns="" xmlns:a16="http://schemas.microsoft.com/office/drawing/2014/main" id="{EC0EA2D6-0DFF-4096-825C-4E60ABC56599}"/>
+                  <a16:creationId xmlns:a16="http://schemas.microsoft.com/office/drawing/2014/main" id="{6439B9B9-CE8D-46F5-913A-2915AA0E213B}"/>
                 </a:ext>
               </a:extLst>
             </p:cNvPr>
@@ -5068,18 +4485,18 @@
           </p:nvGrpSpPr>
           <p:grpSpPr>
             <a:xfrm>
-              <a:off x="11978671" y="15625643"/>
-              <a:ext cx="19857689" cy="10048905"/>
-              <a:chOff x="11876209" y="15518963"/>
-              <a:chExt cx="19857689" cy="10048905"/>
+              <a:off x="21091497" y="15527152"/>
+              <a:ext cx="9549061" cy="5907208"/>
+              <a:chOff x="824673" y="1587331"/>
+              <a:chExt cx="9080204" cy="6553488"/>
             </a:xfrm>
           </p:grpSpPr>
           <p:grpSp>
             <p:nvGrpSpPr>
-              <p:cNvPr id="116" name="Group 115">
+              <p:cNvPr id="126" name="Group 125">
                 <a:extLst>
                   <a:ext uri="{FF2B5EF4-FFF2-40B4-BE49-F238E27FC236}">
-                    <a16:creationId xmlns="" xmlns:a16="http://schemas.microsoft.com/office/drawing/2014/main" id="{6439B9B9-CE8D-46F5-913A-2915AA0E213B}"/>
+                    <a16:creationId xmlns:a16="http://schemas.microsoft.com/office/drawing/2014/main" id="{25D468D3-AAAF-4D9E-A885-FC037F7318CC}"/>
                   </a:ext>
                 </a:extLst>
               </p:cNvPr>
@@ -5088,18 +4505,18 @@
             </p:nvGrpSpPr>
             <p:grpSpPr>
               <a:xfrm>
-                <a:off x="21091497" y="15527152"/>
-                <a:ext cx="9549061" cy="5907208"/>
+                <a:off x="824673" y="1587331"/>
+                <a:ext cx="9080204" cy="6553488"/>
                 <a:chOff x="824673" y="1587331"/>
                 <a:chExt cx="9080204" cy="6553488"/>
               </a:xfrm>
             </p:grpSpPr>
             <p:grpSp>
               <p:nvGrpSpPr>
-                <p:cNvPr id="126" name="Group 125">
+                <p:cNvPr id="128" name="Group 127">
                   <a:extLst>
                     <a:ext uri="{FF2B5EF4-FFF2-40B4-BE49-F238E27FC236}">
-                      <a16:creationId xmlns="" xmlns:a16="http://schemas.microsoft.com/office/drawing/2014/main" id="{25D468D3-AAAF-4D9E-A885-FC037F7318CC}"/>
+                      <a16:creationId xmlns:a16="http://schemas.microsoft.com/office/drawing/2014/main" id="{80FE4D1E-1035-4520-B36C-2C6E29DA20B2}"/>
                     </a:ext>
                   </a:extLst>
                 </p:cNvPr>
@@ -5109,137 +4526,17 @@
               <p:grpSpPr>
                 <a:xfrm>
                   <a:off x="824673" y="1587331"/>
-                  <a:ext cx="9080204" cy="6553488"/>
+                  <a:ext cx="9080204" cy="6485860"/>
                   <a:chOff x="824673" y="1587331"/>
-                  <a:chExt cx="9080204" cy="6553488"/>
+                  <a:chExt cx="9080204" cy="6485860"/>
                 </a:xfrm>
               </p:grpSpPr>
-              <p:grpSp>
-                <p:nvGrpSpPr>
-                  <p:cNvPr id="128" name="Group 127">
+              <p:pic>
+                <p:nvPicPr>
+                  <p:cNvPr id="132" name="Picture 2">
                     <a:extLst>
                       <a:ext uri="{FF2B5EF4-FFF2-40B4-BE49-F238E27FC236}">
-                        <a16:creationId xmlns="" xmlns:a16="http://schemas.microsoft.com/office/drawing/2014/main" id="{80FE4D1E-1035-4520-B36C-2C6E29DA20B2}"/>
-                      </a:ext>
-                    </a:extLst>
-                  </p:cNvPr>
-                  <p:cNvGrpSpPr/>
-                  <p:nvPr/>
-                </p:nvGrpSpPr>
-                <p:grpSpPr>
-                  <a:xfrm>
-                    <a:off x="824673" y="1587331"/>
-                    <a:ext cx="9080204" cy="6485860"/>
-                    <a:chOff x="824673" y="1587331"/>
-                    <a:chExt cx="9080204" cy="6485860"/>
-                  </a:xfrm>
-                </p:grpSpPr>
-                <p:pic>
-                  <p:nvPicPr>
-                    <p:cNvPr id="132" name="Picture 2">
-                      <a:extLst>
-                        <a:ext uri="{FF2B5EF4-FFF2-40B4-BE49-F238E27FC236}">
-                          <a16:creationId xmlns="" xmlns:a16="http://schemas.microsoft.com/office/drawing/2014/main" id="{7A472BE1-6AAC-482E-88BA-BFA4C41531BD}"/>
-                        </a:ext>
-                      </a:extLst>
-                    </p:cNvPr>
-                    <p:cNvPicPr>
-                      <a:picLocks noChangeAspect="1" noChangeArrowheads="1"/>
-                    </p:cNvPicPr>
-                    <p:nvPr/>
-                  </p:nvPicPr>
-                  <p:blipFill>
-                    <a:blip r:embed="rId8">
-                      <a:extLst>
-                        <a:ext uri="{28A0092B-C50C-407E-A947-70E740481C1C}">
-                          <a14:useLocalDpi xmlns:a14="http://schemas.microsoft.com/office/drawing/2010/main" val="0"/>
-                        </a:ext>
-                      </a:extLst>
-                    </a:blip>
-                    <a:srcRect/>
-                    <a:stretch>
-                      <a:fillRect/>
-                    </a:stretch>
-                  </p:blipFill>
-                  <p:spPr bwMode="auto">
-                    <a:xfrm>
-                      <a:off x="824673" y="1587331"/>
-                      <a:ext cx="9080204" cy="6485860"/>
-                    </a:xfrm>
-                    <a:prstGeom prst="rect">
-                      <a:avLst/>
-                    </a:prstGeom>
-                    <a:noFill/>
-                    <a:extLst>
-                      <a:ext uri="{909E8E84-426E-40DD-AFC4-6F175D3DCCD1}">
-                        <a14:hiddenFill xmlns:a14="http://schemas.microsoft.com/office/drawing/2010/main">
-                          <a:solidFill>
-                            <a:srgbClr val="FFFFFF"/>
-                          </a:solidFill>
-                        </a14:hiddenFill>
-                      </a:ext>
-                    </a:extLst>
-                  </p:spPr>
-                </p:pic>
-                <p:pic>
-                  <p:nvPicPr>
-                    <p:cNvPr id="134" name="Picture 4">
-                      <a:extLst>
-                        <a:ext uri="{FF2B5EF4-FFF2-40B4-BE49-F238E27FC236}">
-                          <a16:creationId xmlns="" xmlns:a16="http://schemas.microsoft.com/office/drawing/2014/main" id="{740626E7-1094-4BDC-B8C9-71241F92BA4E}"/>
-                        </a:ext>
-                      </a:extLst>
-                    </p:cNvPr>
-                    <p:cNvPicPr>
-                      <a:picLocks noChangeAspect="1" noChangeArrowheads="1"/>
-                    </p:cNvPicPr>
-                    <p:nvPr/>
-                  </p:nvPicPr>
-                  <p:blipFill rotWithShape="1">
-                    <a:blip r:embed="rId9">
-                      <a:duotone>
-                        <a:schemeClr val="accent4">
-                          <a:shade val="45000"/>
-                          <a:satMod val="135000"/>
-                        </a:schemeClr>
-                        <a:prstClr val="white"/>
-                      </a:duotone>
-                      <a:extLst>
-                        <a:ext uri="{28A0092B-C50C-407E-A947-70E740481C1C}">
-                          <a14:useLocalDpi xmlns:a14="http://schemas.microsoft.com/office/drawing/2010/main" val="0"/>
-                        </a:ext>
-                      </a:extLst>
-                    </a:blip>
-                    <a:srcRect l="27212" t="33462" r="47653" b="34405"/>
-                    <a:stretch/>
-                  </p:blipFill>
-                  <p:spPr bwMode="auto">
-                    <a:xfrm>
-                      <a:off x="5493885" y="5978322"/>
-                      <a:ext cx="2282190" cy="2084070"/>
-                    </a:xfrm>
-                    <a:prstGeom prst="rect">
-                      <a:avLst/>
-                    </a:prstGeom>
-                    <a:noFill/>
-                    <a:extLst>
-                      <a:ext uri="{909E8E84-426E-40DD-AFC4-6F175D3DCCD1}">
-                        <a14:hiddenFill xmlns:a14="http://schemas.microsoft.com/office/drawing/2010/main">
-                          <a:solidFill>
-                            <a:srgbClr val="FFFFFF"/>
-                          </a:solidFill>
-                        </a14:hiddenFill>
-                      </a:ext>
-                    </a:extLst>
-                  </p:spPr>
-                </p:pic>
-              </p:grpSp>
-              <p:pic>
-                <p:nvPicPr>
-                  <p:cNvPr id="130" name="Picture 2">
-                    <a:extLst>
-                      <a:ext uri="{FF2B5EF4-FFF2-40B4-BE49-F238E27FC236}">
-                        <a16:creationId xmlns="" xmlns:a16="http://schemas.microsoft.com/office/drawing/2014/main" id="{A924C346-7AD1-4AB3-A5DC-5BB0CE082775}"/>
+                        <a16:creationId xmlns:a16="http://schemas.microsoft.com/office/drawing/2014/main" id="{7A472BE1-6AAC-482E-88BA-BFA4C41531BD}"/>
                       </a:ext>
                     </a:extLst>
                   </p:cNvPr>
@@ -5248,21 +4545,23 @@
                   </p:cNvPicPr>
                   <p:nvPr/>
                 </p:nvPicPr>
-                <p:blipFill rotWithShape="1">
-                  <a:blip r:embed="rId8">
+                <p:blipFill>
+                  <a:blip r:embed="rId7">
                     <a:extLst>
                       <a:ext uri="{28A0092B-C50C-407E-A947-70E740481C1C}">
                         <a14:useLocalDpi xmlns:a14="http://schemas.microsoft.com/office/drawing/2010/main" val="0"/>
                       </a:ext>
                     </a:extLst>
                   </a:blip>
-                  <a:srcRect l="27417" t="65944" r="50403"/>
-                  <a:stretch/>
+                  <a:srcRect/>
+                  <a:stretch>
+                    <a:fillRect/>
+                  </a:stretch>
                 </p:blipFill>
                 <p:spPr bwMode="auto">
                   <a:xfrm>
-                    <a:off x="3350780" y="5932025"/>
-                    <a:ext cx="2013995" cy="2208794"/>
+                    <a:off x="824673" y="1587331"/>
+                    <a:ext cx="9080204" cy="6485860"/>
                   </a:xfrm>
                   <a:prstGeom prst="rect">
                     <a:avLst/>
@@ -5281,10 +4580,10 @@
               </p:pic>
               <p:pic>
                 <p:nvPicPr>
-                  <p:cNvPr id="131" name="Picture 2">
+                  <p:cNvPr id="134" name="Picture 4">
                     <a:extLst>
                       <a:ext uri="{FF2B5EF4-FFF2-40B4-BE49-F238E27FC236}">
-                        <a16:creationId xmlns="" xmlns:a16="http://schemas.microsoft.com/office/drawing/2014/main" id="{75190790-83E5-4CEE-9309-5F42AEA41420}"/>
+                        <a16:creationId xmlns:a16="http://schemas.microsoft.com/office/drawing/2014/main" id="{740626E7-1094-4BDC-B8C9-71241F92BA4E}"/>
                       </a:ext>
                     </a:extLst>
                   </p:cNvPr>
@@ -5295,19 +4594,26 @@
                 </p:nvPicPr>
                 <p:blipFill rotWithShape="1">
                   <a:blip r:embed="rId8">
+                    <a:duotone>
+                      <a:schemeClr val="accent4">
+                        <a:shade val="45000"/>
+                        <a:satMod val="135000"/>
+                      </a:schemeClr>
+                      <a:prstClr val="white"/>
+                    </a:duotone>
                     <a:extLst>
                       <a:ext uri="{28A0092B-C50C-407E-A947-70E740481C1C}">
                         <a14:useLocalDpi xmlns:a14="http://schemas.microsoft.com/office/drawing/2010/main" val="0"/>
                       </a:ext>
                     </a:extLst>
                   </a:blip>
-                  <a:srcRect l="26859" t="32393" r="47471" b="33551"/>
+                  <a:srcRect l="27212" t="33462" r="47653" b="34405"/>
                   <a:stretch/>
                 </p:blipFill>
                 <p:spPr bwMode="auto">
                   <a:xfrm>
-                    <a:off x="978061" y="5932025"/>
-                    <a:ext cx="2330887" cy="2208794"/>
+                    <a:off x="5493885" y="5978322"/>
+                    <a:ext cx="2282190" cy="2084070"/>
                   </a:xfrm>
                   <a:prstGeom prst="rect">
                     <a:avLst/>
@@ -5327,10 +4633,10 @@
             </p:grpSp>
             <p:pic>
               <p:nvPicPr>
-                <p:cNvPr id="127" name="Picture 2">
+                <p:cNvPr id="130" name="Picture 2">
                   <a:extLst>
                     <a:ext uri="{FF2B5EF4-FFF2-40B4-BE49-F238E27FC236}">
-                      <a16:creationId xmlns="" xmlns:a16="http://schemas.microsoft.com/office/drawing/2014/main" id="{1597CC52-29D9-463B-BFD2-1FE33F7388C4}"/>
+                      <a16:creationId xmlns:a16="http://schemas.microsoft.com/office/drawing/2014/main" id="{A924C346-7AD1-4AB3-A5DC-5BB0CE082775}"/>
                     </a:ext>
                   </a:extLst>
                 </p:cNvPr>
@@ -5340,20 +4646,65 @@
                 <p:nvPr/>
               </p:nvPicPr>
               <p:blipFill rotWithShape="1">
-                <a:blip r:embed="rId8">
+                <a:blip r:embed="rId7">
                   <a:extLst>
                     <a:ext uri="{28A0092B-C50C-407E-A947-70E740481C1C}">
                       <a14:useLocalDpi xmlns:a14="http://schemas.microsoft.com/office/drawing/2010/main" val="0"/>
                     </a:ext>
                   </a:extLst>
                 </a:blip>
-                <a:srcRect l="2186" t="66351" r="72942" b="803"/>
+                <a:srcRect l="27417" t="65944" r="50403"/>
                 <a:stretch/>
               </p:blipFill>
               <p:spPr bwMode="auto">
                 <a:xfrm>
-                  <a:off x="3308948" y="3801695"/>
-                  <a:ext cx="2258475" cy="2130330"/>
+                  <a:off x="3350780" y="5932025"/>
+                  <a:ext cx="2013995" cy="2208794"/>
+                </a:xfrm>
+                <a:prstGeom prst="rect">
+                  <a:avLst/>
+                </a:prstGeom>
+                <a:noFill/>
+                <a:extLst>
+                  <a:ext uri="{909E8E84-426E-40DD-AFC4-6F175D3DCCD1}">
+                    <a14:hiddenFill xmlns:a14="http://schemas.microsoft.com/office/drawing/2010/main">
+                      <a:solidFill>
+                        <a:srgbClr val="FFFFFF"/>
+                      </a:solidFill>
+                    </a14:hiddenFill>
+                  </a:ext>
+                </a:extLst>
+              </p:spPr>
+            </p:pic>
+            <p:pic>
+              <p:nvPicPr>
+                <p:cNvPr id="131" name="Picture 2">
+                  <a:extLst>
+                    <a:ext uri="{FF2B5EF4-FFF2-40B4-BE49-F238E27FC236}">
+                      <a16:creationId xmlns:a16="http://schemas.microsoft.com/office/drawing/2014/main" id="{75190790-83E5-4CEE-9309-5F42AEA41420}"/>
+                    </a:ext>
+                  </a:extLst>
+                </p:cNvPr>
+                <p:cNvPicPr>
+                  <a:picLocks noChangeAspect="1" noChangeArrowheads="1"/>
+                </p:cNvPicPr>
+                <p:nvPr/>
+              </p:nvPicPr>
+              <p:blipFill rotWithShape="1">
+                <a:blip r:embed="rId7">
+                  <a:extLst>
+                    <a:ext uri="{28A0092B-C50C-407E-A947-70E740481C1C}">
+                      <a14:useLocalDpi xmlns:a14="http://schemas.microsoft.com/office/drawing/2010/main" val="0"/>
+                    </a:ext>
+                  </a:extLst>
+                </a:blip>
+                <a:srcRect l="26859" t="32393" r="47471" b="33551"/>
+                <a:stretch/>
+              </p:blipFill>
+              <p:spPr bwMode="auto">
+                <a:xfrm>
+                  <a:off x="978061" y="5932025"/>
+                  <a:ext cx="2330887" cy="2208794"/>
                 </a:xfrm>
                 <a:prstGeom prst="rect">
                   <a:avLst/>
@@ -5371,1251 +4722,1088 @@
               </p:spPr>
             </p:pic>
           </p:grpSp>
-          <p:sp>
-            <p:nvSpPr>
-              <p:cNvPr id="122" name="Rectangle 121">
+          <p:pic>
+            <p:nvPicPr>
+              <p:cNvPr id="127" name="Picture 2">
                 <a:extLst>
                   <a:ext uri="{FF2B5EF4-FFF2-40B4-BE49-F238E27FC236}">
-                    <a16:creationId xmlns="" xmlns:a16="http://schemas.microsoft.com/office/drawing/2014/main" id="{00DF613A-3894-490F-BDFA-74CD42F725FB}"/>
+                    <a16:creationId xmlns:a16="http://schemas.microsoft.com/office/drawing/2014/main" id="{1597CC52-29D9-463B-BFD2-1FE33F7388C4}"/>
                   </a:ext>
                 </a:extLst>
               </p:cNvPr>
-              <p:cNvSpPr/>
+              <p:cNvPicPr>
+                <a:picLocks noChangeAspect="1" noChangeArrowheads="1"/>
+              </p:cNvPicPr>
               <p:nvPr/>
-            </p:nvSpPr>
-            <p:spPr>
+            </p:nvPicPr>
+            <p:blipFill rotWithShape="1">
+              <a:blip r:embed="rId7">
+                <a:extLst>
+                  <a:ext uri="{28A0092B-C50C-407E-A947-70E740481C1C}">
+                    <a14:useLocalDpi xmlns:a14="http://schemas.microsoft.com/office/drawing/2010/main" val="0"/>
+                  </a:ext>
+                </a:extLst>
+              </a:blip>
+              <a:srcRect l="2186" t="66351" r="72942" b="803"/>
+              <a:stretch/>
+            </p:blipFill>
+            <p:spPr bwMode="auto">
               <a:xfrm>
-                <a:off x="21184175" y="21514417"/>
-                <a:ext cx="10549723" cy="3662541"/>
+                <a:off x="3308948" y="3801695"/>
+                <a:ext cx="2258475" cy="2130330"/>
               </a:xfrm>
               <a:prstGeom prst="rect">
                 <a:avLst/>
               </a:prstGeom>
+              <a:noFill/>
+              <a:extLst>
+                <a:ext uri="{909E8E84-426E-40DD-AFC4-6F175D3DCCD1}">
+                  <a14:hiddenFill xmlns:a14="http://schemas.microsoft.com/office/drawing/2010/main">
+                    <a:solidFill>
+                      <a:srgbClr val="FFFFFF"/>
+                    </a:solidFill>
+                  </a14:hiddenFill>
+                </a:ext>
+              </a:extLst>
             </p:spPr>
-            <p:txBody>
-              <a:bodyPr wrap="square">
-                <a:spAutoFit/>
-              </a:bodyPr>
-              <a:lstStyle/>
-              <a:p>
-                <a:pPr marL="342900" indent="-342900" algn="just">
-                  <a:spcBef>
-                    <a:spcPts val="600"/>
-                  </a:spcBef>
-                  <a:spcAft>
-                    <a:spcPts val="600"/>
-                  </a:spcAft>
-                  <a:buFont typeface="Arial" panose="020B0604020202020204" pitchFamily="34" charset="0"/>
-                  <a:buChar char="•"/>
-                </a:pPr>
-                <a:r>
-                  <a:rPr lang="en-US" sz="2400" dirty="0" smtClean="0"/>
-                  <a:t>Most </a:t>
-                </a:r>
-                <a:r>
-                  <a:rPr lang="en-US" sz="2400" dirty="0"/>
-                  <a:t>variables are normally </a:t>
-                </a:r>
-                <a:r>
-                  <a:rPr lang="en-US" sz="2400" dirty="0" smtClean="0"/>
-                  <a:t>distributed</a:t>
-                </a:r>
-              </a:p>
-              <a:p>
-                <a:pPr marL="342900" indent="-342900" algn="just">
-                  <a:spcBef>
-                    <a:spcPts val="600"/>
-                  </a:spcBef>
-                  <a:spcAft>
-                    <a:spcPts val="600"/>
-                  </a:spcAft>
-                  <a:buFont typeface="Arial" panose="020B0604020202020204" pitchFamily="34" charset="0"/>
-                  <a:buChar char="•"/>
-                </a:pPr>
-                <a:r>
-                  <a:rPr lang="en-US" sz="2400" dirty="0" err="1" smtClean="0"/>
-                  <a:t>residual.sugar</a:t>
-                </a:r>
-                <a:r>
-                  <a:rPr lang="en-US" sz="2400" dirty="0"/>
-                  <a:t>, </a:t>
-                </a:r>
-                <a:r>
-                  <a:rPr lang="en-US" sz="2400" dirty="0" smtClean="0"/>
-                  <a:t>chlorides</a:t>
-                </a:r>
-                <a:r>
-                  <a:rPr lang="en-US" sz="2400" dirty="0"/>
-                  <a:t>, and sulphates are slightly skewed to the right</a:t>
-                </a:r>
-              </a:p>
-              <a:p>
-                <a:pPr marL="342900" indent="-342900">
-                  <a:spcBef>
-                    <a:spcPts val="600"/>
-                  </a:spcBef>
-                  <a:spcAft>
-                    <a:spcPts val="600"/>
-                  </a:spcAft>
-                  <a:buFont typeface="Arial" panose="020B0604020202020204" pitchFamily="34" charset="0"/>
-                  <a:buChar char="•"/>
-                </a:pPr>
-                <a:r>
-                  <a:rPr lang="en-US" sz="2400" dirty="0" err="1"/>
-                  <a:t>free.sulfur.dioxide</a:t>
-                </a:r>
-                <a:r>
-                  <a:rPr lang="en-US" sz="2400" dirty="0"/>
-                  <a:t> and alcohol have an obvious rightly skewed </a:t>
-                </a:r>
-                <a:r>
-                  <a:rPr lang="en-US" sz="2400" dirty="0" smtClean="0"/>
-                  <a:t>distribution </a:t>
-                </a:r>
-                <a:endParaRPr lang="en-US" sz="2400" dirty="0"/>
-              </a:p>
-              <a:p>
-                <a:pPr marL="342900" indent="-342900">
-                  <a:spcBef>
-                    <a:spcPts val="600"/>
-                  </a:spcBef>
-                  <a:spcAft>
-                    <a:spcPts val="600"/>
-                  </a:spcAft>
-                  <a:buFont typeface="Arial" panose="020B0604020202020204" pitchFamily="34" charset="0"/>
-                  <a:buChar char="•"/>
-                </a:pPr>
-                <a:r>
-                  <a:rPr lang="en-US" sz="2400" dirty="0" err="1"/>
-                  <a:t>citric.acid</a:t>
-                </a:r>
-                <a:r>
-                  <a:rPr lang="en-US" sz="2400" dirty="0"/>
-                  <a:t> at first appears to have a bimodal distribution, because there are some wines with zero citric </a:t>
-                </a:r>
-                <a:r>
-                  <a:rPr lang="en-US" sz="2400" dirty="0" smtClean="0"/>
-                  <a:t>acid. Based </a:t>
-                </a:r>
-                <a:r>
-                  <a:rPr lang="en-US" sz="2400" dirty="0"/>
-                  <a:t>on data definition, we know it is possible for wines to have citric acid of 0.</a:t>
-                </a:r>
-              </a:p>
-              <a:p>
-                <a:pPr marL="342900" indent="-342900">
-                  <a:spcBef>
-                    <a:spcPts val="600"/>
-                  </a:spcBef>
-                  <a:spcAft>
-                    <a:spcPts val="600"/>
-                  </a:spcAft>
-                  <a:buFont typeface="Arial" panose="020B0604020202020204" pitchFamily="34" charset="0"/>
-                  <a:buChar char="•"/>
-                </a:pPr>
-                <a:r>
-                  <a:rPr lang="en-US" sz="2400" dirty="0"/>
-                  <a:t>The variables in yellow plots are logged </a:t>
-                </a:r>
-                <a:r>
-                  <a:rPr lang="en-US" sz="2400" dirty="0" err="1" smtClean="0"/>
-                  <a:t>sulphates</a:t>
-                </a:r>
-                <a:r>
-                  <a:rPr lang="en-US" sz="2400" dirty="0" smtClean="0"/>
-                  <a:t>; </a:t>
-                </a:r>
-                <a:r>
-                  <a:rPr lang="en-US" sz="2400" dirty="0"/>
-                  <a:t>log transformation is used to improve model fit</a:t>
-                </a:r>
-              </a:p>
-            </p:txBody>
-          </p:sp>
-          <mc:AlternateContent xmlns:mc="http://schemas.openxmlformats.org/markup-compatibility/2006" xmlns:a14="http://schemas.microsoft.com/office/drawing/2010/main">
-            <mc:Choice Requires="a14">
-              <p:sp>
-                <p:nvSpPr>
-                  <p:cNvPr id="125" name="Rectangle 124">
-                    <a:extLst>
-                      <a:ext uri="{FF2B5EF4-FFF2-40B4-BE49-F238E27FC236}">
-                        <a16:creationId xmlns="" xmlns:a16="http://schemas.microsoft.com/office/drawing/2014/main" id="{67AB1C33-5554-4E75-BDA8-C8A08165EEED}"/>
-                      </a:ext>
-                    </a:extLst>
-                  </p:cNvPr>
-                  <p:cNvSpPr/>
-                  <p:nvPr/>
-                </p:nvSpPr>
-                <p:spPr>
-                  <a:xfrm>
-                    <a:off x="11876209" y="15518963"/>
-                    <a:ext cx="9163484" cy="10048905"/>
-                  </a:xfrm>
-                  <a:prstGeom prst="rect">
-                    <a:avLst/>
-                  </a:prstGeom>
-                </p:spPr>
-                <p:txBody>
-                  <a:bodyPr wrap="square">
-                    <a:spAutoFit/>
-                  </a:bodyPr>
-                  <a:lstStyle/>
-                  <a:p>
-                    <a:pPr lvl="0" eaLnBrk="0" fontAlgn="base" hangingPunct="0">
-                      <a:lnSpc>
-                        <a:spcPct val="150000"/>
-                      </a:lnSpc>
-                      <a:spcBef>
-                        <a:spcPts val="600"/>
-                      </a:spcBef>
-                      <a:spcAft>
-                        <a:spcPts val="600"/>
-                      </a:spcAft>
-                      <a:buClrTx/>
-                    </a:pPr>
-                    <a:r>
-                      <a:rPr lang="en-US" altLang="en-US" sz="2400" b="1" dirty="0" smtClean="0">
-                        <a:solidFill>
-                          <a:srgbClr val="333333"/>
-                        </a:solidFill>
-                        <a:latin typeface="Arial" panose="020B0604020202020204" pitchFamily="34" charset="0"/>
-                        <a:ea typeface="inherit"/>
-                      </a:rPr>
-                      <a:t>Response Variable:</a:t>
-                    </a:r>
-                    <a:endParaRPr lang="en-US" altLang="en-US" sz="2400" dirty="0">
+          </p:pic>
+        </p:grpSp>
+        <p:sp>
+          <p:nvSpPr>
+            <p:cNvPr id="122" name="Rectangle 121">
+              <a:extLst>
+                <a:ext uri="{FF2B5EF4-FFF2-40B4-BE49-F238E27FC236}">
+                  <a16:creationId xmlns:a16="http://schemas.microsoft.com/office/drawing/2014/main" id="{00DF613A-3894-490F-BDFA-74CD42F725FB}"/>
+                </a:ext>
+              </a:extLst>
+            </p:cNvPr>
+            <p:cNvSpPr/>
+            <p:nvPr/>
+          </p:nvSpPr>
+          <p:spPr>
+            <a:xfrm>
+              <a:off x="21184175" y="21514417"/>
+              <a:ext cx="10549723" cy="3662541"/>
+            </a:xfrm>
+            <a:prstGeom prst="rect">
+              <a:avLst/>
+            </a:prstGeom>
+          </p:spPr>
+          <p:txBody>
+            <a:bodyPr wrap="square">
+              <a:spAutoFit/>
+            </a:bodyPr>
+            <a:lstStyle/>
+            <a:p>
+              <a:pPr marL="342900" indent="-342900" algn="just">
+                <a:spcBef>
+                  <a:spcPts val="600"/>
+                </a:spcBef>
+                <a:spcAft>
+                  <a:spcPts val="600"/>
+                </a:spcAft>
+                <a:buFont typeface="Arial" panose="020B0604020202020204" pitchFamily="34" charset="0"/>
+                <a:buChar char="•"/>
+              </a:pPr>
+              <a:r>
+                <a:rPr lang="en-US" sz="2400" dirty="0"/>
+                <a:t>Most variables are normally distributed</a:t>
+              </a:r>
+            </a:p>
+            <a:p>
+              <a:pPr marL="342900" indent="-342900" algn="just">
+                <a:spcBef>
+                  <a:spcPts val="600"/>
+                </a:spcBef>
+                <a:spcAft>
+                  <a:spcPts val="600"/>
+                </a:spcAft>
+                <a:buFont typeface="Arial" panose="020B0604020202020204" pitchFamily="34" charset="0"/>
+                <a:buChar char="•"/>
+              </a:pPr>
+              <a:r>
+                <a:rPr lang="en-US" sz="2400" dirty="0" err="1"/>
+                <a:t>residual.sugar</a:t>
+              </a:r>
+              <a:r>
+                <a:rPr lang="en-US" sz="2400" dirty="0"/>
+                <a:t>, chlorides, and sulphates are slightly skewed to the right</a:t>
+              </a:r>
+            </a:p>
+            <a:p>
+              <a:pPr marL="342900" indent="-342900">
+                <a:spcBef>
+                  <a:spcPts val="600"/>
+                </a:spcBef>
+                <a:spcAft>
+                  <a:spcPts val="600"/>
+                </a:spcAft>
+                <a:buFont typeface="Arial" panose="020B0604020202020204" pitchFamily="34" charset="0"/>
+                <a:buChar char="•"/>
+              </a:pPr>
+              <a:r>
+                <a:rPr lang="en-US" sz="2400" dirty="0" err="1"/>
+                <a:t>free.sulfur.dioxide</a:t>
+              </a:r>
+              <a:r>
+                <a:rPr lang="en-US" sz="2400" dirty="0"/>
+                <a:t> and alcohol have an obvious rightly skewed distribution </a:t>
+              </a:r>
+            </a:p>
+            <a:p>
+              <a:pPr marL="342900" indent="-342900">
+                <a:spcBef>
+                  <a:spcPts val="600"/>
+                </a:spcBef>
+                <a:spcAft>
+                  <a:spcPts val="600"/>
+                </a:spcAft>
+                <a:buFont typeface="Arial" panose="020B0604020202020204" pitchFamily="34" charset="0"/>
+                <a:buChar char="•"/>
+              </a:pPr>
+              <a:r>
+                <a:rPr lang="en-US" sz="2400" dirty="0" err="1"/>
+                <a:t>citric.acid</a:t>
+              </a:r>
+              <a:r>
+                <a:rPr lang="en-US" sz="2400" dirty="0"/>
+                <a:t> at first appears to have a bimodal distribution, because there are some wines with zero citric acid. Based on data definition, we know it is possible for wines to have citric acid of 0.</a:t>
+              </a:r>
+            </a:p>
+            <a:p>
+              <a:pPr marL="342900" indent="-342900">
+                <a:spcBef>
+                  <a:spcPts val="600"/>
+                </a:spcBef>
+                <a:spcAft>
+                  <a:spcPts val="600"/>
+                </a:spcAft>
+                <a:buFont typeface="Arial" panose="020B0604020202020204" pitchFamily="34" charset="0"/>
+                <a:buChar char="•"/>
+              </a:pPr>
+              <a:r>
+                <a:rPr lang="en-US" sz="2400" dirty="0"/>
+                <a:t>The variables in yellow plots are logged </a:t>
+              </a:r>
+              <a:r>
+                <a:rPr lang="en-US" sz="2400" dirty="0" err="1"/>
+                <a:t>sulphates</a:t>
+              </a:r>
+              <a:r>
+                <a:rPr lang="en-US" sz="2400" dirty="0"/>
+                <a:t>; log transformation is used to improve model fit</a:t>
+              </a:r>
+            </a:p>
+          </p:txBody>
+        </p:sp>
+        <mc:AlternateContent xmlns:mc="http://schemas.openxmlformats.org/markup-compatibility/2006" xmlns:a14="http://schemas.microsoft.com/office/drawing/2010/main">
+          <mc:Choice Requires="a14">
+            <p:sp>
+              <p:nvSpPr>
+                <p:cNvPr id="125" name="Rectangle 124">
+                  <a:extLst>
+                    <a:ext uri="{FF2B5EF4-FFF2-40B4-BE49-F238E27FC236}">
+                      <a16:creationId xmlns:a16="http://schemas.microsoft.com/office/drawing/2014/main" id="{67AB1C33-5554-4E75-BDA8-C8A08165EEED}"/>
+                    </a:ext>
+                  </a:extLst>
+                </p:cNvPr>
+                <p:cNvSpPr/>
+                <p:nvPr/>
+              </p:nvSpPr>
+              <p:spPr>
+                <a:xfrm>
+                  <a:off x="11876209" y="15518963"/>
+                  <a:ext cx="9163484" cy="10048905"/>
+                </a:xfrm>
+                <a:prstGeom prst="rect">
+                  <a:avLst/>
+                </a:prstGeom>
+              </p:spPr>
+              <p:txBody>
+                <a:bodyPr wrap="square">
+                  <a:spAutoFit/>
+                </a:bodyPr>
+                <a:lstStyle/>
+                <a:p>
+                  <a:pPr lvl="0" eaLnBrk="0" fontAlgn="base" hangingPunct="0">
+                    <a:lnSpc>
+                      <a:spcPct val="150000"/>
+                    </a:lnSpc>
+                    <a:spcBef>
+                      <a:spcPts val="600"/>
+                    </a:spcBef>
+                    <a:spcAft>
+                      <a:spcPts val="600"/>
+                    </a:spcAft>
+                    <a:buClrTx/>
+                  </a:pPr>
+                  <a:r>
+                    <a:rPr lang="en-US" altLang="en-US" sz="2400" b="1" dirty="0">
                       <a:solidFill>
                         <a:srgbClr val="333333"/>
                       </a:solidFill>
                       <a:latin typeface="Arial" panose="020B0604020202020204" pitchFamily="34" charset="0"/>
                       <a:ea typeface="inherit"/>
-                    </a:endParaRPr>
-                  </a:p>
-                  <a:p>
-                    <a:pPr marL="285750" lvl="0" indent="-285750" eaLnBrk="0" fontAlgn="base" hangingPunct="0">
-                      <a:spcBef>
-                        <a:spcPts val="600"/>
-                      </a:spcBef>
-                      <a:spcAft>
-                        <a:spcPts val="600"/>
-                      </a:spcAft>
-                      <a:buClrTx/>
-                      <a:buFont typeface="Arial" panose="020B0604020202020204" pitchFamily="34" charset="0"/>
-                      <a:buChar char="•"/>
-                    </a:pPr>
-                    <a:r>
-                      <a:rPr lang="en-US" altLang="en-US" sz="2400" b="1" dirty="0">
-                        <a:solidFill>
-                          <a:srgbClr val="333333"/>
-                        </a:solidFill>
-                        <a:latin typeface="Arial" panose="020B0604020202020204" pitchFamily="34" charset="0"/>
-                        <a:ea typeface="Helvetica Neue"/>
-                      </a:rPr>
-                      <a:t>quality:</a:t>
-                    </a:r>
-                    <a:r>
-                      <a:rPr lang="en-US" altLang="en-US" sz="2400" dirty="0">
-                        <a:solidFill>
-                          <a:srgbClr val="333333"/>
-                        </a:solidFill>
-                        <a:latin typeface="Arial" panose="020B0604020202020204" pitchFamily="34" charset="0"/>
-                        <a:ea typeface="Helvetica Neue"/>
-                      </a:rPr>
-                      <a:t> the quality of the wine (a score between 0 and 10)</a:t>
-                    </a:r>
-                  </a:p>
-                  <a:p>
-                    <a:pPr lvl="0" eaLnBrk="0" fontAlgn="base" hangingPunct="0">
-                      <a:lnSpc>
-                        <a:spcPct val="200000"/>
-                      </a:lnSpc>
-                      <a:spcBef>
-                        <a:spcPts val="600"/>
-                      </a:spcBef>
-                      <a:spcAft>
-                        <a:spcPts val="600"/>
-                      </a:spcAft>
-                      <a:buClrTx/>
-                    </a:pPr>
-                    <a:r>
-                      <a:rPr lang="en-US" altLang="en-US" sz="2400" b="1" dirty="0">
-                        <a:solidFill>
-                          <a:srgbClr val="333333"/>
-                        </a:solidFill>
-                        <a:latin typeface="Arial" panose="020B0604020202020204" pitchFamily="34" charset="0"/>
-                        <a:ea typeface="inherit"/>
-                      </a:rPr>
-                      <a:t>Explanatory Variables:</a:t>
-                    </a:r>
-                    <a:endParaRPr lang="en-US" altLang="en-US" sz="2400" dirty="0">
+                    </a:rPr>
+                    <a:t>Response Variable:</a:t>
+                  </a:r>
+                  <a:endParaRPr lang="en-US" altLang="en-US" sz="2400" dirty="0">
+                    <a:solidFill>
+                      <a:srgbClr val="333333"/>
+                    </a:solidFill>
+                    <a:latin typeface="Arial" panose="020B0604020202020204" pitchFamily="34" charset="0"/>
+                    <a:ea typeface="inherit"/>
+                  </a:endParaRPr>
+                </a:p>
+                <a:p>
+                  <a:pPr marL="285750" lvl="0" indent="-285750" eaLnBrk="0" fontAlgn="base" hangingPunct="0">
+                    <a:spcBef>
+                      <a:spcPts val="600"/>
+                    </a:spcBef>
+                    <a:spcAft>
+                      <a:spcPts val="600"/>
+                    </a:spcAft>
+                    <a:buClrTx/>
+                    <a:buFont typeface="Arial" panose="020B0604020202020204" pitchFamily="34" charset="0"/>
+                    <a:buChar char="•"/>
+                  </a:pPr>
+                  <a:r>
+                    <a:rPr lang="en-US" altLang="en-US" sz="2400" b="1" dirty="0">
+                      <a:solidFill>
+                        <a:srgbClr val="333333"/>
+                      </a:solidFill>
+                      <a:latin typeface="Arial" panose="020B0604020202020204" pitchFamily="34" charset="0"/>
+                      <a:ea typeface="Helvetica Neue"/>
+                    </a:rPr>
+                    <a:t>quality:</a:t>
+                  </a:r>
+                  <a:r>
+                    <a:rPr lang="en-US" altLang="en-US" sz="2400" dirty="0">
+                      <a:solidFill>
+                        <a:srgbClr val="333333"/>
+                      </a:solidFill>
+                      <a:latin typeface="Arial" panose="020B0604020202020204" pitchFamily="34" charset="0"/>
+                      <a:ea typeface="Helvetica Neue"/>
+                    </a:rPr>
+                    <a:t> the quality of the wine (a score between 0 and 10)</a:t>
+                  </a:r>
+                </a:p>
+                <a:p>
+                  <a:pPr lvl="0" eaLnBrk="0" fontAlgn="base" hangingPunct="0">
+                    <a:lnSpc>
+                      <a:spcPct val="200000"/>
+                    </a:lnSpc>
+                    <a:spcBef>
+                      <a:spcPts val="600"/>
+                    </a:spcBef>
+                    <a:spcAft>
+                      <a:spcPts val="600"/>
+                    </a:spcAft>
+                    <a:buClrTx/>
+                  </a:pPr>
+                  <a:r>
+                    <a:rPr lang="en-US" altLang="en-US" sz="2400" b="1" dirty="0">
                       <a:solidFill>
                         <a:srgbClr val="333333"/>
                       </a:solidFill>
                       <a:latin typeface="Arial" panose="020B0604020202020204" pitchFamily="34" charset="0"/>
                       <a:ea typeface="inherit"/>
-                    </a:endParaRPr>
-                  </a:p>
-                  <a:p>
-                    <a:pPr marL="285750" lvl="0" indent="-285750" eaLnBrk="0" fontAlgn="base" hangingPunct="0">
-                      <a:spcBef>
-                        <a:spcPts val="600"/>
-                      </a:spcBef>
-                      <a:spcAft>
-                        <a:spcPts val="600"/>
-                      </a:spcAft>
-                      <a:buClrTx/>
-                      <a:buFont typeface="Arial" panose="020B0604020202020204" pitchFamily="34" charset="0"/>
-                      <a:buChar char="•"/>
-                    </a:pPr>
-                    <a:r>
-                      <a:rPr lang="en-US" altLang="en-US" sz="2400" b="1" dirty="0" err="1">
-                        <a:solidFill>
-                          <a:srgbClr val="333333"/>
-                        </a:solidFill>
-                        <a:latin typeface="Arial" panose="020B0604020202020204" pitchFamily="34" charset="0"/>
-                        <a:ea typeface="Helvetica Neue"/>
-                      </a:rPr>
-                      <a:t>fixed.acidity</a:t>
-                    </a:r>
-                    <a:r>
-                      <a:rPr lang="en-US" altLang="en-US" sz="2400" b="1" dirty="0">
-                        <a:solidFill>
-                          <a:srgbClr val="333333"/>
-                        </a:solidFill>
-                        <a:latin typeface="Arial" panose="020B0604020202020204" pitchFamily="34" charset="0"/>
-                        <a:ea typeface="Helvetica Neue"/>
-                      </a:rPr>
-                      <a:t>:</a:t>
-                    </a:r>
-                    <a:r>
-                      <a:rPr lang="en-US" altLang="en-US" sz="2400" dirty="0">
-                        <a:solidFill>
-                          <a:srgbClr val="333333"/>
-                        </a:solidFill>
-                        <a:latin typeface="Arial" panose="020B0604020202020204" pitchFamily="34" charset="0"/>
-                        <a:ea typeface="Helvetica Neue"/>
-                      </a:rPr>
-                      <a:t> the amount of acid in wine that’s not volatile (do not evaporate fast)</a:t>
-                    </a:r>
-                  </a:p>
-                  <a:p>
-                    <a:pPr marL="285750" lvl="0" indent="-285750" eaLnBrk="0" fontAlgn="base" hangingPunct="0">
-                      <a:spcBef>
-                        <a:spcPts val="600"/>
-                      </a:spcBef>
-                      <a:spcAft>
-                        <a:spcPts val="600"/>
-                      </a:spcAft>
-                      <a:buClrTx/>
-                      <a:buFont typeface="Arial" panose="020B0604020202020204" pitchFamily="34" charset="0"/>
-                      <a:buChar char="•"/>
-                    </a:pPr>
-                    <a:r>
-                      <a:rPr lang="en-US" altLang="en-US" sz="2400" b="1" dirty="0" err="1">
-                        <a:solidFill>
-                          <a:srgbClr val="333333"/>
-                        </a:solidFill>
-                        <a:latin typeface="Arial" panose="020B0604020202020204" pitchFamily="34" charset="0"/>
-                        <a:ea typeface="Helvetica Neue"/>
-                      </a:rPr>
-                      <a:t>volatile.acidity</a:t>
-                    </a:r>
-                    <a:r>
-                      <a:rPr lang="en-US" altLang="en-US" sz="2400" b="1" dirty="0">
-                        <a:solidFill>
-                          <a:srgbClr val="333333"/>
-                        </a:solidFill>
-                        <a:latin typeface="Arial" panose="020B0604020202020204" pitchFamily="34" charset="0"/>
-                        <a:ea typeface="Helvetica Neue"/>
-                      </a:rPr>
-                      <a:t>:</a:t>
-                    </a:r>
-                    <a:r>
-                      <a:rPr lang="en-US" altLang="en-US" sz="2400" dirty="0">
-                        <a:solidFill>
-                          <a:srgbClr val="333333"/>
-                        </a:solidFill>
-                        <a:latin typeface="Arial" panose="020B0604020202020204" pitchFamily="34" charset="0"/>
-                        <a:ea typeface="Helvetica Neue"/>
-                      </a:rPr>
-                      <a:t> the amount of acetic acid in wine</a:t>
-                    </a:r>
-                  </a:p>
-                  <a:p>
-                    <a:pPr marL="285750" lvl="0" indent="-285750" eaLnBrk="0" fontAlgn="base" hangingPunct="0">
-                      <a:spcBef>
-                        <a:spcPts val="600"/>
-                      </a:spcBef>
-                      <a:spcAft>
-                        <a:spcPts val="600"/>
-                      </a:spcAft>
-                      <a:buClrTx/>
-                      <a:buFont typeface="Arial" panose="020B0604020202020204" pitchFamily="34" charset="0"/>
-                      <a:buChar char="•"/>
-                    </a:pPr>
-                    <a:r>
-                      <a:rPr lang="en-US" altLang="en-US" sz="2400" b="1" dirty="0" err="1">
-                        <a:solidFill>
-                          <a:srgbClr val="333333"/>
-                        </a:solidFill>
-                        <a:latin typeface="Arial" panose="020B0604020202020204" pitchFamily="34" charset="0"/>
-                        <a:ea typeface="Helvetica Neue"/>
-                      </a:rPr>
-                      <a:t>citric.acid</a:t>
-                    </a:r>
-                    <a:r>
-                      <a:rPr lang="en-US" altLang="en-US" sz="2400" b="1" dirty="0">
-                        <a:solidFill>
-                          <a:srgbClr val="333333"/>
-                        </a:solidFill>
-                        <a:latin typeface="Arial" panose="020B0604020202020204" pitchFamily="34" charset="0"/>
-                        <a:ea typeface="Helvetica Neue"/>
-                      </a:rPr>
-                      <a:t>:</a:t>
-                    </a:r>
-                    <a:r>
-                      <a:rPr lang="en-US" altLang="en-US" sz="2400" dirty="0">
-                        <a:solidFill>
-                          <a:srgbClr val="333333"/>
-                        </a:solidFill>
-                        <a:latin typeface="Arial" panose="020B0604020202020204" pitchFamily="34" charset="0"/>
-                        <a:ea typeface="Helvetica Neue"/>
-                      </a:rPr>
-                      <a:t>  citric acid is found in small quantities, and can add freshness and flavor to wines</a:t>
-                    </a:r>
-                  </a:p>
-                  <a:p>
-                    <a:pPr marL="285750" lvl="0" indent="-285750" eaLnBrk="0" fontAlgn="base" hangingPunct="0">
-                      <a:spcBef>
-                        <a:spcPts val="600"/>
-                      </a:spcBef>
-                      <a:spcAft>
-                        <a:spcPts val="600"/>
-                      </a:spcAft>
-                      <a:buClrTx/>
-                      <a:buFont typeface="Arial" panose="020B0604020202020204" pitchFamily="34" charset="0"/>
-                      <a:buChar char="•"/>
-                    </a:pPr>
-                    <a:r>
-                      <a:rPr lang="en-US" altLang="en-US" sz="2400" b="1" dirty="0" err="1">
-                        <a:solidFill>
-                          <a:srgbClr val="333333"/>
-                        </a:solidFill>
-                        <a:latin typeface="Arial" panose="020B0604020202020204" pitchFamily="34" charset="0"/>
-                        <a:ea typeface="Helvetica Neue"/>
-                      </a:rPr>
-                      <a:t>residual.sugar</a:t>
-                    </a:r>
-                    <a:r>
-                      <a:rPr lang="en-US" altLang="en-US" sz="2400" b="1" dirty="0">
-                        <a:solidFill>
-                          <a:srgbClr val="333333"/>
-                        </a:solidFill>
-                        <a:latin typeface="Arial" panose="020B0604020202020204" pitchFamily="34" charset="0"/>
-                        <a:ea typeface="Helvetica Neue"/>
-                      </a:rPr>
-                      <a:t>:</a:t>
-                    </a:r>
-                    <a:r>
-                      <a:rPr lang="en-US" altLang="en-US" sz="2400" dirty="0">
-                        <a:solidFill>
-                          <a:srgbClr val="333333"/>
-                        </a:solidFill>
-                        <a:latin typeface="Arial" panose="020B0604020202020204" pitchFamily="34" charset="0"/>
-                        <a:ea typeface="Helvetica Neue"/>
-                      </a:rPr>
-                      <a:t>  the amount of sugar left after </a:t>
-                    </a:r>
-                    <a:r>
-                      <a:rPr lang="en-US" altLang="en-US" sz="2400" dirty="0" err="1">
-                        <a:solidFill>
-                          <a:srgbClr val="333333"/>
-                        </a:solidFill>
-                        <a:latin typeface="Arial" panose="020B0604020202020204" pitchFamily="34" charset="0"/>
-                        <a:ea typeface="Helvetica Neue"/>
-                      </a:rPr>
-                      <a:t>fermatation</a:t>
-                    </a:r>
-                    <a:r>
-                      <a:rPr lang="en-US" altLang="en-US" sz="2400" dirty="0">
-                        <a:solidFill>
-                          <a:srgbClr val="333333"/>
-                        </a:solidFill>
-                        <a:latin typeface="Arial" panose="020B0604020202020204" pitchFamily="34" charset="0"/>
-                        <a:ea typeface="Helvetica Neue"/>
-                      </a:rPr>
-                      <a:t> stops</a:t>
-                    </a:r>
-                  </a:p>
-                  <a:p>
-                    <a:pPr marL="285750" lvl="0" indent="-285750" eaLnBrk="0" fontAlgn="base" hangingPunct="0">
-                      <a:spcBef>
-                        <a:spcPts val="600"/>
-                      </a:spcBef>
-                      <a:spcAft>
-                        <a:spcPts val="600"/>
-                      </a:spcAft>
-                      <a:buClrTx/>
-                      <a:buFont typeface="Arial" panose="020B0604020202020204" pitchFamily="34" charset="0"/>
-                      <a:buChar char="•"/>
-                    </a:pPr>
-                    <a:r>
-                      <a:rPr lang="en-US" altLang="en-US" sz="2400" b="1" dirty="0">
-                        <a:solidFill>
-                          <a:srgbClr val="333333"/>
-                        </a:solidFill>
-                        <a:latin typeface="Arial" panose="020B0604020202020204" pitchFamily="34" charset="0"/>
-                        <a:ea typeface="Helvetica Neue"/>
-                      </a:rPr>
-                      <a:t>chlorides:</a:t>
-                    </a:r>
-                    <a:r>
-                      <a:rPr lang="en-US" altLang="en-US" sz="2400" dirty="0">
-                        <a:solidFill>
-                          <a:srgbClr val="333333"/>
-                        </a:solidFill>
-                        <a:latin typeface="Arial" panose="020B0604020202020204" pitchFamily="34" charset="0"/>
-                        <a:ea typeface="Helvetica Neue"/>
-                      </a:rPr>
-                      <a:t>  the amount of salt in the wine</a:t>
-                    </a:r>
-                  </a:p>
-                  <a:p>
-                    <a:pPr marL="285750" lvl="0" indent="-285750" eaLnBrk="0" fontAlgn="base" hangingPunct="0">
-                      <a:spcBef>
-                        <a:spcPts val="600"/>
-                      </a:spcBef>
-                      <a:spcAft>
-                        <a:spcPts val="600"/>
-                      </a:spcAft>
-                      <a:buClrTx/>
-                      <a:buFont typeface="Arial" panose="020B0604020202020204" pitchFamily="34" charset="0"/>
-                      <a:buChar char="•"/>
-                    </a:pPr>
-                    <a:r>
-                      <a:rPr lang="en-US" altLang="en-US" sz="2400" b="1" dirty="0" err="1">
-                        <a:solidFill>
-                          <a:srgbClr val="333333"/>
-                        </a:solidFill>
-                        <a:latin typeface="Arial" panose="020B0604020202020204" pitchFamily="34" charset="0"/>
-                        <a:ea typeface="Helvetica Neue"/>
-                      </a:rPr>
-                      <a:t>free.sulfure.dioxide</a:t>
-                    </a:r>
-                    <a:r>
-                      <a:rPr lang="en-US" altLang="en-US" sz="2400" b="1" dirty="0">
-                        <a:solidFill>
-                          <a:srgbClr val="333333"/>
-                        </a:solidFill>
-                        <a:latin typeface="Arial" panose="020B0604020202020204" pitchFamily="34" charset="0"/>
-                        <a:ea typeface="Helvetica Neue"/>
-                      </a:rPr>
-                      <a:t>:</a:t>
-                    </a:r>
-                    <a:r>
-                      <a:rPr lang="en-US" altLang="en-US" sz="2400" dirty="0">
-                        <a:solidFill>
-                          <a:srgbClr val="333333"/>
-                        </a:solidFill>
-                        <a:latin typeface="Arial" panose="020B0604020202020204" pitchFamily="34" charset="0"/>
-                        <a:ea typeface="Helvetica Neue"/>
-                      </a:rPr>
-                      <a:t> the free form of </a:t>
-                    </a:r>
-                    <a14:m>
-                      <m:oMath xmlns:m="http://schemas.openxmlformats.org/officeDocument/2006/math">
-                        <m:sSub>
-                          <m:sSubPr>
-                            <m:ctrlPr>
-                              <a:rPr lang="pt-BR" altLang="en-US" sz="2400" i="1" smtClean="0">
-                                <a:solidFill>
-                                  <a:srgbClr val="333333"/>
-                                </a:solidFill>
-                                <a:latin typeface="Cambria Math"/>
-                                <a:ea typeface="Helvetica Neue"/>
-                              </a:rPr>
-                            </m:ctrlPr>
-                          </m:sSubPr>
-                          <m:e>
-                            <m:r>
-                              <a:rPr lang="en-CA" altLang="en-US" sz="2400" b="0" i="1" smtClean="0">
-                                <a:solidFill>
-                                  <a:srgbClr val="333333"/>
-                                </a:solidFill>
-                                <a:latin typeface="Cambria Math"/>
-                                <a:ea typeface="Helvetica Neue"/>
-                              </a:rPr>
-                              <m:t>𝑆𝑂</m:t>
-                            </m:r>
-                          </m:e>
-                          <m:sub>
-                            <m:r>
-                              <a:rPr lang="en-CA" altLang="en-US" sz="2400" b="0" i="1" smtClean="0">
-                                <a:solidFill>
-                                  <a:srgbClr val="333333"/>
-                                </a:solidFill>
-                                <a:latin typeface="Cambria Math"/>
-                                <a:ea typeface="Helvetica Neue"/>
-                              </a:rPr>
-                              <m:t>2</m:t>
-                            </m:r>
-                          </m:sub>
-                        </m:sSub>
-                        <m:r>
-                          <a:rPr lang="en-CA" altLang="en-US" sz="2400" b="0" i="0" smtClean="0">
-                            <a:solidFill>
-                              <a:srgbClr val="333333"/>
-                            </a:solidFill>
-                            <a:latin typeface="Cambria Math"/>
-                            <a:ea typeface="Helvetica Neue"/>
-                          </a:rPr>
-                          <m:t> </m:t>
-                        </m:r>
-                      </m:oMath>
-                    </a14:m>
-                    <a:r>
-                      <a:rPr lang="en-US" altLang="en-US" sz="2400" dirty="0" smtClean="0">
-                        <a:solidFill>
-                          <a:srgbClr val="333333"/>
-                        </a:solidFill>
-                        <a:latin typeface="Arial" panose="020B0604020202020204" pitchFamily="34" charset="0"/>
-                        <a:ea typeface="Helvetica Neue"/>
-                      </a:rPr>
-                      <a:t>exists </a:t>
-                    </a:r>
-                    <a:r>
-                      <a:rPr lang="en-US" altLang="en-US" sz="2400" dirty="0">
-                        <a:solidFill>
-                          <a:srgbClr val="333333"/>
-                        </a:solidFill>
-                        <a:latin typeface="Arial" panose="020B0604020202020204" pitchFamily="34" charset="0"/>
-                        <a:ea typeface="Helvetica Neue"/>
-                      </a:rPr>
-                      <a:t>in equilibrium between </a:t>
-                    </a:r>
-                    <a:r>
-                      <a:rPr lang="en-US" altLang="en-US" sz="2400" dirty="0" smtClean="0">
-                        <a:solidFill>
-                          <a:srgbClr val="333333"/>
-                        </a:solidFill>
-                        <a:latin typeface="Arial" panose="020B0604020202020204" pitchFamily="34" charset="0"/>
-                        <a:ea typeface="Helvetica Neue"/>
-                      </a:rPr>
-                      <a:t>molecular</a:t>
-                    </a:r>
-                    <a:r>
-                      <a:rPr lang="pt-BR" altLang="en-US" sz="2400" dirty="0" smtClean="0">
-                        <a:solidFill>
-                          <a:srgbClr val="333333"/>
-                        </a:solidFill>
-                        <a:ea typeface="Helvetica Neue"/>
-                      </a:rPr>
-                      <a:t> </a:t>
-                    </a:r>
-                    <a14:m>
-                      <m:oMath xmlns:m="http://schemas.openxmlformats.org/officeDocument/2006/math">
-                        <m:sSub>
-                          <m:sSubPr>
-                            <m:ctrlPr>
-                              <a:rPr lang="pt-BR" altLang="en-US" sz="2400" i="1">
-                                <a:solidFill>
-                                  <a:srgbClr val="333333"/>
-                                </a:solidFill>
-                                <a:latin typeface="Cambria Math"/>
-                                <a:ea typeface="Helvetica Neue"/>
-                              </a:rPr>
-                            </m:ctrlPr>
-                          </m:sSubPr>
-                          <m:e>
-                            <m:r>
-                              <a:rPr lang="en-CA" altLang="en-US" sz="2400" i="1">
-                                <a:solidFill>
-                                  <a:srgbClr val="333333"/>
-                                </a:solidFill>
-                                <a:latin typeface="Cambria Math"/>
-                                <a:ea typeface="Helvetica Neue"/>
-                              </a:rPr>
-                              <m:t>𝑆𝑂</m:t>
-                            </m:r>
-                          </m:e>
-                          <m:sub>
-                            <m:r>
-                              <a:rPr lang="en-CA" altLang="en-US" sz="2400" i="1">
-                                <a:solidFill>
-                                  <a:srgbClr val="333333"/>
-                                </a:solidFill>
-                                <a:latin typeface="Cambria Math"/>
-                                <a:ea typeface="Helvetica Neue"/>
-                              </a:rPr>
-                              <m:t>2</m:t>
-                            </m:r>
-                          </m:sub>
-                        </m:sSub>
-                        <m:r>
-                          <a:rPr lang="en-CA" altLang="en-US" sz="2400" i="1">
-                            <a:solidFill>
-                              <a:srgbClr val="333333"/>
-                            </a:solidFill>
-                            <a:latin typeface="Cambria Math"/>
-                            <a:ea typeface="Helvetica Neue"/>
-                          </a:rPr>
-                          <m:t> </m:t>
-                        </m:r>
-                      </m:oMath>
-                    </a14:m>
-                    <a:r>
-                      <a:rPr lang="en-US" altLang="en-US" sz="2400" dirty="0" smtClean="0">
-                        <a:solidFill>
-                          <a:srgbClr val="333333"/>
-                        </a:solidFill>
-                        <a:latin typeface="Arial" panose="020B0604020202020204" pitchFamily="34" charset="0"/>
-                        <a:ea typeface="Helvetica Neue"/>
-                      </a:rPr>
-                      <a:t>(</a:t>
-                    </a:r>
-                    <a:r>
-                      <a:rPr lang="en-US" altLang="en-US" sz="2400" dirty="0">
-                        <a:solidFill>
-                          <a:srgbClr val="333333"/>
-                        </a:solidFill>
-                        <a:latin typeface="Arial" panose="020B0604020202020204" pitchFamily="34" charset="0"/>
-                        <a:ea typeface="Helvetica Neue"/>
-                      </a:rPr>
-                      <a:t>as a dissolved </a:t>
-                    </a:r>
-                    <a:r>
-                      <a:rPr lang="en-US" altLang="en-US" sz="2400" dirty="0" smtClean="0">
-                        <a:solidFill>
-                          <a:srgbClr val="333333"/>
-                        </a:solidFill>
-                        <a:latin typeface="Arial" panose="020B0604020202020204" pitchFamily="34" charset="0"/>
-                        <a:ea typeface="Helvetica Neue"/>
-                      </a:rPr>
-                      <a:t>gas) </a:t>
-                    </a:r>
-                    <a:r>
-                      <a:rPr lang="en-US" altLang="en-US" sz="2400" dirty="0">
-                        <a:solidFill>
-                          <a:srgbClr val="333333"/>
-                        </a:solidFill>
-                        <a:latin typeface="Arial" panose="020B0604020202020204" pitchFamily="34" charset="0"/>
-                        <a:ea typeface="Helvetica Neue"/>
-                      </a:rPr>
-                      <a:t>and bisulfite </a:t>
-                    </a:r>
-                    <a:r>
-                      <a:rPr lang="en-US" altLang="en-US" sz="2400" dirty="0" smtClean="0">
-                        <a:solidFill>
-                          <a:srgbClr val="333333"/>
-                        </a:solidFill>
-                        <a:latin typeface="Arial" panose="020B0604020202020204" pitchFamily="34" charset="0"/>
-                        <a:ea typeface="Helvetica Neue"/>
-                      </a:rPr>
-                      <a:t>ion</a:t>
-                    </a:r>
-                    <a:endParaRPr lang="en-US" altLang="en-US" sz="2400" dirty="0">
+                    </a:rPr>
+                    <a:t>Explanatory Variables:</a:t>
+                  </a:r>
+                  <a:endParaRPr lang="en-US" altLang="en-US" sz="2400" dirty="0">
+                    <a:solidFill>
+                      <a:srgbClr val="333333"/>
+                    </a:solidFill>
+                    <a:latin typeface="Arial" panose="020B0604020202020204" pitchFamily="34" charset="0"/>
+                    <a:ea typeface="inherit"/>
+                  </a:endParaRPr>
+                </a:p>
+                <a:p>
+                  <a:pPr marL="285750" lvl="0" indent="-285750" eaLnBrk="0" fontAlgn="base" hangingPunct="0">
+                    <a:spcBef>
+                      <a:spcPts val="600"/>
+                    </a:spcBef>
+                    <a:spcAft>
+                      <a:spcPts val="600"/>
+                    </a:spcAft>
+                    <a:buClrTx/>
+                    <a:buFont typeface="Arial" panose="020B0604020202020204" pitchFamily="34" charset="0"/>
+                    <a:buChar char="•"/>
+                  </a:pPr>
+                  <a:r>
+                    <a:rPr lang="en-US" altLang="en-US" sz="2400" b="1" dirty="0" err="1">
                       <a:solidFill>
                         <a:srgbClr val="333333"/>
                       </a:solidFill>
                       <a:latin typeface="Arial" panose="020B0604020202020204" pitchFamily="34" charset="0"/>
                       <a:ea typeface="Helvetica Neue"/>
-                    </a:endParaRPr>
-                  </a:p>
-                  <a:p>
-                    <a:pPr marL="285750" lvl="0" indent="-285750" eaLnBrk="0" fontAlgn="base" hangingPunct="0">
-                      <a:spcBef>
-                        <a:spcPts val="600"/>
-                      </a:spcBef>
-                      <a:spcAft>
-                        <a:spcPts val="600"/>
-                      </a:spcAft>
-                      <a:buClrTx/>
-                      <a:buFont typeface="Arial" panose="020B0604020202020204" pitchFamily="34" charset="0"/>
-                      <a:buChar char="•"/>
-                    </a:pPr>
-                    <a:r>
-                      <a:rPr lang="en-US" altLang="en-US" sz="2400" b="1" dirty="0" err="1">
-                        <a:solidFill>
-                          <a:srgbClr val="333333"/>
-                        </a:solidFill>
-                        <a:latin typeface="Arial" panose="020B0604020202020204" pitchFamily="34" charset="0"/>
-                        <a:ea typeface="Helvetica Neue"/>
-                      </a:rPr>
-                      <a:t>total.sulfur.dioxide</a:t>
-                    </a:r>
-                    <a:r>
-                      <a:rPr lang="en-US" altLang="en-US" sz="2400" b="1" dirty="0">
-                        <a:solidFill>
-                          <a:srgbClr val="333333"/>
-                        </a:solidFill>
-                        <a:latin typeface="Arial" panose="020B0604020202020204" pitchFamily="34" charset="0"/>
-                        <a:ea typeface="Helvetica Neue"/>
-                      </a:rPr>
-                      <a:t>:</a:t>
-                    </a:r>
-                    <a:r>
-                      <a:rPr lang="en-US" altLang="en-US" sz="2400" dirty="0">
-                        <a:solidFill>
-                          <a:srgbClr val="333333"/>
-                        </a:solidFill>
-                        <a:latin typeface="Arial" panose="020B0604020202020204" pitchFamily="34" charset="0"/>
-                        <a:ea typeface="Helvetica Neue"/>
-                      </a:rPr>
-                      <a:t> amount of free and bound forms </a:t>
-                    </a:r>
-                    <a:r>
-                      <a:rPr lang="en-US" altLang="en-US" sz="2400" dirty="0" smtClean="0">
-                        <a:solidFill>
-                          <a:srgbClr val="333333"/>
-                        </a:solidFill>
-                        <a:latin typeface="Arial" panose="020B0604020202020204" pitchFamily="34" charset="0"/>
-                        <a:ea typeface="Helvetica Neue"/>
-                      </a:rPr>
-                      <a:t>of</a:t>
-                    </a:r>
-                    <a:r>
-                      <a:rPr lang="pt-BR" altLang="en-US" sz="2400" dirty="0" smtClean="0">
-                        <a:solidFill>
-                          <a:srgbClr val="333333"/>
-                        </a:solidFill>
-                        <a:ea typeface="Helvetica Neue"/>
-                      </a:rPr>
-                      <a:t> </a:t>
-                    </a:r>
-                    <a14:m>
-                      <m:oMath xmlns:m="http://schemas.openxmlformats.org/officeDocument/2006/math">
-                        <m:sSub>
-                          <m:sSubPr>
-                            <m:ctrlPr>
-                              <a:rPr lang="pt-BR" altLang="en-US" sz="2400" i="1">
-                                <a:solidFill>
-                                  <a:srgbClr val="333333"/>
-                                </a:solidFill>
-                                <a:latin typeface="Cambria Math"/>
-                                <a:ea typeface="Helvetica Neue"/>
-                              </a:rPr>
-                            </m:ctrlPr>
-                          </m:sSubPr>
-                          <m:e>
-                            <m:r>
-                              <a:rPr lang="en-CA" altLang="en-US" sz="2400" i="1">
-                                <a:solidFill>
-                                  <a:srgbClr val="333333"/>
-                                </a:solidFill>
-                                <a:latin typeface="Cambria Math"/>
-                                <a:ea typeface="Helvetica Neue"/>
-                              </a:rPr>
-                              <m:t>𝑆𝑂</m:t>
-                            </m:r>
-                          </m:e>
-                          <m:sub>
-                            <m:r>
-                              <a:rPr lang="en-CA" altLang="en-US" sz="2400" i="1">
-                                <a:solidFill>
-                                  <a:srgbClr val="333333"/>
-                                </a:solidFill>
-                                <a:latin typeface="Cambria Math"/>
-                                <a:ea typeface="Helvetica Neue"/>
-                              </a:rPr>
-                              <m:t>2</m:t>
-                            </m:r>
-                          </m:sub>
-                        </m:sSub>
-                      </m:oMath>
-                    </a14:m>
-                    <a:endParaRPr lang="en-US" altLang="en-US" sz="2400" dirty="0">
+                    </a:rPr>
+                    <a:t>fixed.acidity</a:t>
+                  </a:r>
+                  <a:r>
+                    <a:rPr lang="en-US" altLang="en-US" sz="2400" b="1" dirty="0">
                       <a:solidFill>
                         <a:srgbClr val="333333"/>
                       </a:solidFill>
                       <a:latin typeface="Arial" panose="020B0604020202020204" pitchFamily="34" charset="0"/>
                       <a:ea typeface="Helvetica Neue"/>
-                    </a:endParaRPr>
-                  </a:p>
-                  <a:p>
-                    <a:pPr marL="285750" lvl="0" indent="-285750" eaLnBrk="0" fontAlgn="base" hangingPunct="0">
-                      <a:spcBef>
-                        <a:spcPts val="600"/>
-                      </a:spcBef>
-                      <a:spcAft>
-                        <a:spcPts val="600"/>
-                      </a:spcAft>
-                      <a:buClrTx/>
-                      <a:buFont typeface="Arial" panose="020B0604020202020204" pitchFamily="34" charset="0"/>
-                      <a:buChar char="•"/>
-                    </a:pPr>
-                    <a:r>
-                      <a:rPr lang="en-US" altLang="en-US" sz="2400" b="1" dirty="0">
-                        <a:solidFill>
-                          <a:srgbClr val="333333"/>
-                        </a:solidFill>
-                        <a:latin typeface="Arial" panose="020B0604020202020204" pitchFamily="34" charset="0"/>
-                        <a:ea typeface="Helvetica Neue"/>
-                      </a:rPr>
-                      <a:t>density:</a:t>
-                    </a:r>
-                    <a:r>
-                      <a:rPr lang="en-US" altLang="en-US" sz="2400" dirty="0">
-                        <a:solidFill>
-                          <a:srgbClr val="333333"/>
-                        </a:solidFill>
-                        <a:latin typeface="Arial" panose="020B0604020202020204" pitchFamily="34" charset="0"/>
-                        <a:ea typeface="Helvetica Neue"/>
-                      </a:rPr>
-                      <a:t> the density of the liquid</a:t>
-                    </a:r>
-                  </a:p>
-                  <a:p>
-                    <a:pPr marL="285750" lvl="0" indent="-285750" eaLnBrk="0" fontAlgn="base" hangingPunct="0">
-                      <a:spcBef>
-                        <a:spcPts val="600"/>
-                      </a:spcBef>
-                      <a:spcAft>
-                        <a:spcPts val="600"/>
-                      </a:spcAft>
-                      <a:buClrTx/>
-                      <a:buFont typeface="Arial" panose="020B0604020202020204" pitchFamily="34" charset="0"/>
-                      <a:buChar char="•"/>
-                    </a:pPr>
-                    <a:r>
-                      <a:rPr lang="en-US" altLang="en-US" sz="2400" b="1" dirty="0">
-                        <a:solidFill>
-                          <a:srgbClr val="333333"/>
-                        </a:solidFill>
-                        <a:latin typeface="Arial" panose="020B0604020202020204" pitchFamily="34" charset="0"/>
-                        <a:ea typeface="Helvetica Neue"/>
-                      </a:rPr>
-                      <a:t>pH:</a:t>
-                    </a:r>
-                    <a:r>
-                      <a:rPr lang="en-US" altLang="en-US" sz="2400" dirty="0">
-                        <a:solidFill>
-                          <a:srgbClr val="333333"/>
-                        </a:solidFill>
-                        <a:latin typeface="Arial" panose="020B0604020202020204" pitchFamily="34" charset="0"/>
-                        <a:ea typeface="Helvetica Neue"/>
-                      </a:rPr>
-                      <a:t> the indicator of the </a:t>
-                    </a:r>
-                    <a:r>
-                      <a:rPr lang="en-US" altLang="en-US" sz="2400" dirty="0" err="1">
-                        <a:solidFill>
-                          <a:srgbClr val="333333"/>
-                        </a:solidFill>
-                        <a:latin typeface="Arial" panose="020B0604020202020204" pitchFamily="34" charset="0"/>
-                        <a:ea typeface="Helvetica Neue"/>
-                      </a:rPr>
-                      <a:t>acidicity</a:t>
-                    </a:r>
-                    <a:r>
-                      <a:rPr lang="en-US" altLang="en-US" sz="2400" dirty="0">
-                        <a:solidFill>
-                          <a:srgbClr val="333333"/>
-                        </a:solidFill>
-                        <a:latin typeface="Arial" panose="020B0604020202020204" pitchFamily="34" charset="0"/>
-                        <a:ea typeface="Helvetica Neue"/>
-                      </a:rPr>
-                      <a:t> or basic property of the wine</a:t>
-                    </a:r>
-                  </a:p>
-                  <a:p>
-                    <a:pPr marL="285750" lvl="0" indent="-285750" eaLnBrk="0" fontAlgn="base" hangingPunct="0">
-                      <a:spcBef>
-                        <a:spcPts val="600"/>
-                      </a:spcBef>
-                      <a:spcAft>
-                        <a:spcPts val="600"/>
-                      </a:spcAft>
-                      <a:buClrTx/>
-                      <a:buFont typeface="Arial" panose="020B0604020202020204" pitchFamily="34" charset="0"/>
-                      <a:buChar char="•"/>
-                    </a:pPr>
-                    <a:r>
-                      <a:rPr lang="en-US" altLang="en-US" sz="2400" b="1" dirty="0">
-                        <a:solidFill>
-                          <a:srgbClr val="333333"/>
-                        </a:solidFill>
-                        <a:latin typeface="Arial" panose="020B0604020202020204" pitchFamily="34" charset="0"/>
-                        <a:ea typeface="Helvetica Neue"/>
-                      </a:rPr>
-                      <a:t>sulphates: </a:t>
-                    </a:r>
-                    <a:r>
-                      <a:rPr lang="en-US" altLang="en-US" sz="2400" dirty="0">
-                        <a:solidFill>
-                          <a:srgbClr val="333333"/>
-                        </a:solidFill>
-                        <a:latin typeface="Arial" panose="020B0604020202020204" pitchFamily="34" charset="0"/>
-                        <a:ea typeface="Helvetica Neue"/>
-                      </a:rPr>
-                      <a:t>a wine additive which can contribute to sulfur dioxide </a:t>
-                    </a:r>
-                    <a:r>
-                      <a:rPr lang="en-US" altLang="en-US" sz="2400" dirty="0" smtClean="0">
-                        <a:solidFill>
-                          <a:srgbClr val="333333"/>
-                        </a:solidFill>
-                        <a:latin typeface="Arial" panose="020B0604020202020204" pitchFamily="34" charset="0"/>
-                        <a:ea typeface="Helvetica Neue"/>
-                      </a:rPr>
-                      <a:t>gas</a:t>
-                    </a:r>
-                    <a:r>
-                      <a:rPr lang="pt-BR" altLang="en-US" sz="2400" dirty="0" smtClean="0">
-                        <a:solidFill>
-                          <a:srgbClr val="333333"/>
-                        </a:solidFill>
-                        <a:ea typeface="Helvetica Neue"/>
-                      </a:rPr>
-                      <a:t> </a:t>
-                    </a:r>
-                    <a14:m>
-                      <m:oMath xmlns:m="http://schemas.openxmlformats.org/officeDocument/2006/math">
-                        <m:sSub>
-                          <m:sSubPr>
-                            <m:ctrlPr>
-                              <a:rPr lang="pt-BR" altLang="en-US" sz="2400" i="1">
-                                <a:solidFill>
-                                  <a:srgbClr val="333333"/>
-                                </a:solidFill>
-                                <a:latin typeface="Cambria Math"/>
-                                <a:ea typeface="Helvetica Neue"/>
-                              </a:rPr>
-                            </m:ctrlPr>
-                          </m:sSubPr>
-                          <m:e>
-                            <m:r>
-                              <a:rPr lang="en-CA" altLang="en-US" sz="2400" i="1">
-                                <a:solidFill>
-                                  <a:srgbClr val="333333"/>
-                                </a:solidFill>
-                                <a:latin typeface="Cambria Math"/>
-                                <a:ea typeface="Helvetica Neue"/>
-                              </a:rPr>
-                              <m:t>𝑆𝑂</m:t>
-                            </m:r>
-                          </m:e>
-                          <m:sub>
-                            <m:r>
-                              <a:rPr lang="en-CA" altLang="en-US" sz="2400" i="1">
-                                <a:solidFill>
-                                  <a:srgbClr val="333333"/>
-                                </a:solidFill>
-                                <a:latin typeface="Cambria Math"/>
-                                <a:ea typeface="Helvetica Neue"/>
-                              </a:rPr>
-                              <m:t>2</m:t>
-                            </m:r>
-                          </m:sub>
-                        </m:sSub>
-                        <m:r>
-                          <a:rPr lang="en-CA" altLang="en-US" sz="2400" i="1">
-                            <a:solidFill>
-                              <a:srgbClr val="333333"/>
-                            </a:solidFill>
-                            <a:latin typeface="Cambria Math"/>
-                            <a:ea typeface="Helvetica Neue"/>
-                          </a:rPr>
-                          <m:t> </m:t>
-                        </m:r>
-                      </m:oMath>
-                    </a14:m>
-                    <a:r>
-                      <a:rPr lang="en-US" altLang="en-US" sz="2400" dirty="0" smtClean="0">
-                        <a:solidFill>
-                          <a:srgbClr val="333333"/>
-                        </a:solidFill>
-                        <a:latin typeface="Arial" panose="020B0604020202020204" pitchFamily="34" charset="0"/>
-                        <a:ea typeface="Helvetica Neue"/>
-                      </a:rPr>
-                      <a:t>levels</a:t>
-                    </a:r>
-                    <a:endParaRPr lang="en-US" altLang="en-US" sz="2400" dirty="0">
+                    </a:rPr>
+                    <a:t>:</a:t>
+                  </a:r>
+                  <a:r>
+                    <a:rPr lang="en-US" altLang="en-US" sz="2400" dirty="0">
                       <a:solidFill>
                         <a:srgbClr val="333333"/>
                       </a:solidFill>
                       <a:latin typeface="Arial" panose="020B0604020202020204" pitchFamily="34" charset="0"/>
                       <a:ea typeface="Helvetica Neue"/>
-                    </a:endParaRPr>
-                  </a:p>
-                  <a:p>
-                    <a:pPr marL="285750" lvl="0" indent="-285750" eaLnBrk="0" fontAlgn="base" hangingPunct="0">
-                      <a:spcBef>
-                        <a:spcPts val="600"/>
-                      </a:spcBef>
-                      <a:spcAft>
-                        <a:spcPts val="600"/>
-                      </a:spcAft>
-                      <a:buClrTx/>
-                      <a:buFont typeface="Arial" panose="020B0604020202020204" pitchFamily="34" charset="0"/>
-                      <a:buChar char="•"/>
-                    </a:pPr>
-                    <a:r>
-                      <a:rPr lang="en-US" altLang="en-US" sz="2400" b="1" dirty="0">
-                        <a:solidFill>
-                          <a:srgbClr val="333333"/>
-                        </a:solidFill>
-                        <a:latin typeface="Arial" panose="020B0604020202020204" pitchFamily="34" charset="0"/>
-                        <a:ea typeface="Helvetica Neue"/>
-                      </a:rPr>
-                      <a:t>alcohol:</a:t>
-                    </a:r>
-                    <a:r>
-                      <a:rPr lang="en-US" altLang="en-US" sz="2400" dirty="0">
-                        <a:solidFill>
-                          <a:srgbClr val="333333"/>
-                        </a:solidFill>
-                        <a:latin typeface="Arial" panose="020B0604020202020204" pitchFamily="34" charset="0"/>
-                        <a:ea typeface="Helvetica Neue"/>
-                      </a:rPr>
-                      <a:t> the percent alcohol content of the wine</a:t>
-                    </a:r>
-                  </a:p>
-                  <a:p>
-                    <a:r>
-                      <a:rPr lang="en-US" sz="2000" dirty="0"/>
-                      <a:t/>
-                    </a:r>
-                    <a:br>
-                      <a:rPr lang="en-US" sz="2000" dirty="0"/>
-                    </a:br>
-                    <a:r>
-                      <a:rPr lang="en-US" sz="1200" dirty="0"/>
-                      <a:t/>
-                    </a:r>
-                    <a:br>
-                      <a:rPr lang="en-US" sz="1200" dirty="0"/>
-                    </a:br>
-                    <a:endParaRPr lang="en-US" sz="1200" dirty="0"/>
-                  </a:p>
-                </p:txBody>
-              </p:sp>
-            </mc:Choice>
-            <mc:Fallback xmlns="">
-              <p:sp>
-                <p:nvSpPr>
-                  <p:cNvPr id="125" name="Rectangle 124">
-                    <a:extLst>
-                      <a:ext uri="{FF2B5EF4-FFF2-40B4-BE49-F238E27FC236}">
-                        <a16:creationId xmlns:a16="http://schemas.microsoft.com/office/drawing/2014/main" xmlns="" id="{67AB1C33-5554-4E75-BDA8-C8A08165EEED}"/>
-                      </a:ext>
-                    </a:extLst>
-                  </p:cNvPr>
-                  <p:cNvSpPr>
-                    <a:spLocks noRot="1" noChangeAspect="1" noMove="1" noResize="1" noEditPoints="1" noAdjustHandles="1" noChangeArrowheads="1" noChangeShapeType="1" noTextEdit="1"/>
-                  </p:cNvSpPr>
-                  <p:nvPr/>
-                </p:nvSpPr>
-                <p:spPr>
-                  <a:xfrm>
-                    <a:off x="11876209" y="15518963"/>
-                    <a:ext cx="9163484" cy="10048905"/>
-                  </a:xfrm>
-                  <a:prstGeom prst="rect">
-                    <a:avLst/>
-                  </a:prstGeom>
-                  <a:blipFill rotWithShape="1">
-                    <a:blip r:embed="rId10"/>
-                    <a:stretch>
-                      <a:fillRect l="-998" r="-865"/>
-                    </a:stretch>
-                  </a:blipFill>
-                </p:spPr>
-                <p:txBody>
-                  <a:bodyPr/>
-                  <a:lstStyle/>
-                  <a:p>
-                    <a:r>
-                      <a:rPr lang="en-CA">
-                        <a:noFill/>
-                      </a:rPr>
-                      <a:t> </a:t>
-                    </a:r>
-                  </a:p>
-                </p:txBody>
-              </p:sp>
-            </mc:Fallback>
-          </mc:AlternateContent>
-        </p:grpSp>
-        <p:sp>
-          <p:nvSpPr>
-            <p:cNvPr id="115" name="TextBox 114">
-              <a:extLst>
-                <a:ext uri="{FF2B5EF4-FFF2-40B4-BE49-F238E27FC236}">
-                  <a16:creationId xmlns="" xmlns:a16="http://schemas.microsoft.com/office/drawing/2014/main" id="{99D86F51-3EB6-4519-A834-89DC9EBADE18}"/>
-                </a:ext>
-              </a:extLst>
-            </p:cNvPr>
-            <p:cNvSpPr txBox="1"/>
-            <p:nvPr/>
-          </p:nvSpPr>
-          <p:spPr>
-            <a:xfrm>
-              <a:off x="17283981" y="14323294"/>
-              <a:ext cx="9323238" cy="1107996"/>
-            </a:xfrm>
-            <a:prstGeom prst="rect">
-              <a:avLst/>
-            </a:prstGeom>
-            <a:noFill/>
-          </p:spPr>
-          <p:txBody>
-            <a:bodyPr wrap="square" rtlCol="0">
-              <a:spAutoFit/>
-            </a:bodyPr>
-            <a:lstStyle/>
-            <a:p>
-              <a:pPr algn="ctr"/>
-              <a:r>
-                <a:rPr lang="en-US" sz="6600" b="1" dirty="0">
-                  <a:solidFill>
-                    <a:schemeClr val="tx1">
-                      <a:lumMod val="65000"/>
-                      <a:lumOff val="35000"/>
-                    </a:schemeClr>
-                  </a:solidFill>
-                </a:rPr>
-                <a:t>D</a:t>
-              </a:r>
-              <a:r>
-                <a:rPr lang="en-US" sz="4000" b="1" dirty="0">
-                  <a:solidFill>
-                    <a:schemeClr val="tx1">
-                      <a:lumMod val="65000"/>
-                      <a:lumOff val="35000"/>
-                    </a:schemeClr>
-                  </a:solidFill>
-                </a:rPr>
-                <a:t>ata </a:t>
-              </a:r>
-              <a:r>
-                <a:rPr lang="en-US" sz="4000" b="1" dirty="0" smtClean="0">
-                  <a:solidFill>
-                    <a:schemeClr val="tx1">
-                      <a:lumMod val="65000"/>
-                      <a:lumOff val="35000"/>
-                    </a:schemeClr>
-                  </a:solidFill>
-                </a:rPr>
-                <a:t>Explanations &amp; Explorations</a:t>
-              </a:r>
-              <a:endParaRPr lang="en-US" sz="1800" b="1" dirty="0">
-                <a:solidFill>
-                  <a:schemeClr val="tx1">
-                    <a:lumMod val="65000"/>
-                    <a:lumOff val="35000"/>
-                  </a:schemeClr>
-                </a:solidFill>
-              </a:endParaRPr>
-            </a:p>
-          </p:txBody>
-        </p:sp>
+                    </a:rPr>
+                    <a:t> the amount of acid in wine that’s not volatile (do not evaporate fast)</a:t>
+                  </a:r>
+                </a:p>
+                <a:p>
+                  <a:pPr marL="285750" lvl="0" indent="-285750" eaLnBrk="0" fontAlgn="base" hangingPunct="0">
+                    <a:spcBef>
+                      <a:spcPts val="600"/>
+                    </a:spcBef>
+                    <a:spcAft>
+                      <a:spcPts val="600"/>
+                    </a:spcAft>
+                    <a:buClrTx/>
+                    <a:buFont typeface="Arial" panose="020B0604020202020204" pitchFamily="34" charset="0"/>
+                    <a:buChar char="•"/>
+                  </a:pPr>
+                  <a:r>
+                    <a:rPr lang="en-US" altLang="en-US" sz="2400" b="1" dirty="0" err="1">
+                      <a:solidFill>
+                        <a:srgbClr val="333333"/>
+                      </a:solidFill>
+                      <a:latin typeface="Arial" panose="020B0604020202020204" pitchFamily="34" charset="0"/>
+                      <a:ea typeface="Helvetica Neue"/>
+                    </a:rPr>
+                    <a:t>volatile.acidity</a:t>
+                  </a:r>
+                  <a:r>
+                    <a:rPr lang="en-US" altLang="en-US" sz="2400" b="1" dirty="0">
+                      <a:solidFill>
+                        <a:srgbClr val="333333"/>
+                      </a:solidFill>
+                      <a:latin typeface="Arial" panose="020B0604020202020204" pitchFamily="34" charset="0"/>
+                      <a:ea typeface="Helvetica Neue"/>
+                    </a:rPr>
+                    <a:t>:</a:t>
+                  </a:r>
+                  <a:r>
+                    <a:rPr lang="en-US" altLang="en-US" sz="2400" dirty="0">
+                      <a:solidFill>
+                        <a:srgbClr val="333333"/>
+                      </a:solidFill>
+                      <a:latin typeface="Arial" panose="020B0604020202020204" pitchFamily="34" charset="0"/>
+                      <a:ea typeface="Helvetica Neue"/>
+                    </a:rPr>
+                    <a:t> the amount of acetic acid in wine</a:t>
+                  </a:r>
+                </a:p>
+                <a:p>
+                  <a:pPr marL="285750" lvl="0" indent="-285750" eaLnBrk="0" fontAlgn="base" hangingPunct="0">
+                    <a:spcBef>
+                      <a:spcPts val="600"/>
+                    </a:spcBef>
+                    <a:spcAft>
+                      <a:spcPts val="600"/>
+                    </a:spcAft>
+                    <a:buClrTx/>
+                    <a:buFont typeface="Arial" panose="020B0604020202020204" pitchFamily="34" charset="0"/>
+                    <a:buChar char="•"/>
+                  </a:pPr>
+                  <a:r>
+                    <a:rPr lang="en-US" altLang="en-US" sz="2400" b="1" dirty="0" err="1">
+                      <a:solidFill>
+                        <a:srgbClr val="333333"/>
+                      </a:solidFill>
+                      <a:latin typeface="Arial" panose="020B0604020202020204" pitchFamily="34" charset="0"/>
+                      <a:ea typeface="Helvetica Neue"/>
+                    </a:rPr>
+                    <a:t>citric.acid</a:t>
+                  </a:r>
+                  <a:r>
+                    <a:rPr lang="en-US" altLang="en-US" sz="2400" b="1" dirty="0">
+                      <a:solidFill>
+                        <a:srgbClr val="333333"/>
+                      </a:solidFill>
+                      <a:latin typeface="Arial" panose="020B0604020202020204" pitchFamily="34" charset="0"/>
+                      <a:ea typeface="Helvetica Neue"/>
+                    </a:rPr>
+                    <a:t>:</a:t>
+                  </a:r>
+                  <a:r>
+                    <a:rPr lang="en-US" altLang="en-US" sz="2400" dirty="0">
+                      <a:solidFill>
+                        <a:srgbClr val="333333"/>
+                      </a:solidFill>
+                      <a:latin typeface="Arial" panose="020B0604020202020204" pitchFamily="34" charset="0"/>
+                      <a:ea typeface="Helvetica Neue"/>
+                    </a:rPr>
+                    <a:t>  citric acid is found in small quantities, and can add freshness and flavor to wines</a:t>
+                  </a:r>
+                </a:p>
+                <a:p>
+                  <a:pPr marL="285750" lvl="0" indent="-285750" eaLnBrk="0" fontAlgn="base" hangingPunct="0">
+                    <a:spcBef>
+                      <a:spcPts val="600"/>
+                    </a:spcBef>
+                    <a:spcAft>
+                      <a:spcPts val="600"/>
+                    </a:spcAft>
+                    <a:buClrTx/>
+                    <a:buFont typeface="Arial" panose="020B0604020202020204" pitchFamily="34" charset="0"/>
+                    <a:buChar char="•"/>
+                  </a:pPr>
+                  <a:r>
+                    <a:rPr lang="en-US" altLang="en-US" sz="2400" b="1" dirty="0" err="1">
+                      <a:solidFill>
+                        <a:srgbClr val="333333"/>
+                      </a:solidFill>
+                      <a:latin typeface="Arial" panose="020B0604020202020204" pitchFamily="34" charset="0"/>
+                      <a:ea typeface="Helvetica Neue"/>
+                    </a:rPr>
+                    <a:t>residual.sugar</a:t>
+                  </a:r>
+                  <a:r>
+                    <a:rPr lang="en-US" altLang="en-US" sz="2400" b="1" dirty="0">
+                      <a:solidFill>
+                        <a:srgbClr val="333333"/>
+                      </a:solidFill>
+                      <a:latin typeface="Arial" panose="020B0604020202020204" pitchFamily="34" charset="0"/>
+                      <a:ea typeface="Helvetica Neue"/>
+                    </a:rPr>
+                    <a:t>:</a:t>
+                  </a:r>
+                  <a:r>
+                    <a:rPr lang="en-US" altLang="en-US" sz="2400" dirty="0">
+                      <a:solidFill>
+                        <a:srgbClr val="333333"/>
+                      </a:solidFill>
+                      <a:latin typeface="Arial" panose="020B0604020202020204" pitchFamily="34" charset="0"/>
+                      <a:ea typeface="Helvetica Neue"/>
+                    </a:rPr>
+                    <a:t>  the amount of sugar left after </a:t>
+                  </a:r>
+                  <a:r>
+                    <a:rPr lang="en-US" altLang="en-US" sz="2400" dirty="0" err="1">
+                      <a:solidFill>
+                        <a:srgbClr val="333333"/>
+                      </a:solidFill>
+                      <a:latin typeface="Arial" panose="020B0604020202020204" pitchFamily="34" charset="0"/>
+                      <a:ea typeface="Helvetica Neue"/>
+                    </a:rPr>
+                    <a:t>fermatation</a:t>
+                  </a:r>
+                  <a:r>
+                    <a:rPr lang="en-US" altLang="en-US" sz="2400" dirty="0">
+                      <a:solidFill>
+                        <a:srgbClr val="333333"/>
+                      </a:solidFill>
+                      <a:latin typeface="Arial" panose="020B0604020202020204" pitchFamily="34" charset="0"/>
+                      <a:ea typeface="Helvetica Neue"/>
+                    </a:rPr>
+                    <a:t> stops</a:t>
+                  </a:r>
+                </a:p>
+                <a:p>
+                  <a:pPr marL="285750" lvl="0" indent="-285750" eaLnBrk="0" fontAlgn="base" hangingPunct="0">
+                    <a:spcBef>
+                      <a:spcPts val="600"/>
+                    </a:spcBef>
+                    <a:spcAft>
+                      <a:spcPts val="600"/>
+                    </a:spcAft>
+                    <a:buClrTx/>
+                    <a:buFont typeface="Arial" panose="020B0604020202020204" pitchFamily="34" charset="0"/>
+                    <a:buChar char="•"/>
+                  </a:pPr>
+                  <a:r>
+                    <a:rPr lang="en-US" altLang="en-US" sz="2400" b="1" dirty="0">
+                      <a:solidFill>
+                        <a:srgbClr val="333333"/>
+                      </a:solidFill>
+                      <a:latin typeface="Arial" panose="020B0604020202020204" pitchFamily="34" charset="0"/>
+                      <a:ea typeface="Helvetica Neue"/>
+                    </a:rPr>
+                    <a:t>chlorides:</a:t>
+                  </a:r>
+                  <a:r>
+                    <a:rPr lang="en-US" altLang="en-US" sz="2400" dirty="0">
+                      <a:solidFill>
+                        <a:srgbClr val="333333"/>
+                      </a:solidFill>
+                      <a:latin typeface="Arial" panose="020B0604020202020204" pitchFamily="34" charset="0"/>
+                      <a:ea typeface="Helvetica Neue"/>
+                    </a:rPr>
+                    <a:t>  the amount of salt in the wine</a:t>
+                  </a:r>
+                </a:p>
+                <a:p>
+                  <a:pPr marL="285750" lvl="0" indent="-285750" eaLnBrk="0" fontAlgn="base" hangingPunct="0">
+                    <a:spcBef>
+                      <a:spcPts val="600"/>
+                    </a:spcBef>
+                    <a:spcAft>
+                      <a:spcPts val="600"/>
+                    </a:spcAft>
+                    <a:buClrTx/>
+                    <a:buFont typeface="Arial" panose="020B0604020202020204" pitchFamily="34" charset="0"/>
+                    <a:buChar char="•"/>
+                  </a:pPr>
+                  <a:r>
+                    <a:rPr lang="en-US" altLang="en-US" sz="2400" b="1" dirty="0" err="1">
+                      <a:solidFill>
+                        <a:srgbClr val="333333"/>
+                      </a:solidFill>
+                      <a:latin typeface="Arial" panose="020B0604020202020204" pitchFamily="34" charset="0"/>
+                      <a:ea typeface="Helvetica Neue"/>
+                    </a:rPr>
+                    <a:t>free.sulfure.dioxide</a:t>
+                  </a:r>
+                  <a:r>
+                    <a:rPr lang="en-US" altLang="en-US" sz="2400" b="1" dirty="0">
+                      <a:solidFill>
+                        <a:srgbClr val="333333"/>
+                      </a:solidFill>
+                      <a:latin typeface="Arial" panose="020B0604020202020204" pitchFamily="34" charset="0"/>
+                      <a:ea typeface="Helvetica Neue"/>
+                    </a:rPr>
+                    <a:t>:</a:t>
+                  </a:r>
+                  <a:r>
+                    <a:rPr lang="en-US" altLang="en-US" sz="2400" dirty="0">
+                      <a:solidFill>
+                        <a:srgbClr val="333333"/>
+                      </a:solidFill>
+                      <a:latin typeface="Arial" panose="020B0604020202020204" pitchFamily="34" charset="0"/>
+                      <a:ea typeface="Helvetica Neue"/>
+                    </a:rPr>
+                    <a:t> the free form of </a:t>
+                  </a:r>
+                  <a14:m>
+                    <m:oMath xmlns:m="http://schemas.openxmlformats.org/officeDocument/2006/math">
+                      <m:sSub>
+                        <m:sSubPr>
+                          <m:ctrlPr>
+                            <a:rPr lang="pt-BR" altLang="en-US" sz="2400" i="1" smtClean="0">
+                              <a:solidFill>
+                                <a:srgbClr val="333333"/>
+                              </a:solidFill>
+                              <a:latin typeface="Cambria Math" panose="02040503050406030204" pitchFamily="18" charset="0"/>
+                              <a:ea typeface="Helvetica Neue"/>
+                            </a:rPr>
+                          </m:ctrlPr>
+                        </m:sSubPr>
+                        <m:e>
+                          <m:r>
+                            <a:rPr lang="en-CA" altLang="en-US" sz="2400" b="0" i="1" smtClean="0">
+                              <a:solidFill>
+                                <a:srgbClr val="333333"/>
+                              </a:solidFill>
+                              <a:latin typeface="Cambria Math"/>
+                              <a:ea typeface="Helvetica Neue"/>
+                            </a:rPr>
+                            <m:t>𝑆𝑂</m:t>
+                          </m:r>
+                        </m:e>
+                        <m:sub>
+                          <m:r>
+                            <a:rPr lang="en-CA" altLang="en-US" sz="2400" b="0" i="1" smtClean="0">
+                              <a:solidFill>
+                                <a:srgbClr val="333333"/>
+                              </a:solidFill>
+                              <a:latin typeface="Cambria Math"/>
+                              <a:ea typeface="Helvetica Neue"/>
+                            </a:rPr>
+                            <m:t>2</m:t>
+                          </m:r>
+                        </m:sub>
+                      </m:sSub>
+                      <m:r>
+                        <a:rPr lang="en-CA" altLang="en-US" sz="2400" b="0" i="0" smtClean="0">
+                          <a:solidFill>
+                            <a:srgbClr val="333333"/>
+                          </a:solidFill>
+                          <a:latin typeface="Cambria Math"/>
+                          <a:ea typeface="Helvetica Neue"/>
+                        </a:rPr>
+                        <m:t> </m:t>
+                      </m:r>
+                    </m:oMath>
+                  </a14:m>
+                  <a:r>
+                    <a:rPr lang="en-US" altLang="en-US" sz="2400" dirty="0">
+                      <a:solidFill>
+                        <a:srgbClr val="333333"/>
+                      </a:solidFill>
+                      <a:latin typeface="Arial" panose="020B0604020202020204" pitchFamily="34" charset="0"/>
+                      <a:ea typeface="Helvetica Neue"/>
+                    </a:rPr>
+                    <a:t>exists in equilibrium between molecular</a:t>
+                  </a:r>
+                  <a:r>
+                    <a:rPr lang="pt-BR" altLang="en-US" sz="2400" dirty="0">
+                      <a:solidFill>
+                        <a:srgbClr val="333333"/>
+                      </a:solidFill>
+                      <a:ea typeface="Helvetica Neue"/>
+                    </a:rPr>
+                    <a:t> </a:t>
+                  </a:r>
+                  <a14:m>
+                    <m:oMath xmlns:m="http://schemas.openxmlformats.org/officeDocument/2006/math">
+                      <m:sSub>
+                        <m:sSubPr>
+                          <m:ctrlPr>
+                            <a:rPr lang="pt-BR" altLang="en-US" sz="2400" i="1">
+                              <a:solidFill>
+                                <a:srgbClr val="333333"/>
+                              </a:solidFill>
+                              <a:latin typeface="Cambria Math" panose="02040503050406030204" pitchFamily="18" charset="0"/>
+                              <a:ea typeface="Helvetica Neue"/>
+                            </a:rPr>
+                          </m:ctrlPr>
+                        </m:sSubPr>
+                        <m:e>
+                          <m:r>
+                            <a:rPr lang="en-CA" altLang="en-US" sz="2400" i="1">
+                              <a:solidFill>
+                                <a:srgbClr val="333333"/>
+                              </a:solidFill>
+                              <a:latin typeface="Cambria Math"/>
+                              <a:ea typeface="Helvetica Neue"/>
+                            </a:rPr>
+                            <m:t>𝑆𝑂</m:t>
+                          </m:r>
+                        </m:e>
+                        <m:sub>
+                          <m:r>
+                            <a:rPr lang="en-CA" altLang="en-US" sz="2400" i="1">
+                              <a:solidFill>
+                                <a:srgbClr val="333333"/>
+                              </a:solidFill>
+                              <a:latin typeface="Cambria Math"/>
+                              <a:ea typeface="Helvetica Neue"/>
+                            </a:rPr>
+                            <m:t>2</m:t>
+                          </m:r>
+                        </m:sub>
+                      </m:sSub>
+                      <m:r>
+                        <a:rPr lang="en-CA" altLang="en-US" sz="2400" i="1">
+                          <a:solidFill>
+                            <a:srgbClr val="333333"/>
+                          </a:solidFill>
+                          <a:latin typeface="Cambria Math"/>
+                          <a:ea typeface="Helvetica Neue"/>
+                        </a:rPr>
+                        <m:t> </m:t>
+                      </m:r>
+                    </m:oMath>
+                  </a14:m>
+                  <a:r>
+                    <a:rPr lang="en-US" altLang="en-US" sz="2400" dirty="0">
+                      <a:solidFill>
+                        <a:srgbClr val="333333"/>
+                      </a:solidFill>
+                      <a:latin typeface="Arial" panose="020B0604020202020204" pitchFamily="34" charset="0"/>
+                      <a:ea typeface="Helvetica Neue"/>
+                    </a:rPr>
+                    <a:t>(as a dissolved gas) and bisulfite ion</a:t>
+                  </a:r>
+                </a:p>
+                <a:p>
+                  <a:pPr marL="285750" lvl="0" indent="-285750" eaLnBrk="0" fontAlgn="base" hangingPunct="0">
+                    <a:spcBef>
+                      <a:spcPts val="600"/>
+                    </a:spcBef>
+                    <a:spcAft>
+                      <a:spcPts val="600"/>
+                    </a:spcAft>
+                    <a:buClrTx/>
+                    <a:buFont typeface="Arial" panose="020B0604020202020204" pitchFamily="34" charset="0"/>
+                    <a:buChar char="•"/>
+                  </a:pPr>
+                  <a:r>
+                    <a:rPr lang="en-US" altLang="en-US" sz="2400" b="1" dirty="0" err="1">
+                      <a:solidFill>
+                        <a:srgbClr val="333333"/>
+                      </a:solidFill>
+                      <a:latin typeface="Arial" panose="020B0604020202020204" pitchFamily="34" charset="0"/>
+                      <a:ea typeface="Helvetica Neue"/>
+                    </a:rPr>
+                    <a:t>total.sulfur.dioxide</a:t>
+                  </a:r>
+                  <a:r>
+                    <a:rPr lang="en-US" altLang="en-US" sz="2400" b="1" dirty="0">
+                      <a:solidFill>
+                        <a:srgbClr val="333333"/>
+                      </a:solidFill>
+                      <a:latin typeface="Arial" panose="020B0604020202020204" pitchFamily="34" charset="0"/>
+                      <a:ea typeface="Helvetica Neue"/>
+                    </a:rPr>
+                    <a:t>:</a:t>
+                  </a:r>
+                  <a:r>
+                    <a:rPr lang="en-US" altLang="en-US" sz="2400" dirty="0">
+                      <a:solidFill>
+                        <a:srgbClr val="333333"/>
+                      </a:solidFill>
+                      <a:latin typeface="Arial" panose="020B0604020202020204" pitchFamily="34" charset="0"/>
+                      <a:ea typeface="Helvetica Neue"/>
+                    </a:rPr>
+                    <a:t> amount of free and bound forms of</a:t>
+                  </a:r>
+                  <a:r>
+                    <a:rPr lang="pt-BR" altLang="en-US" sz="2400" dirty="0">
+                      <a:solidFill>
+                        <a:srgbClr val="333333"/>
+                      </a:solidFill>
+                      <a:ea typeface="Helvetica Neue"/>
+                    </a:rPr>
+                    <a:t> </a:t>
+                  </a:r>
+                  <a14:m>
+                    <m:oMath xmlns:m="http://schemas.openxmlformats.org/officeDocument/2006/math">
+                      <m:sSub>
+                        <m:sSubPr>
+                          <m:ctrlPr>
+                            <a:rPr lang="pt-BR" altLang="en-US" sz="2400" i="1">
+                              <a:solidFill>
+                                <a:srgbClr val="333333"/>
+                              </a:solidFill>
+                              <a:latin typeface="Cambria Math" panose="02040503050406030204" pitchFamily="18" charset="0"/>
+                              <a:ea typeface="Helvetica Neue"/>
+                            </a:rPr>
+                          </m:ctrlPr>
+                        </m:sSubPr>
+                        <m:e>
+                          <m:r>
+                            <a:rPr lang="en-CA" altLang="en-US" sz="2400" i="1">
+                              <a:solidFill>
+                                <a:srgbClr val="333333"/>
+                              </a:solidFill>
+                              <a:latin typeface="Cambria Math"/>
+                              <a:ea typeface="Helvetica Neue"/>
+                            </a:rPr>
+                            <m:t>𝑆𝑂</m:t>
+                          </m:r>
+                        </m:e>
+                        <m:sub>
+                          <m:r>
+                            <a:rPr lang="en-CA" altLang="en-US" sz="2400" i="1">
+                              <a:solidFill>
+                                <a:srgbClr val="333333"/>
+                              </a:solidFill>
+                              <a:latin typeface="Cambria Math"/>
+                              <a:ea typeface="Helvetica Neue"/>
+                            </a:rPr>
+                            <m:t>2</m:t>
+                          </m:r>
+                        </m:sub>
+                      </m:sSub>
+                    </m:oMath>
+                  </a14:m>
+                  <a:endParaRPr lang="en-US" altLang="en-US" sz="2400" dirty="0">
+                    <a:solidFill>
+                      <a:srgbClr val="333333"/>
+                    </a:solidFill>
+                    <a:latin typeface="Arial" panose="020B0604020202020204" pitchFamily="34" charset="0"/>
+                    <a:ea typeface="Helvetica Neue"/>
+                  </a:endParaRPr>
+                </a:p>
+                <a:p>
+                  <a:pPr marL="285750" lvl="0" indent="-285750" eaLnBrk="0" fontAlgn="base" hangingPunct="0">
+                    <a:spcBef>
+                      <a:spcPts val="600"/>
+                    </a:spcBef>
+                    <a:spcAft>
+                      <a:spcPts val="600"/>
+                    </a:spcAft>
+                    <a:buClrTx/>
+                    <a:buFont typeface="Arial" panose="020B0604020202020204" pitchFamily="34" charset="0"/>
+                    <a:buChar char="•"/>
+                  </a:pPr>
+                  <a:r>
+                    <a:rPr lang="en-US" altLang="en-US" sz="2400" b="1" dirty="0">
+                      <a:solidFill>
+                        <a:srgbClr val="333333"/>
+                      </a:solidFill>
+                      <a:latin typeface="Arial" panose="020B0604020202020204" pitchFamily="34" charset="0"/>
+                      <a:ea typeface="Helvetica Neue"/>
+                    </a:rPr>
+                    <a:t>density:</a:t>
+                  </a:r>
+                  <a:r>
+                    <a:rPr lang="en-US" altLang="en-US" sz="2400" dirty="0">
+                      <a:solidFill>
+                        <a:srgbClr val="333333"/>
+                      </a:solidFill>
+                      <a:latin typeface="Arial" panose="020B0604020202020204" pitchFamily="34" charset="0"/>
+                      <a:ea typeface="Helvetica Neue"/>
+                    </a:rPr>
+                    <a:t> the density of the liquid</a:t>
+                  </a:r>
+                </a:p>
+                <a:p>
+                  <a:pPr marL="285750" lvl="0" indent="-285750" eaLnBrk="0" fontAlgn="base" hangingPunct="0">
+                    <a:spcBef>
+                      <a:spcPts val="600"/>
+                    </a:spcBef>
+                    <a:spcAft>
+                      <a:spcPts val="600"/>
+                    </a:spcAft>
+                    <a:buClrTx/>
+                    <a:buFont typeface="Arial" panose="020B0604020202020204" pitchFamily="34" charset="0"/>
+                    <a:buChar char="•"/>
+                  </a:pPr>
+                  <a:r>
+                    <a:rPr lang="en-US" altLang="en-US" sz="2400" b="1" dirty="0">
+                      <a:solidFill>
+                        <a:srgbClr val="333333"/>
+                      </a:solidFill>
+                      <a:latin typeface="Arial" panose="020B0604020202020204" pitchFamily="34" charset="0"/>
+                      <a:ea typeface="Helvetica Neue"/>
+                    </a:rPr>
+                    <a:t>pH:</a:t>
+                  </a:r>
+                  <a:r>
+                    <a:rPr lang="en-US" altLang="en-US" sz="2400" dirty="0">
+                      <a:solidFill>
+                        <a:srgbClr val="333333"/>
+                      </a:solidFill>
+                      <a:latin typeface="Arial" panose="020B0604020202020204" pitchFamily="34" charset="0"/>
+                      <a:ea typeface="Helvetica Neue"/>
+                    </a:rPr>
+                    <a:t> the indicator of the </a:t>
+                  </a:r>
+                  <a:r>
+                    <a:rPr lang="en-US" altLang="en-US" sz="2400" dirty="0" err="1">
+                      <a:solidFill>
+                        <a:srgbClr val="333333"/>
+                      </a:solidFill>
+                      <a:latin typeface="Arial" panose="020B0604020202020204" pitchFamily="34" charset="0"/>
+                      <a:ea typeface="Helvetica Neue"/>
+                    </a:rPr>
+                    <a:t>acidicity</a:t>
+                  </a:r>
+                  <a:r>
+                    <a:rPr lang="en-US" altLang="en-US" sz="2400" dirty="0">
+                      <a:solidFill>
+                        <a:srgbClr val="333333"/>
+                      </a:solidFill>
+                      <a:latin typeface="Arial" panose="020B0604020202020204" pitchFamily="34" charset="0"/>
+                      <a:ea typeface="Helvetica Neue"/>
+                    </a:rPr>
+                    <a:t> or basic property of the wine</a:t>
+                  </a:r>
+                </a:p>
+                <a:p>
+                  <a:pPr marL="285750" lvl="0" indent="-285750" eaLnBrk="0" fontAlgn="base" hangingPunct="0">
+                    <a:spcBef>
+                      <a:spcPts val="600"/>
+                    </a:spcBef>
+                    <a:spcAft>
+                      <a:spcPts val="600"/>
+                    </a:spcAft>
+                    <a:buClrTx/>
+                    <a:buFont typeface="Arial" panose="020B0604020202020204" pitchFamily="34" charset="0"/>
+                    <a:buChar char="•"/>
+                  </a:pPr>
+                  <a:r>
+                    <a:rPr lang="en-US" altLang="en-US" sz="2400" b="1" dirty="0">
+                      <a:solidFill>
+                        <a:srgbClr val="333333"/>
+                      </a:solidFill>
+                      <a:latin typeface="Arial" panose="020B0604020202020204" pitchFamily="34" charset="0"/>
+                      <a:ea typeface="Helvetica Neue"/>
+                    </a:rPr>
+                    <a:t>sulphates: </a:t>
+                  </a:r>
+                  <a:r>
+                    <a:rPr lang="en-US" altLang="en-US" sz="2400" dirty="0">
+                      <a:solidFill>
+                        <a:srgbClr val="333333"/>
+                      </a:solidFill>
+                      <a:latin typeface="Arial" panose="020B0604020202020204" pitchFamily="34" charset="0"/>
+                      <a:ea typeface="Helvetica Neue"/>
+                    </a:rPr>
+                    <a:t>a wine additive which can contribute to sulfur dioxide gas</a:t>
+                  </a:r>
+                  <a:r>
+                    <a:rPr lang="pt-BR" altLang="en-US" sz="2400" dirty="0">
+                      <a:solidFill>
+                        <a:srgbClr val="333333"/>
+                      </a:solidFill>
+                      <a:ea typeface="Helvetica Neue"/>
+                    </a:rPr>
+                    <a:t> </a:t>
+                  </a:r>
+                  <a14:m>
+                    <m:oMath xmlns:m="http://schemas.openxmlformats.org/officeDocument/2006/math">
+                      <m:sSub>
+                        <m:sSubPr>
+                          <m:ctrlPr>
+                            <a:rPr lang="pt-BR" altLang="en-US" sz="2400" i="1">
+                              <a:solidFill>
+                                <a:srgbClr val="333333"/>
+                              </a:solidFill>
+                              <a:latin typeface="Cambria Math" panose="02040503050406030204" pitchFamily="18" charset="0"/>
+                              <a:ea typeface="Helvetica Neue"/>
+                            </a:rPr>
+                          </m:ctrlPr>
+                        </m:sSubPr>
+                        <m:e>
+                          <m:r>
+                            <a:rPr lang="en-CA" altLang="en-US" sz="2400" i="1">
+                              <a:solidFill>
+                                <a:srgbClr val="333333"/>
+                              </a:solidFill>
+                              <a:latin typeface="Cambria Math"/>
+                              <a:ea typeface="Helvetica Neue"/>
+                            </a:rPr>
+                            <m:t>𝑆𝑂</m:t>
+                          </m:r>
+                        </m:e>
+                        <m:sub>
+                          <m:r>
+                            <a:rPr lang="en-CA" altLang="en-US" sz="2400" i="1">
+                              <a:solidFill>
+                                <a:srgbClr val="333333"/>
+                              </a:solidFill>
+                              <a:latin typeface="Cambria Math"/>
+                              <a:ea typeface="Helvetica Neue"/>
+                            </a:rPr>
+                            <m:t>2</m:t>
+                          </m:r>
+                        </m:sub>
+                      </m:sSub>
+                      <m:r>
+                        <a:rPr lang="en-CA" altLang="en-US" sz="2400" i="1">
+                          <a:solidFill>
+                            <a:srgbClr val="333333"/>
+                          </a:solidFill>
+                          <a:latin typeface="Cambria Math"/>
+                          <a:ea typeface="Helvetica Neue"/>
+                        </a:rPr>
+                        <m:t> </m:t>
+                      </m:r>
+                    </m:oMath>
+                  </a14:m>
+                  <a:r>
+                    <a:rPr lang="en-US" altLang="en-US" sz="2400" dirty="0">
+                      <a:solidFill>
+                        <a:srgbClr val="333333"/>
+                      </a:solidFill>
+                      <a:latin typeface="Arial" panose="020B0604020202020204" pitchFamily="34" charset="0"/>
+                      <a:ea typeface="Helvetica Neue"/>
+                    </a:rPr>
+                    <a:t>levels</a:t>
+                  </a:r>
+                </a:p>
+                <a:p>
+                  <a:pPr marL="285750" lvl="0" indent="-285750" eaLnBrk="0" fontAlgn="base" hangingPunct="0">
+                    <a:spcBef>
+                      <a:spcPts val="600"/>
+                    </a:spcBef>
+                    <a:spcAft>
+                      <a:spcPts val="600"/>
+                    </a:spcAft>
+                    <a:buClrTx/>
+                    <a:buFont typeface="Arial" panose="020B0604020202020204" pitchFamily="34" charset="0"/>
+                    <a:buChar char="•"/>
+                  </a:pPr>
+                  <a:r>
+                    <a:rPr lang="en-US" altLang="en-US" sz="2400" b="1" dirty="0">
+                      <a:solidFill>
+                        <a:srgbClr val="333333"/>
+                      </a:solidFill>
+                      <a:latin typeface="Arial" panose="020B0604020202020204" pitchFamily="34" charset="0"/>
+                      <a:ea typeface="Helvetica Neue"/>
+                    </a:rPr>
+                    <a:t>alcohol:</a:t>
+                  </a:r>
+                  <a:r>
+                    <a:rPr lang="en-US" altLang="en-US" sz="2400" dirty="0">
+                      <a:solidFill>
+                        <a:srgbClr val="333333"/>
+                      </a:solidFill>
+                      <a:latin typeface="Arial" panose="020B0604020202020204" pitchFamily="34" charset="0"/>
+                      <a:ea typeface="Helvetica Neue"/>
+                    </a:rPr>
+                    <a:t> the percent alcohol content of the wine</a:t>
+                  </a:r>
+                </a:p>
+                <a:p>
+                  <a:br>
+                    <a:rPr lang="en-US" sz="2000" dirty="0"/>
+                  </a:br>
+                  <a:br>
+                    <a:rPr lang="en-US" sz="1200" dirty="0"/>
+                  </a:br>
+                  <a:endParaRPr lang="en-US" sz="1200" dirty="0"/>
+                </a:p>
+              </p:txBody>
+            </p:sp>
+          </mc:Choice>
+          <mc:Fallback xmlns="">
+            <p:sp>
+              <p:nvSpPr>
+                <p:cNvPr id="125" name="Rectangle 124">
+                  <a:extLst>
+                    <a:ext uri="{FF2B5EF4-FFF2-40B4-BE49-F238E27FC236}">
+                      <a16:creationId xmlns:a16="http://schemas.microsoft.com/office/drawing/2014/main" xmlns="" id="{67AB1C33-5554-4E75-BDA8-C8A08165EEED}"/>
+                    </a:ext>
+                  </a:extLst>
+                </p:cNvPr>
+                <p:cNvSpPr>
+                  <a:spLocks noRot="1" noChangeAspect="1" noMove="1" noResize="1" noEditPoints="1" noAdjustHandles="1" noChangeArrowheads="1" noChangeShapeType="1" noTextEdit="1"/>
+                </p:cNvSpPr>
+                <p:nvPr/>
+              </p:nvSpPr>
+              <p:spPr>
+                <a:xfrm>
+                  <a:off x="11876209" y="15518963"/>
+                  <a:ext cx="9163484" cy="10048905"/>
+                </a:xfrm>
+                <a:prstGeom prst="rect">
+                  <a:avLst/>
+                </a:prstGeom>
+                <a:blipFill rotWithShape="1">
+                  <a:blip r:embed="rId10"/>
+                  <a:stretch>
+                    <a:fillRect l="-998" r="-865"/>
+                  </a:stretch>
+                </a:blipFill>
+              </p:spPr>
+              <p:txBody>
+                <a:bodyPr/>
+                <a:lstStyle/>
+                <a:p>
+                  <a:r>
+                    <a:rPr lang="en-CA">
+                      <a:noFill/>
+                    </a:rPr>
+                    <a:t> </a:t>
+                  </a:r>
+                </a:p>
+              </p:txBody>
+            </p:sp>
+          </mc:Fallback>
+        </mc:AlternateContent>
       </p:grpSp>
       <p:sp>
         <p:nvSpPr>
           <p:cNvPr id="137" name="TextBox 136">
             <a:extLst>
               <a:ext uri="{FF2B5EF4-FFF2-40B4-BE49-F238E27FC236}">
-                <a16:creationId xmlns="" xmlns:a16="http://schemas.microsoft.com/office/drawing/2014/main" id="{100A7F0C-FC7B-48F7-BAC5-0DFC5AF5F31F}"/>
+                <a16:creationId xmlns:a16="http://schemas.microsoft.com/office/drawing/2014/main" id="{100A7F0C-FC7B-48F7-BAC5-0DFC5AF5F31F}"/>
               </a:ext>
             </a:extLst>
           </p:cNvPr>
@@ -6708,7 +5896,7 @@
           <p:cNvPr id="143" name="Group 142">
             <a:extLst>
               <a:ext uri="{FF2B5EF4-FFF2-40B4-BE49-F238E27FC236}">
-                <a16:creationId xmlns="" xmlns:a16="http://schemas.microsoft.com/office/drawing/2014/main" id="{88BD3A21-D8C2-400B-861E-2ABEEE9F0CC0}"/>
+                <a16:creationId xmlns:a16="http://schemas.microsoft.com/office/drawing/2014/main" id="{88BD3A21-D8C2-400B-861E-2ABEEE9F0CC0}"/>
               </a:ext>
             </a:extLst>
           </p:cNvPr>
@@ -6728,7 +5916,7 @@
             <p:cNvPr id="144" name="TextBox 143">
               <a:extLst>
                 <a:ext uri="{FF2B5EF4-FFF2-40B4-BE49-F238E27FC236}">
-                  <a16:creationId xmlns="" xmlns:a16="http://schemas.microsoft.com/office/drawing/2014/main" id="{5283114B-F278-4E74-A5BB-3015011B604D}"/>
+                  <a16:creationId xmlns:a16="http://schemas.microsoft.com/office/drawing/2014/main" id="{5283114B-F278-4E74-A5BB-3015011B604D}"/>
                 </a:ext>
               </a:extLst>
             </p:cNvPr>
@@ -6789,7 +5977,7 @@
             <p:cNvPr id="145" name="Group 144">
               <a:extLst>
                 <a:ext uri="{FF2B5EF4-FFF2-40B4-BE49-F238E27FC236}">
-                  <a16:creationId xmlns="" xmlns:a16="http://schemas.microsoft.com/office/drawing/2014/main" id="{E9A19DF8-075E-4EC1-8931-24BEB0171345}"/>
+                  <a16:creationId xmlns:a16="http://schemas.microsoft.com/office/drawing/2014/main" id="{E9A19DF8-075E-4EC1-8931-24BEB0171345}"/>
                 </a:ext>
               </a:extLst>
             </p:cNvPr>
@@ -6809,7 +5997,7 @@
               <p:cNvPr id="146" name="Oval 145">
                 <a:extLst>
                   <a:ext uri="{FF2B5EF4-FFF2-40B4-BE49-F238E27FC236}">
-                    <a16:creationId xmlns="" xmlns:a16="http://schemas.microsoft.com/office/drawing/2014/main" id="{788E357D-4BD9-4E7F-8787-DFCF53A85305}"/>
+                    <a16:creationId xmlns:a16="http://schemas.microsoft.com/office/drawing/2014/main" id="{788E357D-4BD9-4E7F-8787-DFCF53A85305}"/>
                   </a:ext>
                 </a:extLst>
               </p:cNvPr>
@@ -6879,7 +6067,7 @@
               <p:cNvPr id="147" name="Straight Connector 146">
                 <a:extLst>
                   <a:ext uri="{FF2B5EF4-FFF2-40B4-BE49-F238E27FC236}">
-                    <a16:creationId xmlns="" xmlns:a16="http://schemas.microsoft.com/office/drawing/2014/main" id="{9F493826-B3A2-42C7-80A6-60B42421C557}"/>
+                    <a16:creationId xmlns:a16="http://schemas.microsoft.com/office/drawing/2014/main" id="{9F493826-B3A2-42C7-80A6-60B42421C557}"/>
                   </a:ext>
                 </a:extLst>
               </p:cNvPr>
@@ -6924,7 +6112,7 @@
           <p:cNvPr id="148" name="Picture 8">
             <a:extLst>
               <a:ext uri="{FF2B5EF4-FFF2-40B4-BE49-F238E27FC236}">
-                <a16:creationId xmlns="" xmlns:a16="http://schemas.microsoft.com/office/drawing/2014/main" id="{08C06172-2D89-468B-8BB3-7B300C07D4BC}"/>
+                <a16:creationId xmlns:a16="http://schemas.microsoft.com/office/drawing/2014/main" id="{08C06172-2D89-468B-8BB3-7B300C07D4BC}"/>
               </a:ext>
             </a:extLst>
           </p:cNvPr>
@@ -6971,7 +6159,7 @@
           <p:cNvPr id="152" name="TextBox 151">
             <a:extLst>
               <a:ext uri="{FF2B5EF4-FFF2-40B4-BE49-F238E27FC236}">
-                <a16:creationId xmlns="" xmlns:a16="http://schemas.microsoft.com/office/drawing/2014/main" id="{7E4E79A1-3E96-46E3-925B-3A8B1130796C}"/>
+                <a16:creationId xmlns:a16="http://schemas.microsoft.com/office/drawing/2014/main" id="{7E4E79A1-3E96-46E3-925B-3A8B1130796C}"/>
               </a:ext>
             </a:extLst>
           </p:cNvPr>
@@ -7041,7 +6229,7 @@
           <p:cNvPr id="153" name="Picture 15">
             <a:extLst>
               <a:ext uri="{FF2B5EF4-FFF2-40B4-BE49-F238E27FC236}">
-                <a16:creationId xmlns="" xmlns:a16="http://schemas.microsoft.com/office/drawing/2014/main" id="{1465B8E9-FE6F-4B5B-A4D9-04561D9D20E6}"/>
+                <a16:creationId xmlns:a16="http://schemas.microsoft.com/office/drawing/2014/main" id="{1465B8E9-FE6F-4B5B-A4D9-04561D9D20E6}"/>
               </a:ext>
             </a:extLst>
           </p:cNvPr>
@@ -7088,7 +6276,7 @@
           <p:cNvPr id="154" name="TextBox 153">
             <a:extLst>
               <a:ext uri="{FF2B5EF4-FFF2-40B4-BE49-F238E27FC236}">
-                <a16:creationId xmlns="" xmlns:a16="http://schemas.microsoft.com/office/drawing/2014/main" id="{BA2333D1-40DD-42B4-97F5-A83488B63C80}"/>
+                <a16:creationId xmlns:a16="http://schemas.microsoft.com/office/drawing/2014/main" id="{BA2333D1-40DD-42B4-97F5-A83488B63C80}"/>
               </a:ext>
             </a:extLst>
           </p:cNvPr>
@@ -7124,11 +6312,11 @@
               <a:t> </a:t>
             </a:r>
             <a:r>
-              <a:rPr lang="en-US" altLang="zh-CN" sz="2400" dirty="0" smtClean="0"/>
+              <a:rPr lang="en-US" altLang="zh-CN" sz="2400" dirty="0"/>
               <a:t>area =</a:t>
             </a:r>
             <a:r>
-              <a:rPr lang="zh-CN" altLang="en-US" sz="2400" dirty="0" smtClean="0"/>
+              <a:rPr lang="zh-CN" altLang="en-US" sz="2400" dirty="0"/>
               <a:t> </a:t>
             </a:r>
             <a:r>
@@ -7161,7 +6349,7 @@
           <p:cNvPr id="155" name="Group 154">
             <a:extLst>
               <a:ext uri="{FF2B5EF4-FFF2-40B4-BE49-F238E27FC236}">
-                <a16:creationId xmlns="" xmlns:a16="http://schemas.microsoft.com/office/drawing/2014/main" id="{942ABC51-16D1-4380-B489-DF7B23E4ACA9}"/>
+                <a16:creationId xmlns:a16="http://schemas.microsoft.com/office/drawing/2014/main" id="{942ABC51-16D1-4380-B489-DF7B23E4ACA9}"/>
               </a:ext>
             </a:extLst>
           </p:cNvPr>
@@ -7181,7 +6369,7 @@
             <p:cNvPr id="156" name="TextBox 155">
               <a:extLst>
                 <a:ext uri="{FF2B5EF4-FFF2-40B4-BE49-F238E27FC236}">
-                  <a16:creationId xmlns="" xmlns:a16="http://schemas.microsoft.com/office/drawing/2014/main" id="{E96785C4-0A26-4335-A2AA-8B5CE8A86DD4}"/>
+                  <a16:creationId xmlns:a16="http://schemas.microsoft.com/office/drawing/2014/main" id="{E96785C4-0A26-4335-A2AA-8B5CE8A86DD4}"/>
                 </a:ext>
               </a:extLst>
             </p:cNvPr>
@@ -7242,7 +6430,7 @@
             <p:cNvPr id="157" name="Group 156">
               <a:extLst>
                 <a:ext uri="{FF2B5EF4-FFF2-40B4-BE49-F238E27FC236}">
-                  <a16:creationId xmlns="" xmlns:a16="http://schemas.microsoft.com/office/drawing/2014/main" id="{DFEE7EBE-7508-4BF6-8108-11388CC6F4E2}"/>
+                  <a16:creationId xmlns:a16="http://schemas.microsoft.com/office/drawing/2014/main" id="{DFEE7EBE-7508-4BF6-8108-11388CC6F4E2}"/>
                 </a:ext>
               </a:extLst>
             </p:cNvPr>
@@ -7262,7 +6450,7 @@
               <p:cNvPr id="158" name="Oval 157">
                 <a:extLst>
                   <a:ext uri="{FF2B5EF4-FFF2-40B4-BE49-F238E27FC236}">
-                    <a16:creationId xmlns="" xmlns:a16="http://schemas.microsoft.com/office/drawing/2014/main" id="{26A900CB-82C1-48D9-A703-761B85168917}"/>
+                    <a16:creationId xmlns:a16="http://schemas.microsoft.com/office/drawing/2014/main" id="{26A900CB-82C1-48D9-A703-761B85168917}"/>
                   </a:ext>
                 </a:extLst>
               </p:cNvPr>
@@ -7332,7 +6520,7 @@
               <p:cNvPr id="159" name="Straight Connector 158">
                 <a:extLst>
                   <a:ext uri="{FF2B5EF4-FFF2-40B4-BE49-F238E27FC236}">
-                    <a16:creationId xmlns="" xmlns:a16="http://schemas.microsoft.com/office/drawing/2014/main" id="{270CFD90-D278-433D-9D12-E844A4E11348}"/>
+                    <a16:creationId xmlns:a16="http://schemas.microsoft.com/office/drawing/2014/main" id="{270CFD90-D278-433D-9D12-E844A4E11348}"/>
                   </a:ext>
                 </a:extLst>
               </p:cNvPr>
@@ -7377,7 +6565,7 @@
           <p:cNvPr id="160" name="Picture 2">
             <a:extLst>
               <a:ext uri="{FF2B5EF4-FFF2-40B4-BE49-F238E27FC236}">
-                <a16:creationId xmlns="" xmlns:a16="http://schemas.microsoft.com/office/drawing/2014/main" id="{15BE442F-82D0-423F-BB07-325832CDD465}"/>
+                <a16:creationId xmlns:a16="http://schemas.microsoft.com/office/drawing/2014/main" id="{15BE442F-82D0-423F-BB07-325832CDD465}"/>
               </a:ext>
             </a:extLst>
           </p:cNvPr>
@@ -7424,7 +6612,7 @@
           <p:cNvPr id="161" name="TextBox 160">
             <a:extLst>
               <a:ext uri="{FF2B5EF4-FFF2-40B4-BE49-F238E27FC236}">
-                <a16:creationId xmlns="" xmlns:a16="http://schemas.microsoft.com/office/drawing/2014/main" id="{548F9683-F061-4429-A172-99C1E42B6961}"/>
+                <a16:creationId xmlns:a16="http://schemas.microsoft.com/office/drawing/2014/main" id="{548F9683-F061-4429-A172-99C1E42B6961}"/>
               </a:ext>
             </a:extLst>
           </p:cNvPr>
@@ -7463,7 +6651,7 @@
           <p:cNvPr id="6" name="Group 5">
             <a:extLst>
               <a:ext uri="{FF2B5EF4-FFF2-40B4-BE49-F238E27FC236}">
-                <a16:creationId xmlns="" xmlns:a16="http://schemas.microsoft.com/office/drawing/2014/main" id="{5F1C57B4-300E-4FE4-ABE5-57FCC375F809}"/>
+                <a16:creationId xmlns:a16="http://schemas.microsoft.com/office/drawing/2014/main" id="{5F1C57B4-300E-4FE4-ABE5-57FCC375F809}"/>
               </a:ext>
             </a:extLst>
           </p:cNvPr>
@@ -7483,7 +6671,7 @@
             <p:cNvPr id="149" name="Group 148">
               <a:extLst>
                 <a:ext uri="{FF2B5EF4-FFF2-40B4-BE49-F238E27FC236}">
-                  <a16:creationId xmlns="" xmlns:a16="http://schemas.microsoft.com/office/drawing/2014/main" id="{5820C747-9544-4ED7-A28E-B0DC69BE2BF4}"/>
+                  <a16:creationId xmlns:a16="http://schemas.microsoft.com/office/drawing/2014/main" id="{5820C747-9544-4ED7-A28E-B0DC69BE2BF4}"/>
                 </a:ext>
               </a:extLst>
             </p:cNvPr>
@@ -7503,7 +6691,7 @@
               <p:cNvPr id="150" name="Picture 149">
                 <a:extLst>
                   <a:ext uri="{FF2B5EF4-FFF2-40B4-BE49-F238E27FC236}">
-                    <a16:creationId xmlns="" xmlns:a16="http://schemas.microsoft.com/office/drawing/2014/main" id="{F77605FC-B8F1-42BA-BBEB-331C4CB3D7D6}"/>
+                    <a16:creationId xmlns:a16="http://schemas.microsoft.com/office/drawing/2014/main" id="{F77605FC-B8F1-42BA-BBEB-331C4CB3D7D6}"/>
                   </a:ext>
                 </a:extLst>
               </p:cNvPr>
@@ -7532,7 +6720,7 @@
               <p:cNvPr id="151" name="Picture 150">
                 <a:extLst>
                   <a:ext uri="{FF2B5EF4-FFF2-40B4-BE49-F238E27FC236}">
-                    <a16:creationId xmlns="" xmlns:a16="http://schemas.microsoft.com/office/drawing/2014/main" id="{DAC6DC7C-FEBE-48E3-B8BF-5C5AEAE0C340}"/>
+                    <a16:creationId xmlns:a16="http://schemas.microsoft.com/office/drawing/2014/main" id="{DAC6DC7C-FEBE-48E3-B8BF-5C5AEAE0C340}"/>
                   </a:ext>
                 </a:extLst>
               </p:cNvPr>
@@ -7562,7 +6750,7 @@
             <p:cNvPr id="5" name="Picture 4">
               <a:extLst>
                 <a:ext uri="{FF2B5EF4-FFF2-40B4-BE49-F238E27FC236}">
-                  <a16:creationId xmlns="" xmlns:a16="http://schemas.microsoft.com/office/drawing/2014/main" id="{8740DDAB-322F-43A0-B770-9D86FFB2EE28}"/>
+                  <a16:creationId xmlns:a16="http://schemas.microsoft.com/office/drawing/2014/main" id="{8740DDAB-322F-43A0-B770-9D86FFB2EE28}"/>
                 </a:ext>
               </a:extLst>
             </p:cNvPr>
@@ -7592,7 +6780,7 @@
           <p:cNvPr id="82" name="Picture 81">
             <a:extLst>
               <a:ext uri="{FF2B5EF4-FFF2-40B4-BE49-F238E27FC236}">
-                <a16:creationId xmlns="" xmlns:a16="http://schemas.microsoft.com/office/drawing/2014/main" id="{E687A6FC-EEC3-4323-B91A-B8503BE51BC3}"/>
+                <a16:creationId xmlns:a16="http://schemas.microsoft.com/office/drawing/2014/main" id="{E687A6FC-EEC3-4323-B91A-B8503BE51BC3}"/>
               </a:ext>
             </a:extLst>
           </p:cNvPr>
@@ -7621,7 +6809,7 @@
           <p:cNvPr id="83" name="Group 82">
             <a:extLst>
               <a:ext uri="{FF2B5EF4-FFF2-40B4-BE49-F238E27FC236}">
-                <a16:creationId xmlns="" xmlns:a16="http://schemas.microsoft.com/office/drawing/2014/main" id="{C5EE6A7B-5345-4A98-96BE-2E956697F282}"/>
+                <a16:creationId xmlns:a16="http://schemas.microsoft.com/office/drawing/2014/main" id="{C5EE6A7B-5345-4A98-96BE-2E956697F282}"/>
               </a:ext>
             </a:extLst>
           </p:cNvPr>
@@ -7641,7 +6829,7 @@
             <p:cNvPr id="86" name="TextBox 85">
               <a:extLst>
                 <a:ext uri="{FF2B5EF4-FFF2-40B4-BE49-F238E27FC236}">
-                  <a16:creationId xmlns="" xmlns:a16="http://schemas.microsoft.com/office/drawing/2014/main" id="{218E909D-1B4C-423C-8DA4-66644F7014FC}"/>
+                  <a16:creationId xmlns:a16="http://schemas.microsoft.com/office/drawing/2014/main" id="{218E909D-1B4C-423C-8DA4-66644F7014FC}"/>
                 </a:ext>
               </a:extLst>
             </p:cNvPr>
@@ -7702,7 +6890,7 @@
             <p:cNvPr id="87" name="Group 86">
               <a:extLst>
                 <a:ext uri="{FF2B5EF4-FFF2-40B4-BE49-F238E27FC236}">
-                  <a16:creationId xmlns="" xmlns:a16="http://schemas.microsoft.com/office/drawing/2014/main" id="{E66308BC-912B-45D4-A52C-88385518164D}"/>
+                  <a16:creationId xmlns:a16="http://schemas.microsoft.com/office/drawing/2014/main" id="{E66308BC-912B-45D4-A52C-88385518164D}"/>
                 </a:ext>
               </a:extLst>
             </p:cNvPr>
@@ -7722,7 +6910,7 @@
               <p:cNvPr id="88" name="Oval 87">
                 <a:extLst>
                   <a:ext uri="{FF2B5EF4-FFF2-40B4-BE49-F238E27FC236}">
-                    <a16:creationId xmlns="" xmlns:a16="http://schemas.microsoft.com/office/drawing/2014/main" id="{8FE072FC-5A1F-475B-B9B6-184804DEAA3F}"/>
+                    <a16:creationId xmlns:a16="http://schemas.microsoft.com/office/drawing/2014/main" id="{8FE072FC-5A1F-475B-B9B6-184804DEAA3F}"/>
                   </a:ext>
                 </a:extLst>
               </p:cNvPr>
@@ -7792,7 +6980,7 @@
               <p:cNvPr id="89" name="Straight Connector 88">
                 <a:extLst>
                   <a:ext uri="{FF2B5EF4-FFF2-40B4-BE49-F238E27FC236}">
-                    <a16:creationId xmlns="" xmlns:a16="http://schemas.microsoft.com/office/drawing/2014/main" id="{56E4A37F-726C-4B22-AF1D-3FE523787248}"/>
+                    <a16:creationId xmlns:a16="http://schemas.microsoft.com/office/drawing/2014/main" id="{56E4A37F-726C-4B22-AF1D-3FE523787248}"/>
                   </a:ext>
                 </a:extLst>
               </p:cNvPr>
@@ -7837,7 +7025,7 @@
           <p:cNvPr id="90" name="Group 89">
             <a:extLst>
               <a:ext uri="{FF2B5EF4-FFF2-40B4-BE49-F238E27FC236}">
-                <a16:creationId xmlns="" xmlns:a16="http://schemas.microsoft.com/office/drawing/2014/main" id="{D0D55BE2-4162-44DD-A566-EBAE813122C6}"/>
+                <a16:creationId xmlns:a16="http://schemas.microsoft.com/office/drawing/2014/main" id="{D0D55BE2-4162-44DD-A566-EBAE813122C6}"/>
               </a:ext>
             </a:extLst>
           </p:cNvPr>
@@ -7857,7 +7045,7 @@
             <p:cNvPr id="91" name="TextBox 90">
               <a:extLst>
                 <a:ext uri="{FF2B5EF4-FFF2-40B4-BE49-F238E27FC236}">
-                  <a16:creationId xmlns="" xmlns:a16="http://schemas.microsoft.com/office/drawing/2014/main" id="{7DF83C42-6E86-4142-8B72-C0F940827A18}"/>
+                  <a16:creationId xmlns:a16="http://schemas.microsoft.com/office/drawing/2014/main" id="{7DF83C42-6E86-4142-8B72-C0F940827A18}"/>
                 </a:ext>
               </a:extLst>
             </p:cNvPr>
@@ -7918,7 +7106,7 @@
             <p:cNvPr id="92" name="Group 91">
               <a:extLst>
                 <a:ext uri="{FF2B5EF4-FFF2-40B4-BE49-F238E27FC236}">
-                  <a16:creationId xmlns="" xmlns:a16="http://schemas.microsoft.com/office/drawing/2014/main" id="{14CB70C7-066F-4A5C-9FC8-B03ED63CD5C6}"/>
+                  <a16:creationId xmlns:a16="http://schemas.microsoft.com/office/drawing/2014/main" id="{14CB70C7-066F-4A5C-9FC8-B03ED63CD5C6}"/>
                 </a:ext>
               </a:extLst>
             </p:cNvPr>
@@ -7938,7 +7126,7 @@
               <p:cNvPr id="93" name="Oval 92">
                 <a:extLst>
                   <a:ext uri="{FF2B5EF4-FFF2-40B4-BE49-F238E27FC236}">
-                    <a16:creationId xmlns="" xmlns:a16="http://schemas.microsoft.com/office/drawing/2014/main" id="{23ADA84F-A9C2-4546-A08C-11399CB01A9D}"/>
+                    <a16:creationId xmlns:a16="http://schemas.microsoft.com/office/drawing/2014/main" id="{23ADA84F-A9C2-4546-A08C-11399CB01A9D}"/>
                   </a:ext>
                 </a:extLst>
               </p:cNvPr>
@@ -8008,7 +7196,7 @@
               <p:cNvPr id="94" name="Straight Connector 93">
                 <a:extLst>
                   <a:ext uri="{FF2B5EF4-FFF2-40B4-BE49-F238E27FC236}">
-                    <a16:creationId xmlns="" xmlns:a16="http://schemas.microsoft.com/office/drawing/2014/main" id="{F3123B78-DF4E-456F-9404-0780DCDFA7BA}"/>
+                    <a16:creationId xmlns:a16="http://schemas.microsoft.com/office/drawing/2014/main" id="{F3123B78-DF4E-456F-9404-0780DCDFA7BA}"/>
                   </a:ext>
                 </a:extLst>
               </p:cNvPr>
@@ -8053,7 +7241,7 @@
           <p:cNvPr id="98" name="TextBox 97">
             <a:extLst>
               <a:ext uri="{FF2B5EF4-FFF2-40B4-BE49-F238E27FC236}">
-                <a16:creationId xmlns="" xmlns:a16="http://schemas.microsoft.com/office/drawing/2014/main" id="{3BE03F03-6DB6-4453-83CA-EC7DDD95A7B5}"/>
+                <a16:creationId xmlns:a16="http://schemas.microsoft.com/office/drawing/2014/main" id="{3BE03F03-6DB6-4453-83CA-EC7DDD95A7B5}"/>
               </a:ext>
             </a:extLst>
           </p:cNvPr>
@@ -8136,15 +7324,7 @@
             </a:pPr>
             <a:r>
               <a:rPr lang="en-US" sz="2400" dirty="0"/>
-              <a:t>During </a:t>
-            </a:r>
-            <a:r>
-              <a:rPr lang="en-US" sz="2400" dirty="0" smtClean="0"/>
-              <a:t>the modeling </a:t>
-            </a:r>
-            <a:r>
-              <a:rPr lang="en-US" sz="2400" dirty="0"/>
-              <a:t>process, we tried to log transform sulfate level as we discovered nonrandom patterns in binned residual plot for </a:t>
+              <a:t>During the modeling process, we tried to log transform sulfate level as we discovered nonrandom patterns in binned residual plot for </a:t>
             </a:r>
             <a:r>
               <a:rPr lang="en-US" sz="2400" dirty="0" err="1"/>
@@ -8221,7 +7401,7 @@
           <p:cNvPr id="103" name="TextBox 102">
             <a:extLst>
               <a:ext uri="{FF2B5EF4-FFF2-40B4-BE49-F238E27FC236}">
-                <a16:creationId xmlns="" xmlns:a16="http://schemas.microsoft.com/office/drawing/2014/main" id="{E240A82C-77F1-4B46-8F89-AD1CA1C969AF}"/>
+                <a16:creationId xmlns:a16="http://schemas.microsoft.com/office/drawing/2014/main" id="{E240A82C-77F1-4B46-8F89-AD1CA1C969AF}"/>
               </a:ext>
             </a:extLst>
           </p:cNvPr>
@@ -8342,432 +7522,12 @@
           </a:p>
         </p:txBody>
       </p:sp>
-      <p:sp>
-        <p:nvSpPr>
-          <p:cNvPr id="109" name="TextBox 108">
-            <a:extLst>
-              <a:ext uri="{FF2B5EF4-FFF2-40B4-BE49-F238E27FC236}">
-                <a16:creationId xmlns="" xmlns:a16="http://schemas.microsoft.com/office/drawing/2014/main" id="{46843D87-1381-46E0-BC6E-520791B078C8}"/>
-              </a:ext>
-            </a:extLst>
-          </p:cNvPr>
-          <p:cNvSpPr txBox="1"/>
-          <p:nvPr/>
-        </p:nvSpPr>
-        <p:spPr>
-          <a:xfrm>
-            <a:off x="12807646" y="25293483"/>
-            <a:ext cx="9323238" cy="1107996"/>
-          </a:xfrm>
-          <a:prstGeom prst="rect">
-            <a:avLst/>
-          </a:prstGeom>
-          <a:noFill/>
-        </p:spPr>
-        <p:txBody>
-          <a:bodyPr wrap="square" rtlCol="0">
-            <a:spAutoFit/>
-          </a:bodyPr>
-          <a:lstStyle/>
-          <a:p>
-            <a:pPr algn="ctr"/>
-            <a:r>
-              <a:rPr lang="en-US" altLang="zh-CN" sz="6600" b="1" dirty="0" smtClean="0">
-                <a:solidFill>
-                  <a:schemeClr val="tx1">
-                    <a:lumMod val="65000"/>
-                    <a:lumOff val="35000"/>
-                  </a:schemeClr>
-                </a:solidFill>
-              </a:rPr>
-              <a:t>C</a:t>
-            </a:r>
-            <a:r>
-              <a:rPr lang="en-US" sz="4000" b="1" dirty="0" smtClean="0">
-                <a:solidFill>
-                  <a:schemeClr val="tx1">
-                    <a:lumMod val="65000"/>
-                    <a:lumOff val="35000"/>
-                  </a:schemeClr>
-                </a:solidFill>
-              </a:rPr>
-              <a:t>onclusions</a:t>
-            </a:r>
-            <a:endParaRPr lang="en-US" sz="1800" b="1" dirty="0">
-              <a:solidFill>
-                <a:schemeClr val="tx1">
-                  <a:lumMod val="65000"/>
-                  <a:lumOff val="35000"/>
-                </a:schemeClr>
-              </a:solidFill>
-            </a:endParaRPr>
-          </a:p>
-        </p:txBody>
-      </p:sp>
-      <p:sp>
-        <p:nvSpPr>
-          <p:cNvPr id="110" name="TextBox 109">
-            <a:extLst>
-              <a:ext uri="{FF2B5EF4-FFF2-40B4-BE49-F238E27FC236}">
-                <a16:creationId xmlns="" xmlns:a16="http://schemas.microsoft.com/office/drawing/2014/main" id="{1D8AF1EA-E9C7-4727-8BA7-32D0C91224F6}"/>
-              </a:ext>
-            </a:extLst>
-          </p:cNvPr>
-          <p:cNvSpPr txBox="1"/>
-          <p:nvPr/>
-        </p:nvSpPr>
-        <p:spPr>
-          <a:xfrm>
-            <a:off x="23335885" y="25327822"/>
-            <a:ext cx="9323238" cy="1107996"/>
-          </a:xfrm>
-          <a:prstGeom prst="rect">
-            <a:avLst/>
-          </a:prstGeom>
-          <a:noFill/>
-        </p:spPr>
-        <p:txBody>
-          <a:bodyPr wrap="square" rtlCol="0">
-            <a:spAutoFit/>
-          </a:bodyPr>
-          <a:lstStyle/>
-          <a:p>
-            <a:pPr algn="ctr"/>
-            <a:r>
-              <a:rPr lang="en-US" altLang="zh-CN" sz="6600" b="1" dirty="0" smtClean="0">
-                <a:solidFill>
-                  <a:schemeClr val="tx1">
-                    <a:lumMod val="65000"/>
-                    <a:lumOff val="35000"/>
-                  </a:schemeClr>
-                </a:solidFill>
-              </a:rPr>
-              <a:t>L</a:t>
-            </a:r>
-            <a:r>
-              <a:rPr lang="en-US" sz="4000" b="1" dirty="0" smtClean="0">
-                <a:solidFill>
-                  <a:schemeClr val="tx1">
-                    <a:lumMod val="65000"/>
-                    <a:lumOff val="35000"/>
-                  </a:schemeClr>
-                </a:solidFill>
-              </a:rPr>
-              <a:t>imitations</a:t>
-            </a:r>
-            <a:endParaRPr lang="en-US" sz="1800" b="1" dirty="0">
-              <a:solidFill>
-                <a:schemeClr val="tx1">
-                  <a:lumMod val="65000"/>
-                  <a:lumOff val="35000"/>
-                </a:schemeClr>
-              </a:solidFill>
-            </a:endParaRPr>
-          </a:p>
-        </p:txBody>
-      </p:sp>
-      <p:sp>
-        <p:nvSpPr>
-          <p:cNvPr id="112" name="TextBox 111">
-            <a:extLst>
-              <a:ext uri="{FF2B5EF4-FFF2-40B4-BE49-F238E27FC236}">
-                <a16:creationId xmlns="" xmlns:a16="http://schemas.microsoft.com/office/drawing/2014/main" id="{641D0D06-974A-44C5-981B-5AE94423E569}"/>
-              </a:ext>
-            </a:extLst>
-          </p:cNvPr>
-          <p:cNvSpPr txBox="1"/>
-          <p:nvPr/>
-        </p:nvSpPr>
-        <p:spPr>
-          <a:xfrm>
-            <a:off x="23711860" y="26627256"/>
-            <a:ext cx="8124500" cy="4832092"/>
-          </a:xfrm>
-          <a:prstGeom prst="rect">
-            <a:avLst/>
-          </a:prstGeom>
-          <a:noFill/>
-        </p:spPr>
-        <p:txBody>
-          <a:bodyPr wrap="square" rtlCol="0">
-            <a:spAutoFit/>
-          </a:bodyPr>
-          <a:lstStyle/>
-          <a:p>
-            <a:pPr marL="342900" indent="-342900">
-              <a:spcBef>
-                <a:spcPts val="600"/>
-              </a:spcBef>
-              <a:spcAft>
-                <a:spcPts val="600"/>
-              </a:spcAft>
-              <a:buFont typeface="Arial" panose="020B0604020202020204" pitchFamily="34" charset="0"/>
-              <a:buChar char="•"/>
-            </a:pPr>
-            <a:r>
-              <a:rPr lang="en-US" altLang="zh-CN" sz="2400" dirty="0"/>
-              <a:t>The sample data has wine with quality mostly ranging </a:t>
-            </a:r>
-            <a:r>
-              <a:rPr lang="en-US" altLang="zh-CN" sz="2400" dirty="0" smtClean="0"/>
-              <a:t>from </a:t>
-            </a:r>
-            <a:r>
-              <a:rPr lang="en-US" altLang="zh-CN" sz="2400" dirty="0"/>
-              <a:t>4 to 7. For future uses, it is very important not to extrapolate beyond this quality range, or the model will not give </a:t>
-            </a:r>
-            <a:r>
-              <a:rPr lang="en-US" altLang="zh-CN" sz="2400" dirty="0" smtClean="0"/>
-              <a:t>reliable explanations</a:t>
-            </a:r>
-            <a:endParaRPr lang="en-US" altLang="zh-CN" sz="2400" dirty="0"/>
-          </a:p>
-          <a:p>
-            <a:pPr marL="342900" indent="-342900">
-              <a:spcBef>
-                <a:spcPts val="600"/>
-              </a:spcBef>
-              <a:spcAft>
-                <a:spcPts val="600"/>
-              </a:spcAft>
-              <a:buFont typeface="Arial" panose="020B0604020202020204" pitchFamily="34" charset="0"/>
-              <a:buChar char="•"/>
-            </a:pPr>
-            <a:r>
-              <a:rPr lang="en-US" altLang="zh-CN" sz="2400" dirty="0"/>
-              <a:t>In both models, there are some slightly non-random patterns for the binned residual plots for a few variables, which </a:t>
-            </a:r>
-            <a:r>
-              <a:rPr lang="en-US" altLang="zh-CN" sz="2400" dirty="0" smtClean="0"/>
-              <a:t>requires care </a:t>
-            </a:r>
-            <a:r>
-              <a:rPr lang="en-US" altLang="zh-CN" sz="2400" dirty="0"/>
-              <a:t>and possible future analysis – we did not conduct further improvements as they are beyond our knowledge learned in class</a:t>
-            </a:r>
-          </a:p>
-          <a:p>
-            <a:pPr marL="342900" indent="-342900">
-              <a:spcBef>
-                <a:spcPts val="600"/>
-              </a:spcBef>
-              <a:spcAft>
-                <a:spcPts val="600"/>
-              </a:spcAft>
-              <a:buFont typeface="Arial" panose="020B0604020202020204" pitchFamily="34" charset="0"/>
-              <a:buChar char="•"/>
-            </a:pPr>
-            <a:r>
-              <a:rPr lang="en-US" altLang="zh-CN" sz="2400" dirty="0"/>
-              <a:t>Model should also be tested on larger and more comprehensive datasets and more chemical factors can be included for future modeling</a:t>
-            </a:r>
-            <a:endParaRPr lang="en-US" sz="2400" dirty="0"/>
-          </a:p>
-        </p:txBody>
-      </p:sp>
-      <p:sp>
-        <p:nvSpPr>
-          <p:cNvPr id="113" name="TextBox 112">
-            <a:extLst>
-              <a:ext uri="{FF2B5EF4-FFF2-40B4-BE49-F238E27FC236}">
-                <a16:creationId xmlns="" xmlns:a16="http://schemas.microsoft.com/office/drawing/2014/main" id="{AD24D827-21FC-4575-8E72-08306A41A763}"/>
-              </a:ext>
-            </a:extLst>
-          </p:cNvPr>
-          <p:cNvSpPr txBox="1"/>
-          <p:nvPr/>
-        </p:nvSpPr>
-        <p:spPr>
-          <a:xfrm>
-            <a:off x="11862529" y="26572213"/>
-            <a:ext cx="11180120" cy="4247317"/>
-          </a:xfrm>
-          <a:prstGeom prst="rect">
-            <a:avLst/>
-          </a:prstGeom>
-          <a:noFill/>
-        </p:spPr>
-        <p:txBody>
-          <a:bodyPr wrap="square" rtlCol="0">
-            <a:spAutoFit/>
-          </a:bodyPr>
-          <a:lstStyle/>
-          <a:p>
-            <a:pPr marL="342900" indent="-342900">
-              <a:spcBef>
-                <a:spcPts val="600"/>
-              </a:spcBef>
-              <a:spcAft>
-                <a:spcPts val="600"/>
-              </a:spcAft>
-              <a:buFont typeface="Arial" panose="020B0604020202020204" pitchFamily="34" charset="0"/>
-              <a:buChar char="•"/>
-            </a:pPr>
-            <a:r>
-              <a:rPr lang="en-US" sz="2400" dirty="0"/>
-              <a:t>Our project goal is explanation: to identify the chemical factors that make significant contribution to the quality of wine</a:t>
-            </a:r>
-          </a:p>
-          <a:p>
-            <a:pPr marL="342900" indent="-342900">
-              <a:spcBef>
-                <a:spcPts val="600"/>
-              </a:spcBef>
-              <a:spcAft>
-                <a:spcPts val="600"/>
-              </a:spcAft>
-              <a:buFont typeface="Arial" panose="020B0604020202020204" pitchFamily="34" charset="0"/>
-              <a:buChar char="•"/>
-            </a:pPr>
-            <a:r>
-              <a:rPr lang="en-US" sz="2400" dirty="0"/>
-              <a:t>As quality is </a:t>
-            </a:r>
-            <a:r>
-              <a:rPr lang="en-US" sz="2400" dirty="0" smtClean="0"/>
-              <a:t>an ordinal variable</a:t>
-            </a:r>
-            <a:r>
-              <a:rPr lang="en-US" sz="2400" dirty="0"/>
-              <a:t>, we used </a:t>
-            </a:r>
-            <a:r>
-              <a:rPr lang="en-US" sz="2400" dirty="0" smtClean="0"/>
-              <a:t>logistic regression </a:t>
-            </a:r>
-            <a:r>
-              <a:rPr lang="en-US" sz="2400" dirty="0"/>
-              <a:t>model and ordinal logistic </a:t>
-            </a:r>
-            <a:r>
-              <a:rPr lang="en-US" sz="2400" dirty="0" err="1" smtClean="0"/>
-              <a:t>regresison</a:t>
-            </a:r>
-            <a:r>
-              <a:rPr lang="en-US" sz="2400" dirty="0" smtClean="0"/>
-              <a:t> model </a:t>
-            </a:r>
-            <a:r>
-              <a:rPr lang="en-US" sz="2400" dirty="0"/>
-              <a:t>for our research, serving customers and wine professionals, respectively</a:t>
-            </a:r>
-          </a:p>
-          <a:p>
-            <a:pPr marL="342900" indent="-342900">
-              <a:spcBef>
-                <a:spcPts val="600"/>
-              </a:spcBef>
-              <a:spcAft>
-                <a:spcPts val="600"/>
-              </a:spcAft>
-              <a:buFont typeface="Arial" panose="020B0604020202020204" pitchFamily="34" charset="0"/>
-              <a:buChar char="•"/>
-            </a:pPr>
-            <a:r>
-              <a:rPr lang="en-US" sz="2400" dirty="0"/>
-              <a:t>Two models </a:t>
-            </a:r>
-            <a:r>
-              <a:rPr lang="en-US" sz="2400" dirty="0" smtClean="0"/>
-              <a:t>lead to the same conclusion</a:t>
-            </a:r>
-            <a:r>
-              <a:rPr lang="en-US" sz="2400" dirty="0"/>
-              <a:t>, that for </a:t>
-            </a:r>
-            <a:r>
-              <a:rPr lang="en-US" sz="2400" dirty="0" err="1"/>
-              <a:t>vinho</a:t>
-            </a:r>
-            <a:r>
-              <a:rPr lang="en-US" sz="2400" dirty="0"/>
-              <a:t> </a:t>
-            </a:r>
-            <a:r>
-              <a:rPr lang="en-US" sz="2400" dirty="0" err="1"/>
-              <a:t>verde</a:t>
-            </a:r>
-            <a:r>
-              <a:rPr lang="en-US" sz="2400" dirty="0"/>
-              <a:t> wine produced in Portugal, </a:t>
-            </a:r>
-            <a:r>
-              <a:rPr lang="en-US" sz="2400" b="1" dirty="0">
-                <a:highlight>
-                  <a:srgbClr val="C1CBD1"/>
-                </a:highlight>
-              </a:rPr>
-              <a:t>alcohol level</a:t>
-            </a:r>
-            <a:r>
-              <a:rPr lang="en-US" sz="2400" dirty="0"/>
-              <a:t>, </a:t>
-            </a:r>
-            <a:r>
-              <a:rPr lang="en-US" sz="2400" b="1" dirty="0">
-                <a:highlight>
-                  <a:srgbClr val="C1CBD1"/>
-                </a:highlight>
-              </a:rPr>
-              <a:t>acetic acid level</a:t>
-            </a:r>
-            <a:r>
-              <a:rPr lang="en-US" sz="2400" dirty="0"/>
-              <a:t>, and </a:t>
-            </a:r>
-            <a:r>
-              <a:rPr lang="en-US" sz="2400" b="1" dirty="0">
-                <a:highlight>
-                  <a:srgbClr val="C1CBD1"/>
-                </a:highlight>
-              </a:rPr>
-              <a:t>sulfate level </a:t>
-            </a:r>
-            <a:r>
-              <a:rPr lang="en-US" sz="2400" dirty="0"/>
-              <a:t>are very strong explaining factors</a:t>
-            </a:r>
-          </a:p>
-          <a:p>
-            <a:pPr marL="342900" indent="-342900">
-              <a:spcBef>
-                <a:spcPts val="600"/>
-              </a:spcBef>
-              <a:spcAft>
-                <a:spcPts val="600"/>
-              </a:spcAft>
-              <a:buFont typeface="Arial" panose="020B0604020202020204" pitchFamily="34" charset="0"/>
-              <a:buChar char="•"/>
-            </a:pPr>
-            <a:r>
-              <a:rPr lang="en-US" sz="2400" dirty="0"/>
-              <a:t>C</a:t>
-            </a:r>
-            <a:r>
-              <a:rPr lang="en-US" sz="2400" dirty="0" smtClean="0"/>
-              <a:t>itric </a:t>
-            </a:r>
-            <a:r>
-              <a:rPr lang="en-US" sz="2400" dirty="0"/>
-              <a:t>acid level and free sulfur dioxide </a:t>
-            </a:r>
-            <a:r>
-              <a:rPr lang="en-US" sz="2400" dirty="0" smtClean="0"/>
-              <a:t>level also </a:t>
-            </a:r>
-            <a:r>
-              <a:rPr lang="en-US" sz="2400" dirty="0"/>
-              <a:t>contribute to the variation in quality, though not as influential</a:t>
-            </a:r>
-          </a:p>
-        </p:txBody>
-      </p:sp>
       <p:grpSp>
         <p:nvGrpSpPr>
           <p:cNvPr id="7" name="Group 6">
             <a:extLst>
               <a:ext uri="{FF2B5EF4-FFF2-40B4-BE49-F238E27FC236}">
-                <a16:creationId xmlns="" xmlns:a16="http://schemas.microsoft.com/office/drawing/2014/main" id="{8D249270-B258-47EE-9F78-E5AE65AA180B}"/>
+                <a16:creationId xmlns:a16="http://schemas.microsoft.com/office/drawing/2014/main" id="{8D249270-B258-47EE-9F78-E5AE65AA180B}"/>
               </a:ext>
             </a:extLst>
           </p:cNvPr>
@@ -8787,7 +7547,7 @@
             <p:cNvPr id="4" name="Rectangle 3">
               <a:extLst>
                 <a:ext uri="{FF2B5EF4-FFF2-40B4-BE49-F238E27FC236}">
-                  <a16:creationId xmlns="" xmlns:a16="http://schemas.microsoft.com/office/drawing/2014/main" id="{2FCCC675-7070-4B95-BAF4-46C145F8B2E6}"/>
+                  <a16:creationId xmlns:a16="http://schemas.microsoft.com/office/drawing/2014/main" id="{2FCCC675-7070-4B95-BAF4-46C145F8B2E6}"/>
                 </a:ext>
               </a:extLst>
             </p:cNvPr>
@@ -8844,7 +7604,7 @@
             <p:cNvPr id="111" name="Rectangle 110">
               <a:extLst>
                 <a:ext uri="{FF2B5EF4-FFF2-40B4-BE49-F238E27FC236}">
-                  <a16:creationId xmlns="" xmlns:a16="http://schemas.microsoft.com/office/drawing/2014/main" id="{2D8CFF91-7D07-4655-A287-386DD0F9E46C}"/>
+                  <a16:creationId xmlns:a16="http://schemas.microsoft.com/office/drawing/2014/main" id="{2D8CFF91-7D07-4655-A287-386DD0F9E46C}"/>
                 </a:ext>
               </a:extLst>
             </p:cNvPr>
@@ -8910,7 +7670,7 @@
             <p:cNvPr id="114" name="Rectangle 113">
               <a:extLst>
                 <a:ext uri="{FF2B5EF4-FFF2-40B4-BE49-F238E27FC236}">
-                  <a16:creationId xmlns="" xmlns:a16="http://schemas.microsoft.com/office/drawing/2014/main" id="{2F9AF40D-FA74-44BA-ADD3-52E2FF649AB1}"/>
+                  <a16:creationId xmlns:a16="http://schemas.microsoft.com/office/drawing/2014/main" id="{2F9AF40D-FA74-44BA-ADD3-52E2FF649AB1}"/>
                 </a:ext>
               </a:extLst>
             </p:cNvPr>
@@ -8973,7 +7733,7 @@
           <p:cNvPr id="117" name="Group 116">
             <a:extLst>
               <a:ext uri="{FF2B5EF4-FFF2-40B4-BE49-F238E27FC236}">
-                <a16:creationId xmlns="" xmlns:a16="http://schemas.microsoft.com/office/drawing/2014/main" id="{077B2D07-89D1-4220-8A18-D9C1D38AF8D8}"/>
+                <a16:creationId xmlns:a16="http://schemas.microsoft.com/office/drawing/2014/main" id="{077B2D07-89D1-4220-8A18-D9C1D38AF8D8}"/>
               </a:ext>
             </a:extLst>
           </p:cNvPr>
@@ -8993,7 +7753,7 @@
             <p:cNvPr id="118" name="Rectangle 117">
               <a:extLst>
                 <a:ext uri="{FF2B5EF4-FFF2-40B4-BE49-F238E27FC236}">
-                  <a16:creationId xmlns="" xmlns:a16="http://schemas.microsoft.com/office/drawing/2014/main" id="{605EB007-EC38-4803-A9B7-B7551B687F97}"/>
+                  <a16:creationId xmlns:a16="http://schemas.microsoft.com/office/drawing/2014/main" id="{605EB007-EC38-4803-A9B7-B7551B687F97}"/>
                 </a:ext>
               </a:extLst>
             </p:cNvPr>
@@ -9050,7 +7810,7 @@
             <p:cNvPr id="119" name="Rectangle 118">
               <a:extLst>
                 <a:ext uri="{FF2B5EF4-FFF2-40B4-BE49-F238E27FC236}">
-                  <a16:creationId xmlns="" xmlns:a16="http://schemas.microsoft.com/office/drawing/2014/main" id="{100C9957-BB27-453A-ABC8-64DB7CAB3845}"/>
+                  <a16:creationId xmlns:a16="http://schemas.microsoft.com/office/drawing/2014/main" id="{100C9957-BB27-453A-ABC8-64DB7CAB3845}"/>
                 </a:ext>
               </a:extLst>
             </p:cNvPr>
@@ -9116,7 +7876,7 @@
             <p:cNvPr id="120" name="Rectangle 119">
               <a:extLst>
                 <a:ext uri="{FF2B5EF4-FFF2-40B4-BE49-F238E27FC236}">
-                  <a16:creationId xmlns="" xmlns:a16="http://schemas.microsoft.com/office/drawing/2014/main" id="{375EA1C8-1262-498D-8C2D-AD4124275EDF}"/>
+                  <a16:creationId xmlns:a16="http://schemas.microsoft.com/office/drawing/2014/main" id="{375EA1C8-1262-498D-8C2D-AD4124275EDF}"/>
                 </a:ext>
               </a:extLst>
             </p:cNvPr>
@@ -9180,10 +7940,10 @@
       </p:grpSp>
       <p:grpSp>
         <p:nvGrpSpPr>
-          <p:cNvPr id="121" name="Group 120">
+          <p:cNvPr id="133" name="Group 132">
             <a:extLst>
               <a:ext uri="{FF2B5EF4-FFF2-40B4-BE49-F238E27FC236}">
-                <a16:creationId xmlns="" xmlns:a16="http://schemas.microsoft.com/office/drawing/2014/main" id="{DF364E66-E0B3-4148-BD76-D85C0FFF51CD}"/>
+                <a16:creationId xmlns:a16="http://schemas.microsoft.com/office/drawing/2014/main" id="{973A9612-E1E2-425E-93D2-188496CFFDB2}"/>
               </a:ext>
             </a:extLst>
           </p:cNvPr>
@@ -9192,18 +7952,18 @@
         </p:nvGrpSpPr>
         <p:grpSpPr>
           <a:xfrm>
-            <a:off x="13443012" y="31236270"/>
-            <a:ext cx="8369204" cy="393539"/>
+            <a:off x="12094539" y="31261750"/>
+            <a:ext cx="10749452" cy="824674"/>
             <a:chOff x="513935" y="30222446"/>
             <a:chExt cx="8369204" cy="393539"/>
           </a:xfrm>
         </p:grpSpPr>
         <p:sp>
           <p:nvSpPr>
-            <p:cNvPr id="123" name="Rectangle 122">
+            <p:cNvPr id="135" name="Rectangle 134">
               <a:extLst>
                 <a:ext uri="{FF2B5EF4-FFF2-40B4-BE49-F238E27FC236}">
-                  <a16:creationId xmlns="" xmlns:a16="http://schemas.microsoft.com/office/drawing/2014/main" id="{14B73EF3-A062-42E0-90D9-3B08951C34A5}"/>
+                  <a16:creationId xmlns:a16="http://schemas.microsoft.com/office/drawing/2014/main" id="{DB3C64BF-0662-4231-95C0-053C1A890CBE}"/>
                 </a:ext>
               </a:extLst>
             </p:cNvPr>
@@ -9223,7 +7983,7 @@
                 <a:lumMod val="85000"/>
               </a:schemeClr>
             </a:solidFill>
-            <a:ln>
+            <a:ln w="41275">
               <a:solidFill>
                 <a:schemeClr val="tx1"/>
               </a:solidFill>
@@ -9251,7 +8011,7 @@
             <a:p>
               <a:pPr algn="ctr"/>
               <a:r>
-                <a:rPr lang="en-US" sz="2400" b="1" dirty="0">
+                <a:rPr lang="en-US" sz="3200" b="1" dirty="0">
                   <a:solidFill>
                     <a:schemeClr val="tx1">
                       <a:lumMod val="65000"/>
@@ -9261,15 +8021,23 @@
                 </a:rPr>
                 <a:t>Alcohol</a:t>
               </a:r>
+              <a:endParaRPr lang="en-US" sz="2400" b="1" dirty="0">
+                <a:solidFill>
+                  <a:schemeClr val="tx1">
+                    <a:lumMod val="65000"/>
+                    <a:lumOff val="35000"/>
+                  </a:schemeClr>
+                </a:solidFill>
+              </a:endParaRPr>
             </a:p>
           </p:txBody>
         </p:sp>
         <p:sp>
           <p:nvSpPr>
-            <p:cNvPr id="124" name="Rectangle 123">
+            <p:cNvPr id="138" name="Rectangle 137">
               <a:extLst>
                 <a:ext uri="{FF2B5EF4-FFF2-40B4-BE49-F238E27FC236}">
-                  <a16:creationId xmlns="" xmlns:a16="http://schemas.microsoft.com/office/drawing/2014/main" id="{1FE57E68-AE81-4F81-93A8-833089C63D01}"/>
+                  <a16:creationId xmlns:a16="http://schemas.microsoft.com/office/drawing/2014/main" id="{534FD93C-1FA7-426C-BA1C-D60ABBE9F109}"/>
                 </a:ext>
               </a:extLst>
             </p:cNvPr>
@@ -9289,7 +8057,7 @@
                 <a:lumMod val="85000"/>
               </a:schemeClr>
             </a:solidFill>
-            <a:ln>
+            <a:ln w="41275">
               <a:solidFill>
                 <a:schemeClr val="tx1"/>
               </a:solidFill>
@@ -9317,7 +8085,7 @@
             <a:p>
               <a:pPr algn="ctr"/>
               <a:r>
-                <a:rPr lang="en-US" sz="2400" b="1" dirty="0">
+                <a:rPr lang="en-US" sz="3200" b="1" dirty="0">
                   <a:solidFill>
                     <a:schemeClr val="tx1">
                       <a:lumMod val="65000"/>
@@ -9327,7 +8095,7 @@
                 </a:rPr>
                 <a:t>Volatile acetic acid</a:t>
               </a:r>
-              <a:endParaRPr lang="en-US" sz="2400" dirty="0">
+              <a:endParaRPr lang="en-US" sz="3200" dirty="0">
                 <a:solidFill>
                   <a:schemeClr val="tx1">
                     <a:lumMod val="65000"/>
@@ -9340,10 +8108,10 @@
         </p:sp>
         <p:sp>
           <p:nvSpPr>
-            <p:cNvPr id="136" name="Rectangle 135">
+            <p:cNvPr id="162" name="Rectangle 161">
               <a:extLst>
                 <a:ext uri="{FF2B5EF4-FFF2-40B4-BE49-F238E27FC236}">
-                  <a16:creationId xmlns="" xmlns:a16="http://schemas.microsoft.com/office/drawing/2014/main" id="{462441CB-840B-4D0B-A002-0E93C5736964}"/>
+                  <a16:creationId xmlns:a16="http://schemas.microsoft.com/office/drawing/2014/main" id="{705A5D57-A21F-4431-A37D-1C9A5C740DAF}"/>
                 </a:ext>
               </a:extLst>
             </p:cNvPr>
@@ -9363,7 +8131,7 @@
                 <a:lumMod val="85000"/>
               </a:schemeClr>
             </a:solidFill>
-            <a:ln>
+            <a:ln w="41275">
               <a:solidFill>
                 <a:schemeClr val="tx1"/>
               </a:solidFill>
@@ -9391,7 +8159,7 @@
             <a:p>
               <a:pPr algn="ctr"/>
               <a:r>
-                <a:rPr lang="en-US" sz="2400" b="1" dirty="0">
+                <a:rPr lang="en-US" sz="3200" b="1" dirty="0">
                   <a:solidFill>
                     <a:schemeClr val="tx1">
                       <a:lumMod val="65000"/>
@@ -9413,18 +8181,883 @@
           </p:txBody>
         </p:sp>
       </p:grpSp>
+      <p:sp>
+        <p:nvSpPr>
+          <p:cNvPr id="163" name="TextBox 162">
+            <a:extLst>
+              <a:ext uri="{FF2B5EF4-FFF2-40B4-BE49-F238E27FC236}">
+                <a16:creationId xmlns:a16="http://schemas.microsoft.com/office/drawing/2014/main" id="{6CA277A3-75A4-4306-8638-339023C15510}"/>
+              </a:ext>
+            </a:extLst>
+          </p:cNvPr>
+          <p:cNvSpPr txBox="1"/>
+          <p:nvPr/>
+        </p:nvSpPr>
+        <p:spPr>
+          <a:xfrm>
+            <a:off x="23335885" y="26832048"/>
+            <a:ext cx="8500475" cy="4832092"/>
+          </a:xfrm>
+          <a:prstGeom prst="rect">
+            <a:avLst/>
+          </a:prstGeom>
+          <a:noFill/>
+        </p:spPr>
+        <p:txBody>
+          <a:bodyPr wrap="square" rtlCol="0">
+            <a:spAutoFit/>
+          </a:bodyPr>
+          <a:lstStyle/>
+          <a:p>
+            <a:pPr marL="342900" indent="-342900">
+              <a:spcBef>
+                <a:spcPts val="600"/>
+              </a:spcBef>
+              <a:spcAft>
+                <a:spcPts val="600"/>
+              </a:spcAft>
+              <a:buFont typeface="Arial" panose="020B0604020202020204" pitchFamily="34" charset="0"/>
+              <a:buChar char="•"/>
+            </a:pPr>
+            <a:r>
+              <a:rPr lang="en-US" altLang="zh-CN" sz="2400" b="1" dirty="0"/>
+              <a:t>Extrapolation</a:t>
+            </a:r>
+            <a:r>
+              <a:rPr lang="en-US" altLang="zh-CN" sz="2400" dirty="0"/>
+              <a:t>: the sample data has wine with quality mostly ranging from 4 to 7. For future uses, it is very important not to extrapolate beyond this quality range, or the model will not give valuable explanation</a:t>
+            </a:r>
+          </a:p>
+          <a:p>
+            <a:pPr marL="342900" indent="-342900">
+              <a:spcBef>
+                <a:spcPts val="600"/>
+              </a:spcBef>
+              <a:spcAft>
+                <a:spcPts val="600"/>
+              </a:spcAft>
+              <a:buFont typeface="Arial" panose="020B0604020202020204" pitchFamily="34" charset="0"/>
+              <a:buChar char="•"/>
+            </a:pPr>
+            <a:r>
+              <a:rPr lang="en-US" altLang="zh-CN" sz="2400" b="1" dirty="0"/>
+              <a:t>Assumption concern: </a:t>
+            </a:r>
+            <a:r>
+              <a:rPr lang="en-US" altLang="zh-CN" sz="2400" dirty="0"/>
+              <a:t>In both models, there are some slightly non-random patterns for the binned residual plots for a few variables, which require care and possible future analysis – we did not conduct further improvements as they are beyond our knowledge learned in class</a:t>
+            </a:r>
+          </a:p>
+          <a:p>
+            <a:pPr marL="342900" indent="-342900">
+              <a:spcBef>
+                <a:spcPts val="600"/>
+              </a:spcBef>
+              <a:spcAft>
+                <a:spcPts val="600"/>
+              </a:spcAft>
+              <a:buFont typeface="Arial" panose="020B0604020202020204" pitchFamily="34" charset="0"/>
+              <a:buChar char="•"/>
+            </a:pPr>
+            <a:r>
+              <a:rPr lang="en-US" altLang="zh-CN" sz="2400" b="1" dirty="0"/>
+              <a:t>Test set: </a:t>
+            </a:r>
+            <a:r>
+              <a:rPr lang="en-US" altLang="zh-CN" sz="2400" dirty="0"/>
+              <a:t>Model should also be tested on larger and more comprehensive datasets and more chemical factors can be included for future modeling</a:t>
+            </a:r>
+            <a:endParaRPr lang="en-US" sz="2400" dirty="0"/>
+          </a:p>
+        </p:txBody>
+      </p:sp>
+      <p:sp>
+        <p:nvSpPr>
+          <p:cNvPr id="164" name="TextBox 163">
+            <a:extLst>
+              <a:ext uri="{FF2B5EF4-FFF2-40B4-BE49-F238E27FC236}">
+                <a16:creationId xmlns:a16="http://schemas.microsoft.com/office/drawing/2014/main" id="{2DFE8ED6-5F68-493B-A65A-46B02CC62113}"/>
+              </a:ext>
+            </a:extLst>
+          </p:cNvPr>
+          <p:cNvSpPr txBox="1"/>
+          <p:nvPr/>
+        </p:nvSpPr>
+        <p:spPr>
+          <a:xfrm>
+            <a:off x="16700872" y="3639635"/>
+            <a:ext cx="10103242" cy="1107996"/>
+          </a:xfrm>
+          <a:prstGeom prst="rect">
+            <a:avLst/>
+          </a:prstGeom>
+          <a:noFill/>
+        </p:spPr>
+        <p:txBody>
+          <a:bodyPr wrap="square" rtlCol="0">
+            <a:spAutoFit/>
+          </a:bodyPr>
+          <a:lstStyle/>
+          <a:p>
+            <a:pPr algn="ctr"/>
+            <a:r>
+              <a:rPr lang="en-US" sz="6600" b="1" u="sng" dirty="0">
+                <a:solidFill>
+                  <a:schemeClr val="tx1">
+                    <a:lumMod val="65000"/>
+                    <a:lumOff val="35000"/>
+                  </a:schemeClr>
+                </a:solidFill>
+                <a:highlight>
+                  <a:srgbClr val="EAEAEA"/>
+                </a:highlight>
+              </a:rPr>
+              <a:t>W</a:t>
+            </a:r>
+            <a:r>
+              <a:rPr lang="en-US" sz="4400" b="1" u="sng" dirty="0">
+                <a:solidFill>
+                  <a:schemeClr val="tx1">
+                    <a:lumMod val="65000"/>
+                    <a:lumOff val="35000"/>
+                  </a:schemeClr>
+                </a:solidFill>
+                <a:highlight>
+                  <a:srgbClr val="EAEAEA"/>
+                </a:highlight>
+              </a:rPr>
+              <a:t>hat Makes a Good Glass of Wine</a:t>
+            </a:r>
+            <a:endParaRPr lang="en-US" sz="1600" b="1" u="sng" dirty="0">
+              <a:solidFill>
+                <a:schemeClr val="tx1">
+                  <a:lumMod val="65000"/>
+                  <a:lumOff val="35000"/>
+                </a:schemeClr>
+              </a:solidFill>
+              <a:highlight>
+                <a:srgbClr val="EAEAEA"/>
+              </a:highlight>
+            </a:endParaRPr>
+          </a:p>
+        </p:txBody>
+      </p:sp>
+      <p:sp>
+        <p:nvSpPr>
+          <p:cNvPr id="165" name="TextBox 164">
+            <a:extLst>
+              <a:ext uri="{FF2B5EF4-FFF2-40B4-BE49-F238E27FC236}">
+                <a16:creationId xmlns:a16="http://schemas.microsoft.com/office/drawing/2014/main" id="{4E87B60A-7C2E-4370-BEE8-3E26EBE4EB27}"/>
+              </a:ext>
+            </a:extLst>
+          </p:cNvPr>
+          <p:cNvSpPr txBox="1"/>
+          <p:nvPr/>
+        </p:nvSpPr>
+        <p:spPr>
+          <a:xfrm>
+            <a:off x="14798343" y="8478109"/>
+            <a:ext cx="14294514" cy="1107996"/>
+          </a:xfrm>
+          <a:prstGeom prst="rect">
+            <a:avLst/>
+          </a:prstGeom>
+          <a:noFill/>
+        </p:spPr>
+        <p:txBody>
+          <a:bodyPr wrap="square" rtlCol="0">
+            <a:spAutoFit/>
+          </a:bodyPr>
+          <a:lstStyle/>
+          <a:p>
+            <a:pPr algn="ctr"/>
+            <a:r>
+              <a:rPr lang="en-US" sz="6600" b="1" u="sng" dirty="0">
+                <a:solidFill>
+                  <a:schemeClr val="tx1">
+                    <a:lumMod val="65000"/>
+                    <a:lumOff val="35000"/>
+                  </a:schemeClr>
+                </a:solidFill>
+                <a:highlight>
+                  <a:srgbClr val="EAEAEA"/>
+                </a:highlight>
+              </a:rPr>
+              <a:t>W</a:t>
+            </a:r>
+            <a:r>
+              <a:rPr lang="en-US" sz="4400" b="1" u="sng" dirty="0">
+                <a:solidFill>
+                  <a:schemeClr val="tx1">
+                    <a:lumMod val="65000"/>
+                    <a:lumOff val="35000"/>
+                  </a:schemeClr>
+                </a:solidFill>
+                <a:highlight>
+                  <a:srgbClr val="EAEAEA"/>
+                </a:highlight>
+              </a:rPr>
+              <a:t>hy Proportional Odds &amp; Logistic Model</a:t>
+            </a:r>
+            <a:endParaRPr lang="en-US" sz="2000" b="1" u="sng" dirty="0">
+              <a:solidFill>
+                <a:schemeClr val="tx1">
+                  <a:lumMod val="65000"/>
+                  <a:lumOff val="35000"/>
+                </a:schemeClr>
+              </a:solidFill>
+              <a:highlight>
+                <a:srgbClr val="EAEAEA"/>
+              </a:highlight>
+            </a:endParaRPr>
+          </a:p>
+        </p:txBody>
+      </p:sp>
+      <p:sp>
+        <p:nvSpPr>
+          <p:cNvPr id="166" name="TextBox 165">
+            <a:extLst>
+              <a:ext uri="{FF2B5EF4-FFF2-40B4-BE49-F238E27FC236}">
+                <a16:creationId xmlns:a16="http://schemas.microsoft.com/office/drawing/2014/main" id="{7FB0BF8A-4667-45E4-AAC7-019143BEFC02}"/>
+              </a:ext>
+            </a:extLst>
+          </p:cNvPr>
+          <p:cNvSpPr txBox="1"/>
+          <p:nvPr/>
+        </p:nvSpPr>
+        <p:spPr>
+          <a:xfrm>
+            <a:off x="16597617" y="13133403"/>
+            <a:ext cx="10695966" cy="1107996"/>
+          </a:xfrm>
+          <a:prstGeom prst="rect">
+            <a:avLst/>
+          </a:prstGeom>
+          <a:noFill/>
+        </p:spPr>
+        <p:txBody>
+          <a:bodyPr wrap="square" rtlCol="0">
+            <a:spAutoFit/>
+          </a:bodyPr>
+          <a:lstStyle/>
+          <a:p>
+            <a:pPr algn="ctr"/>
+            <a:r>
+              <a:rPr lang="en-US" sz="6600" b="1" u="sng" dirty="0">
+                <a:solidFill>
+                  <a:schemeClr val="tx1">
+                    <a:lumMod val="65000"/>
+                    <a:lumOff val="35000"/>
+                  </a:schemeClr>
+                </a:solidFill>
+                <a:highlight>
+                  <a:srgbClr val="EAEAEA"/>
+                </a:highlight>
+              </a:rPr>
+              <a:t>D</a:t>
+            </a:r>
+            <a:r>
+              <a:rPr lang="en-US" sz="4400" b="1" u="sng" dirty="0">
+                <a:solidFill>
+                  <a:schemeClr val="tx1">
+                    <a:lumMod val="65000"/>
+                    <a:lumOff val="35000"/>
+                  </a:schemeClr>
+                </a:solidFill>
+                <a:highlight>
+                  <a:srgbClr val="EAEAEA"/>
+                </a:highlight>
+              </a:rPr>
+              <a:t>ata Explanation &amp; Data Exploration</a:t>
+            </a:r>
+            <a:endParaRPr lang="en-US" sz="1800" b="1" u="sng" dirty="0">
+              <a:solidFill>
+                <a:schemeClr val="tx1">
+                  <a:lumMod val="65000"/>
+                  <a:lumOff val="35000"/>
+                </a:schemeClr>
+              </a:solidFill>
+              <a:highlight>
+                <a:srgbClr val="EAEAEA"/>
+              </a:highlight>
+            </a:endParaRPr>
+          </a:p>
+        </p:txBody>
+      </p:sp>
+      <p:sp>
+        <p:nvSpPr>
+          <p:cNvPr id="167" name="TextBox 166">
+            <a:extLst>
+              <a:ext uri="{FF2B5EF4-FFF2-40B4-BE49-F238E27FC236}">
+                <a16:creationId xmlns:a16="http://schemas.microsoft.com/office/drawing/2014/main" id="{2BF29F56-97FD-429C-82F4-C9A59A74EA05}"/>
+              </a:ext>
+            </a:extLst>
+          </p:cNvPr>
+          <p:cNvSpPr txBox="1"/>
+          <p:nvPr/>
+        </p:nvSpPr>
+        <p:spPr>
+          <a:xfrm>
+            <a:off x="14737910" y="25110603"/>
+            <a:ext cx="5462710" cy="1107996"/>
+          </a:xfrm>
+          <a:prstGeom prst="rect">
+            <a:avLst/>
+          </a:prstGeom>
+          <a:noFill/>
+        </p:spPr>
+        <p:txBody>
+          <a:bodyPr wrap="square" rtlCol="0">
+            <a:spAutoFit/>
+          </a:bodyPr>
+          <a:lstStyle/>
+          <a:p>
+            <a:pPr algn="ctr"/>
+            <a:r>
+              <a:rPr lang="en-US" altLang="zh-CN" sz="6600" b="1" u="sng" dirty="0">
+                <a:solidFill>
+                  <a:schemeClr val="tx1">
+                    <a:lumMod val="65000"/>
+                    <a:lumOff val="35000"/>
+                  </a:schemeClr>
+                </a:solidFill>
+                <a:highlight>
+                  <a:srgbClr val="EAEAEA"/>
+                </a:highlight>
+              </a:rPr>
+              <a:t>C</a:t>
+            </a:r>
+            <a:r>
+              <a:rPr lang="en-US" sz="4400" b="1" u="sng" dirty="0">
+                <a:solidFill>
+                  <a:schemeClr val="tx1">
+                    <a:lumMod val="65000"/>
+                    <a:lumOff val="35000"/>
+                  </a:schemeClr>
+                </a:solidFill>
+                <a:highlight>
+                  <a:srgbClr val="EAEAEA"/>
+                </a:highlight>
+              </a:rPr>
+              <a:t>onclusion</a:t>
+            </a:r>
+            <a:endParaRPr lang="en-US" sz="1800" b="1" u="sng" dirty="0">
+              <a:solidFill>
+                <a:schemeClr val="tx1">
+                  <a:lumMod val="65000"/>
+                  <a:lumOff val="35000"/>
+                </a:schemeClr>
+              </a:solidFill>
+              <a:highlight>
+                <a:srgbClr val="EAEAEA"/>
+              </a:highlight>
+            </a:endParaRPr>
+          </a:p>
+        </p:txBody>
+      </p:sp>
+      <p:sp>
+        <p:nvSpPr>
+          <p:cNvPr id="168" name="TextBox 167">
+            <a:extLst>
+              <a:ext uri="{FF2B5EF4-FFF2-40B4-BE49-F238E27FC236}">
+                <a16:creationId xmlns:a16="http://schemas.microsoft.com/office/drawing/2014/main" id="{F8B623D1-522A-44D6-8532-02237AE94D68}"/>
+              </a:ext>
+            </a:extLst>
+          </p:cNvPr>
+          <p:cNvSpPr txBox="1"/>
+          <p:nvPr/>
+        </p:nvSpPr>
+        <p:spPr>
+          <a:xfrm>
+            <a:off x="23335885" y="25144942"/>
+            <a:ext cx="9323238" cy="1107996"/>
+          </a:xfrm>
+          <a:prstGeom prst="rect">
+            <a:avLst/>
+          </a:prstGeom>
+          <a:noFill/>
+        </p:spPr>
+        <p:txBody>
+          <a:bodyPr wrap="square" rtlCol="0">
+            <a:spAutoFit/>
+          </a:bodyPr>
+          <a:lstStyle/>
+          <a:p>
+            <a:pPr algn="ctr"/>
+            <a:r>
+              <a:rPr lang="en-US" altLang="zh-CN" sz="6600" b="1" u="sng" dirty="0">
+                <a:solidFill>
+                  <a:schemeClr val="tx1">
+                    <a:lumMod val="65000"/>
+                    <a:lumOff val="35000"/>
+                  </a:schemeClr>
+                </a:solidFill>
+                <a:highlight>
+                  <a:srgbClr val="EAEAEA"/>
+                </a:highlight>
+              </a:rPr>
+              <a:t>L</a:t>
+            </a:r>
+            <a:r>
+              <a:rPr lang="en-US" sz="4400" b="1" u="sng" dirty="0">
+                <a:solidFill>
+                  <a:schemeClr val="tx1">
+                    <a:lumMod val="65000"/>
+                    <a:lumOff val="35000"/>
+                  </a:schemeClr>
+                </a:solidFill>
+                <a:highlight>
+                  <a:srgbClr val="EAEAEA"/>
+                </a:highlight>
+              </a:rPr>
+              <a:t>imitation</a:t>
+            </a:r>
+            <a:endParaRPr lang="en-US" sz="1800" b="1" u="sng" dirty="0">
+              <a:solidFill>
+                <a:schemeClr val="tx1">
+                  <a:lumMod val="65000"/>
+                  <a:lumOff val="35000"/>
+                </a:schemeClr>
+              </a:solidFill>
+              <a:highlight>
+                <a:srgbClr val="EAEAEA"/>
+              </a:highlight>
+            </a:endParaRPr>
+          </a:p>
+        </p:txBody>
+      </p:sp>
+      <p:sp>
+        <p:nvSpPr>
+          <p:cNvPr id="169" name="TextBox 168">
+            <a:extLst>
+              <a:ext uri="{FF2B5EF4-FFF2-40B4-BE49-F238E27FC236}">
+                <a16:creationId xmlns:a16="http://schemas.microsoft.com/office/drawing/2014/main" id="{7C7CE318-44E0-441C-A44E-CAF5839FD08A}"/>
+              </a:ext>
+            </a:extLst>
+          </p:cNvPr>
+          <p:cNvSpPr txBox="1"/>
+          <p:nvPr/>
+        </p:nvSpPr>
+        <p:spPr>
+          <a:xfrm>
+            <a:off x="32650489" y="7425005"/>
+            <a:ext cx="10925175" cy="2616101"/>
+          </a:xfrm>
+          <a:prstGeom prst="rect">
+            <a:avLst/>
+          </a:prstGeom>
+          <a:noFill/>
+        </p:spPr>
+        <p:txBody>
+          <a:bodyPr wrap="square" rtlCol="0">
+            <a:spAutoFit/>
+          </a:bodyPr>
+          <a:lstStyle/>
+          <a:p>
+            <a:pPr marL="342900" indent="-342900">
+              <a:spcBef>
+                <a:spcPts val="600"/>
+              </a:spcBef>
+              <a:spcAft>
+                <a:spcPts val="600"/>
+              </a:spcAft>
+              <a:buFont typeface="Arial" panose="020B0604020202020204" pitchFamily="34" charset="0"/>
+              <a:buChar char="•"/>
+            </a:pPr>
+            <a:r>
+              <a:rPr lang="en-US" sz="2400" b="1" dirty="0" err="1">
+                <a:highlight>
+                  <a:srgbClr val="C0C0C0"/>
+                </a:highlight>
+              </a:rPr>
+              <a:t>Volatile.acidityCent</a:t>
+            </a:r>
+            <a:r>
+              <a:rPr lang="en-US" sz="2400" dirty="0"/>
+              <a:t>, </a:t>
+            </a:r>
+            <a:r>
+              <a:rPr lang="en-US" sz="2400" b="1" dirty="0" err="1">
+                <a:highlight>
+                  <a:srgbClr val="C0C0C0"/>
+                </a:highlight>
+              </a:rPr>
+              <a:t>log_sulphates</a:t>
+            </a:r>
+            <a:r>
+              <a:rPr lang="en-US" sz="2400" dirty="0"/>
+              <a:t>,</a:t>
+            </a:r>
+            <a:r>
+              <a:rPr lang="en-US" altLang="zh-CN" sz="2400" b="1" dirty="0">
+                <a:highlight>
+                  <a:srgbClr val="C0C0C0"/>
+                </a:highlight>
+              </a:rPr>
+              <a:t> </a:t>
+            </a:r>
+            <a:r>
+              <a:rPr lang="en-US" altLang="zh-CN" sz="2400" b="1" dirty="0" err="1">
+                <a:highlight>
+                  <a:srgbClr val="C0C0C0"/>
+                </a:highlight>
+              </a:rPr>
+              <a:t>log_sulphates:pHCent</a:t>
+            </a:r>
+            <a:r>
+              <a:rPr lang="en-US" altLang="zh-CN" sz="2400" dirty="0"/>
+              <a:t>, and</a:t>
+            </a:r>
+            <a:r>
+              <a:rPr lang="en-US" sz="2400" dirty="0"/>
+              <a:t> </a:t>
+            </a:r>
+            <a:r>
+              <a:rPr lang="en-US" sz="2400" b="1" dirty="0" err="1">
+                <a:highlight>
+                  <a:srgbClr val="C0C0C0"/>
+                </a:highlight>
+              </a:rPr>
+              <a:t>chloridesCent</a:t>
+            </a:r>
+            <a:r>
+              <a:rPr lang="en-US" sz="2400" dirty="0"/>
+              <a:t>, and are most influential predictors.</a:t>
+            </a:r>
+            <a:r>
+              <a:rPr lang="en-US" altLang="zh-CN" sz="2400" dirty="0"/>
+              <a:t> </a:t>
+            </a:r>
+          </a:p>
+          <a:p>
+            <a:pPr marL="342900" indent="-342900">
+              <a:spcBef>
+                <a:spcPts val="600"/>
+              </a:spcBef>
+              <a:spcAft>
+                <a:spcPts val="600"/>
+              </a:spcAft>
+              <a:buFont typeface="Arial" panose="020B0604020202020204" pitchFamily="34" charset="0"/>
+              <a:buChar char="•"/>
+            </a:pPr>
+            <a:r>
+              <a:rPr lang="en-US" sz="2400" b="1" dirty="0" err="1">
+                <a:highlight>
+                  <a:srgbClr val="C0C0C0"/>
+                </a:highlight>
+              </a:rPr>
+              <a:t>pHCent</a:t>
+            </a:r>
+            <a:r>
+              <a:rPr lang="en-US" sz="2400" dirty="0"/>
+              <a:t> and </a:t>
+            </a:r>
+            <a:r>
+              <a:rPr lang="en-US" sz="2400" b="1" dirty="0" err="1">
+                <a:highlight>
+                  <a:srgbClr val="C0C0C0"/>
+                </a:highlight>
+              </a:rPr>
+              <a:t>chloridesCent</a:t>
+            </a:r>
+            <a:r>
+              <a:rPr lang="en-US" sz="2400" dirty="0"/>
+              <a:t> have p-values exceeding the 0.05 threshold, so the extent of their impact is not significant.</a:t>
+            </a:r>
+          </a:p>
+          <a:p>
+            <a:pPr marL="342900" indent="-342900">
+              <a:spcBef>
+                <a:spcPts val="600"/>
+              </a:spcBef>
+              <a:spcAft>
+                <a:spcPts val="600"/>
+              </a:spcAft>
+              <a:buFont typeface="Arial" panose="020B0604020202020204" pitchFamily="34" charset="0"/>
+              <a:buChar char="•"/>
+            </a:pPr>
+            <a:r>
+              <a:rPr lang="en-US" altLang="zh-CN" sz="2400" dirty="0"/>
+              <a:t>The remaining variables are very strong predictors with p-value = 0, but the magnitude of impact is not that large as their coefficients are relatively small.</a:t>
+            </a:r>
+          </a:p>
+        </p:txBody>
+      </p:sp>
+      <p:sp>
+        <p:nvSpPr>
+          <p:cNvPr id="170" name="TextBox 169">
+            <a:extLst>
+              <a:ext uri="{FF2B5EF4-FFF2-40B4-BE49-F238E27FC236}">
+                <a16:creationId xmlns:a16="http://schemas.microsoft.com/office/drawing/2014/main" id="{198BEDFB-3C6A-473B-838C-28A0CD430F47}"/>
+              </a:ext>
+            </a:extLst>
+          </p:cNvPr>
+          <p:cNvSpPr txBox="1"/>
+          <p:nvPr/>
+        </p:nvSpPr>
+        <p:spPr>
+          <a:xfrm>
+            <a:off x="11862529" y="26412193"/>
+            <a:ext cx="11180120" cy="4247317"/>
+          </a:xfrm>
+          <a:prstGeom prst="rect">
+            <a:avLst/>
+          </a:prstGeom>
+          <a:noFill/>
+        </p:spPr>
+        <p:txBody>
+          <a:bodyPr wrap="square" rtlCol="0">
+            <a:spAutoFit/>
+          </a:bodyPr>
+          <a:lstStyle/>
+          <a:p>
+            <a:pPr marL="342900" indent="-342900">
+              <a:spcBef>
+                <a:spcPts val="600"/>
+              </a:spcBef>
+              <a:spcAft>
+                <a:spcPts val="600"/>
+              </a:spcAft>
+              <a:buFont typeface="Arial" panose="020B0604020202020204" pitchFamily="34" charset="0"/>
+              <a:buChar char="•"/>
+            </a:pPr>
+            <a:r>
+              <a:rPr lang="en-US" sz="2400" dirty="0"/>
+              <a:t>Our project goal is explanation: to identify the chemical factors that make significant contribution to the quality of wine</a:t>
+            </a:r>
+          </a:p>
+          <a:p>
+            <a:pPr marL="342900" indent="-342900">
+              <a:spcBef>
+                <a:spcPts val="600"/>
+              </a:spcBef>
+              <a:spcAft>
+                <a:spcPts val="600"/>
+              </a:spcAft>
+              <a:buFont typeface="Arial" panose="020B0604020202020204" pitchFamily="34" charset="0"/>
+              <a:buChar char="•"/>
+            </a:pPr>
+            <a:r>
+              <a:rPr lang="en-US" sz="2400" dirty="0"/>
+              <a:t>As quality is a discrete variable, we used logistic model and ordinal logistic model for our research, serving customers and wine professionals, respectively</a:t>
+            </a:r>
+          </a:p>
+          <a:p>
+            <a:pPr marL="342900" indent="-342900">
+              <a:spcBef>
+                <a:spcPts val="600"/>
+              </a:spcBef>
+              <a:spcAft>
+                <a:spcPts val="600"/>
+              </a:spcAft>
+              <a:buFont typeface="Arial" panose="020B0604020202020204" pitchFamily="34" charset="0"/>
+              <a:buChar char="•"/>
+            </a:pPr>
+            <a:r>
+              <a:rPr lang="en-US" sz="2400" dirty="0"/>
+              <a:t>Two models congruently leads to the conclusion, that for </a:t>
+            </a:r>
+            <a:r>
+              <a:rPr lang="en-US" sz="2400" dirty="0" err="1"/>
+              <a:t>vinho</a:t>
+            </a:r>
+            <a:r>
+              <a:rPr lang="en-US" sz="2400" dirty="0"/>
+              <a:t> </a:t>
+            </a:r>
+            <a:r>
+              <a:rPr lang="en-US" sz="2400" dirty="0" err="1"/>
+              <a:t>verde</a:t>
+            </a:r>
+            <a:r>
+              <a:rPr lang="en-US" sz="2400" dirty="0"/>
+              <a:t> wine produced in Portugal, </a:t>
+            </a:r>
+            <a:r>
+              <a:rPr lang="en-US" sz="2400" b="1" dirty="0">
+                <a:highlight>
+                  <a:srgbClr val="C1CBD1"/>
+                </a:highlight>
+              </a:rPr>
+              <a:t>alcohol level</a:t>
+            </a:r>
+            <a:r>
+              <a:rPr lang="en-US" sz="2400" dirty="0"/>
+              <a:t>, </a:t>
+            </a:r>
+            <a:r>
+              <a:rPr lang="en-US" sz="2400" b="1" dirty="0">
+                <a:highlight>
+                  <a:srgbClr val="C1CBD1"/>
+                </a:highlight>
+              </a:rPr>
+              <a:t>acetic acid level</a:t>
+            </a:r>
+            <a:r>
+              <a:rPr lang="en-US" sz="2400" dirty="0"/>
+              <a:t>, and </a:t>
+            </a:r>
+            <a:r>
+              <a:rPr lang="en-US" sz="2400" b="1" dirty="0">
+                <a:highlight>
+                  <a:srgbClr val="C1CBD1"/>
+                </a:highlight>
+              </a:rPr>
+              <a:t>sulfate level </a:t>
+            </a:r>
+            <a:r>
+              <a:rPr lang="en-US" sz="2400" dirty="0"/>
+              <a:t>are very strong explaining factors</a:t>
+            </a:r>
+          </a:p>
+          <a:p>
+            <a:pPr marL="342900" indent="-342900">
+              <a:spcBef>
+                <a:spcPts val="600"/>
+              </a:spcBef>
+              <a:spcAft>
+                <a:spcPts val="600"/>
+              </a:spcAft>
+              <a:buFont typeface="Arial" panose="020B0604020202020204" pitchFamily="34" charset="0"/>
+              <a:buChar char="•"/>
+            </a:pPr>
+            <a:r>
+              <a:rPr lang="en-US" sz="2400" dirty="0"/>
+              <a:t>citric acid level and free sulfur dioxide level contribute to the variation in quality, though not as influential</a:t>
+            </a:r>
+          </a:p>
+        </p:txBody>
+      </p:sp>
+      <p:sp>
+        <p:nvSpPr>
+          <p:cNvPr id="171" name="文本框 7">
+            <a:extLst>
+              <a:ext uri="{FF2B5EF4-FFF2-40B4-BE49-F238E27FC236}">
+                <a16:creationId xmlns:a16="http://schemas.microsoft.com/office/drawing/2014/main" id="{969F3FA3-155D-44C6-ADB1-FF170D6609EB}"/>
+              </a:ext>
+            </a:extLst>
+          </p:cNvPr>
+          <p:cNvSpPr txBox="1"/>
+          <p:nvPr/>
+        </p:nvSpPr>
+        <p:spPr>
+          <a:xfrm>
+            <a:off x="183016" y="31261750"/>
+            <a:ext cx="11190214" cy="1554272"/>
+          </a:xfrm>
+          <a:prstGeom prst="rect">
+            <a:avLst/>
+          </a:prstGeom>
+          <a:noFill/>
+        </p:spPr>
+        <p:txBody>
+          <a:bodyPr wrap="square" rtlCol="0">
+            <a:spAutoFit/>
+          </a:bodyPr>
+          <a:lstStyle/>
+          <a:p>
+            <a:pPr>
+              <a:spcBef>
+                <a:spcPts val="600"/>
+              </a:spcBef>
+            </a:pPr>
+            <a:r>
+              <a:rPr lang="en-US" altLang="zh-CN" sz="1800" i="1" dirty="0">
+                <a:solidFill>
+                  <a:schemeClr val="bg1">
+                    <a:lumMod val="50000"/>
+                  </a:schemeClr>
+                </a:solidFill>
+              </a:rPr>
+              <a:t>References:  </a:t>
+            </a:r>
+          </a:p>
+          <a:p>
+            <a:pPr>
+              <a:spcBef>
+                <a:spcPts val="600"/>
+              </a:spcBef>
+            </a:pPr>
+            <a:r>
+              <a:rPr lang="en-US" altLang="zh-CN" sz="1600" i="1" dirty="0" err="1">
+                <a:solidFill>
+                  <a:schemeClr val="bg1">
+                    <a:lumMod val="50000"/>
+                  </a:schemeClr>
+                </a:solidFill>
+              </a:rPr>
+              <a:t>Vinho</a:t>
+            </a:r>
+            <a:r>
+              <a:rPr lang="en-US" altLang="zh-CN" sz="1600" i="1" dirty="0">
+                <a:solidFill>
+                  <a:schemeClr val="bg1">
+                    <a:lumMod val="50000"/>
+                  </a:schemeClr>
+                </a:solidFill>
+              </a:rPr>
+              <a:t> Verde. (2018, September 20). Retrieved from https://en.wikipedia.org/wiki/Vinho_Verde</a:t>
+            </a:r>
+            <a:endParaRPr lang="en-US" altLang="zh-CN" sz="1800" i="1" dirty="0">
+              <a:solidFill>
+                <a:schemeClr val="bg1">
+                  <a:lumMod val="50000"/>
+                </a:schemeClr>
+              </a:solidFill>
+            </a:endParaRPr>
+          </a:p>
+          <a:p>
+            <a:pPr>
+              <a:spcBef>
+                <a:spcPts val="600"/>
+              </a:spcBef>
+            </a:pPr>
+            <a:r>
+              <a:rPr lang="en-US" altLang="zh-CN" sz="1600" i="1" dirty="0">
+                <a:solidFill>
+                  <a:schemeClr val="bg1">
+                    <a:lumMod val="50000"/>
+                  </a:schemeClr>
+                </a:solidFill>
+              </a:rPr>
+              <a:t>Cortez, P., </a:t>
+            </a:r>
+            <a:r>
+              <a:rPr lang="en-US" altLang="zh-CN" sz="1600" i="1" dirty="0" err="1">
+                <a:solidFill>
+                  <a:schemeClr val="bg1">
+                    <a:lumMod val="50000"/>
+                  </a:schemeClr>
+                </a:solidFill>
+              </a:rPr>
+              <a:t>Cerdeira</a:t>
+            </a:r>
+            <a:r>
+              <a:rPr lang="en-US" altLang="zh-CN" sz="1600" i="1" dirty="0">
+                <a:solidFill>
+                  <a:schemeClr val="bg1">
+                    <a:lumMod val="50000"/>
+                  </a:schemeClr>
+                </a:solidFill>
+              </a:rPr>
+              <a:t>, A., Almeida, F., Matos, T., &amp; Reis, J. (2009). Modeling wine preferences by data mining from physicochemical properties. Decision Support Systems,47(4), 547-553. doi:10.1016/j.dss.2009.05.016</a:t>
+            </a:r>
+          </a:p>
+          <a:p>
+            <a:pPr>
+              <a:spcBef>
+                <a:spcPts val="600"/>
+              </a:spcBef>
+            </a:pPr>
+            <a:endParaRPr lang="zh-CN" altLang="en-US" dirty="0"/>
+          </a:p>
+        </p:txBody>
+      </p:sp>
     </p:spTree>
   </p:cSld>
   <p:clrMapOvr>
     <a:masterClrMapping/>
   </p:clrMapOvr>
-  <p:timing>
-    <p:tnLst>
-      <p:par>
-        <p:cTn id="1" dur="indefinite" restart="never" nodeType="tmRoot"/>
-      </p:par>
-    </p:tnLst>
-  </p:timing>
 </p:sld>
 </file>
 
